--- a/2019AzureBootcampASPNETCore.pptx
+++ b/2019AzureBootcampASPNETCore.pptx
@@ -5,10 +5,10 @@
     <p:sldMasterId id="2147483660" r:id="rId1"/>
   </p:sldMasterIdLst>
   <p:notesMasterIdLst>
-    <p:notesMasterId r:id="rId51"/>
+    <p:notesMasterId r:id="rId53"/>
   </p:notesMasterIdLst>
   <p:handoutMasterIdLst>
-    <p:handoutMasterId r:id="rId52"/>
+    <p:handoutMasterId r:id="rId54"/>
   </p:handoutMasterIdLst>
   <p:sldIdLst>
     <p:sldId id="256" r:id="rId2"/>
@@ -58,8 +58,10 @@
     <p:sldId id="1606" r:id="rId46"/>
     <p:sldId id="1612" r:id="rId47"/>
     <p:sldId id="1613" r:id="rId48"/>
-    <p:sldId id="265" r:id="rId49"/>
-    <p:sldId id="259" r:id="rId50"/>
+    <p:sldId id="281" r:id="rId49"/>
+    <p:sldId id="280" r:id="rId50"/>
+    <p:sldId id="265" r:id="rId51"/>
+    <p:sldId id="259" r:id="rId52"/>
   </p:sldIdLst>
   <p:sldSz cx="12192000" cy="6858000"/>
   <p:notesSz cx="7010400" cy="9296400"/>
@@ -1548,6 +1550,90 @@
     <p:extLst>
       <p:ext uri="{BB962C8B-B14F-4D97-AF65-F5344CB8AC3E}">
         <p14:creationId xmlns:p14="http://schemas.microsoft.com/office/powerpoint/2010/main" val="1426483076"/>
+      </p:ext>
+    </p:extLst>
+  </p:cSld>
+  <p:clrMapOvr>
+    <a:masterClrMapping/>
+  </p:clrMapOvr>
+</p:notes>
+</file>
+
+<file path=ppt/notesSlides/notesSlide37.xml><?xml version="1.0" encoding="utf-8"?>
+<p:notes xmlns:a="http://schemas.openxmlformats.org/drawingml/2006/main" xmlns:r="http://schemas.openxmlformats.org/officeDocument/2006/relationships" xmlns:p="http://schemas.openxmlformats.org/presentationml/2006/main">
+  <p:cSld>
+    <p:spTree>
+      <p:nvGrpSpPr>
+        <p:cNvPr id="1" name=""/>
+        <p:cNvGrpSpPr/>
+        <p:nvPr/>
+      </p:nvGrpSpPr>
+      <p:grpSpPr>
+        <a:xfrm>
+          <a:off x="0" y="0"/>
+          <a:ext cx="0" cy="0"/>
+          <a:chOff x="0" y="0"/>
+          <a:chExt cx="0" cy="0"/>
+        </a:xfrm>
+      </p:grpSpPr>
+      <p:sp>
+        <p:nvSpPr>
+          <p:cNvPr id="2" name="幻灯片图像占位符 1"/>
+          <p:cNvSpPr>
+            <a:spLocks noGrp="1" noRot="1" noChangeAspect="1"/>
+          </p:cNvSpPr>
+          <p:nvPr>
+            <p:ph type="sldImg"/>
+          </p:nvPr>
+        </p:nvSpPr>
+        <p:spPr/>
+      </p:sp>
+      <p:sp>
+        <p:nvSpPr>
+          <p:cNvPr id="3" name="备注占位符 2"/>
+          <p:cNvSpPr>
+            <a:spLocks noGrp="1"/>
+          </p:cNvSpPr>
+          <p:nvPr>
+            <p:ph type="body" idx="1"/>
+          </p:nvPr>
+        </p:nvSpPr>
+        <p:spPr/>
+        <p:txBody>
+          <a:bodyPr/>
+          <a:lstStyle/>
+          <a:p>
+            <a:endParaRPr lang="zh-CN" altLang="en-US" dirty="0"/>
+          </a:p>
+        </p:txBody>
+      </p:sp>
+      <p:sp>
+        <p:nvSpPr>
+          <p:cNvPr id="4" name="灯片编号占位符 3"/>
+          <p:cNvSpPr>
+            <a:spLocks noGrp="1"/>
+          </p:cNvSpPr>
+          <p:nvPr>
+            <p:ph type="sldNum" sz="quarter" idx="5"/>
+          </p:nvPr>
+        </p:nvSpPr>
+        <p:spPr/>
+        <p:txBody>
+          <a:bodyPr/>
+          <a:lstStyle/>
+          <a:p>
+            <a:fld id="{7A3A8D60-CBF8-4442-AF5D-1F60FE5FB7A8}" type="slidenum">
+              <a:rPr lang="it-IT" smtClean="0"/>
+              <a:t>49</a:t>
+            </a:fld>
+            <a:endParaRPr lang="it-IT"/>
+          </a:p>
+        </p:txBody>
+      </p:sp>
+    </p:spTree>
+    <p:extLst>
+      <p:ext uri="{BB962C8B-B14F-4D97-AF65-F5344CB8AC3E}">
+        <p14:creationId xmlns:p14="http://schemas.microsoft.com/office/powerpoint/2010/main" val="4173303599"/>
       </p:ext>
     </p:extLst>
   </p:cSld>
@@ -22651,6 +22737,1729 @@
           <a:chExt cx="0" cy="0"/>
         </a:xfrm>
       </p:grpSpPr>
+      <p:sp>
+        <p:nvSpPr>
+          <p:cNvPr id="2" name="Title 1">
+            <a:extLst>
+              <a:ext uri="{FF2B5EF4-FFF2-40B4-BE49-F238E27FC236}">
+                <a16:creationId xmlns:a16="http://schemas.microsoft.com/office/drawing/2014/main" id="{C977F7A1-6F3A-4582-B2DB-728D73B7D0DB}"/>
+              </a:ext>
+            </a:extLst>
+          </p:cNvPr>
+          <p:cNvSpPr>
+            <a:spLocks noGrp="1"/>
+          </p:cNvSpPr>
+          <p:nvPr>
+            <p:ph type="title"/>
+          </p:nvPr>
+        </p:nvSpPr>
+        <p:spPr/>
+        <p:txBody>
+          <a:bodyPr/>
+          <a:lstStyle/>
+          <a:p>
+            <a:r>
+              <a:rPr lang="zh-CN" altLang="en-US" dirty="0"/>
+              <a:t>回顾</a:t>
+            </a:r>
+            <a:r>
+              <a:rPr lang="en-GB" dirty="0"/>
+              <a:t> - Commands</a:t>
+            </a:r>
+          </a:p>
+        </p:txBody>
+      </p:sp>
+      <p:graphicFrame>
+        <p:nvGraphicFramePr>
+          <p:cNvPr id="4" name="Content Placeholder 3">
+            <a:extLst>
+              <a:ext uri="{FF2B5EF4-FFF2-40B4-BE49-F238E27FC236}">
+                <a16:creationId xmlns:a16="http://schemas.microsoft.com/office/drawing/2014/main" id="{A5212A45-98F0-4F87-AC5A-636780F2755E}"/>
+              </a:ext>
+            </a:extLst>
+          </p:cNvPr>
+          <p:cNvGraphicFramePr>
+            <a:graphicFrameLocks noGrp="1"/>
+          </p:cNvGraphicFramePr>
+          <p:nvPr>
+            <p:ph idx="1"/>
+            <p:extLst/>
+          </p:nvPr>
+        </p:nvGraphicFramePr>
+        <p:xfrm>
+          <a:off x="424721" y="1488332"/>
+          <a:ext cx="11397875" cy="4787376"/>
+        </p:xfrm>
+        <a:graphic>
+          <a:graphicData uri="http://schemas.openxmlformats.org/drawingml/2006/table">
+            <a:tbl>
+              <a:tblPr>
+                <a:tableStyleId>{5C22544A-7EE6-4342-B048-85BDC9FD1C3A}</a:tableStyleId>
+              </a:tblPr>
+              <a:tblGrid>
+                <a:gridCol w="5787236">
+                  <a:extLst>
+                    <a:ext uri="{9D8B030D-6E8A-4147-A177-3AD203B41FA5}">
+                      <a16:colId xmlns:a16="http://schemas.microsoft.com/office/drawing/2014/main" val="841267280"/>
+                    </a:ext>
+                  </a:extLst>
+                </a:gridCol>
+                <a:gridCol w="5610639">
+                  <a:extLst>
+                    <a:ext uri="{9D8B030D-6E8A-4147-A177-3AD203B41FA5}">
+                      <a16:colId xmlns:a16="http://schemas.microsoft.com/office/drawing/2014/main" val="2016708524"/>
+                    </a:ext>
+                  </a:extLst>
+                </a:gridCol>
+              </a:tblGrid>
+              <a:tr h="398948">
+                <a:tc>
+                  <a:txBody>
+                    <a:bodyPr/>
+                    <a:lstStyle/>
+                    <a:p>
+                      <a:pPr marL="0" marR="0" lvl="0" indent="0" algn="l" defTabSz="914400" rtl="0" eaLnBrk="1" fontAlgn="auto" latinLnBrk="0" hangingPunct="1">
+                        <a:lnSpc>
+                          <a:spcPct val="100000"/>
+                        </a:lnSpc>
+                        <a:spcBef>
+                          <a:spcPts val="0"/>
+                        </a:spcBef>
+                        <a:spcAft>
+                          <a:spcPts val="0"/>
+                        </a:spcAft>
+                        <a:buClrTx/>
+                        <a:buSzTx/>
+                        <a:buFontTx/>
+                        <a:buNone/>
+                        <a:tabLst/>
+                        <a:defRPr/>
+                      </a:pPr>
+                      <a:r>
+                        <a:rPr lang="it-IT" sz="1600" dirty="0">
+                          <a:latin typeface="Consolas" panose="020B0609020204030204" pitchFamily="49" charset="0"/>
+                        </a:rPr>
+                        <a:t>docker run –p 8080:80 wordpress</a:t>
+                      </a:r>
+                    </a:p>
+                  </a:txBody>
+                  <a:tcPr/>
+                </a:tc>
+                <a:tc>
+                  <a:txBody>
+                    <a:bodyPr/>
+                    <a:lstStyle/>
+                    <a:p>
+                      <a:pPr marL="0" marR="0" lvl="0" indent="0" algn="l" defTabSz="914400" rtl="0" eaLnBrk="1" fontAlgn="auto" latinLnBrk="0" hangingPunct="1">
+                        <a:lnSpc>
+                          <a:spcPct val="100000"/>
+                        </a:lnSpc>
+                        <a:spcBef>
+                          <a:spcPts val="0"/>
+                        </a:spcBef>
+                        <a:spcAft>
+                          <a:spcPts val="0"/>
+                        </a:spcAft>
+                        <a:buClrTx/>
+                        <a:buSzTx/>
+                        <a:buFontTx/>
+                        <a:buNone/>
+                        <a:tabLst/>
+                        <a:defRPr/>
+                      </a:pPr>
+                      <a:r>
+                        <a:rPr lang="it-IT" dirty="0">
+                          <a:latin typeface="Segoe UI Light" panose="020B0502040204020203" pitchFamily="34" charset="0"/>
+                          <a:cs typeface="Segoe UI Light" panose="020B0502040204020203" pitchFamily="34" charset="0"/>
+                        </a:rPr>
+                        <a:t>Starts a container from an image, exponing it on 8080</a:t>
+                      </a:r>
+                    </a:p>
+                  </a:txBody>
+                  <a:tcPr/>
+                </a:tc>
+                <a:extLst>
+                  <a:ext uri="{0D108BD9-81ED-4DB2-BD59-A6C34878D82A}">
+                    <a16:rowId xmlns:a16="http://schemas.microsoft.com/office/drawing/2014/main" val="1159085767"/>
+                  </a:ext>
+                </a:extLst>
+              </a:tr>
+              <a:tr h="398948">
+                <a:tc>
+                  <a:txBody>
+                    <a:bodyPr/>
+                    <a:lstStyle/>
+                    <a:p>
+                      <a:pPr marL="0" marR="0" lvl="0" indent="0" algn="l" defTabSz="914400" rtl="0" eaLnBrk="1" fontAlgn="auto" latinLnBrk="0" hangingPunct="1">
+                        <a:lnSpc>
+                          <a:spcPct val="100000"/>
+                        </a:lnSpc>
+                        <a:spcBef>
+                          <a:spcPts val="0"/>
+                        </a:spcBef>
+                        <a:spcAft>
+                          <a:spcPts val="0"/>
+                        </a:spcAft>
+                        <a:buClrTx/>
+                        <a:buSzTx/>
+                        <a:buFontTx/>
+                        <a:buNone/>
+                        <a:tabLst/>
+                        <a:defRPr/>
+                      </a:pPr>
+                      <a:r>
+                        <a:rPr lang="it-IT" sz="1600" dirty="0">
+                          <a:latin typeface="Consolas" panose="020B0609020204030204" pitchFamily="49" charset="0"/>
+                        </a:rPr>
+                        <a:t>docker ps</a:t>
+                      </a:r>
+                    </a:p>
+                  </a:txBody>
+                  <a:tcPr/>
+                </a:tc>
+                <a:tc>
+                  <a:txBody>
+                    <a:bodyPr/>
+                    <a:lstStyle/>
+                    <a:p>
+                      <a:pPr marL="0" indent="0">
+                        <a:buNone/>
+                      </a:pPr>
+                      <a:r>
+                        <a:rPr lang="it-IT" dirty="0">
+                          <a:latin typeface="Segoe UI Light" panose="020B0502040204020203" pitchFamily="34" charset="0"/>
+                          <a:cs typeface="Segoe UI Light" panose="020B0502040204020203" pitchFamily="34" charset="0"/>
+                        </a:rPr>
+                        <a:t>Lists of all running containers (-a includes stopped ones)</a:t>
+                      </a:r>
+                    </a:p>
+                  </a:txBody>
+                  <a:tcPr/>
+                </a:tc>
+                <a:extLst>
+                  <a:ext uri="{0D108BD9-81ED-4DB2-BD59-A6C34878D82A}">
+                    <a16:rowId xmlns:a16="http://schemas.microsoft.com/office/drawing/2014/main" val="705322286"/>
+                  </a:ext>
+                </a:extLst>
+              </a:tr>
+              <a:tr h="398948">
+                <a:tc>
+                  <a:txBody>
+                    <a:bodyPr/>
+                    <a:lstStyle/>
+                    <a:p>
+                      <a:pPr marL="0" indent="0">
+                        <a:buNone/>
+                      </a:pPr>
+                      <a:r>
+                        <a:rPr lang="it-IT" sz="1600" dirty="0">
+                          <a:latin typeface="Consolas" panose="020B0609020204030204" pitchFamily="49" charset="0"/>
+                        </a:rPr>
+                        <a:t>docker start containerName</a:t>
+                      </a:r>
+                    </a:p>
+                  </a:txBody>
+                  <a:tcPr/>
+                </a:tc>
+                <a:tc>
+                  <a:txBody>
+                    <a:bodyPr/>
+                    <a:lstStyle/>
+                    <a:p>
+                      <a:pPr marL="0" marR="0" lvl="0" indent="0" algn="l" defTabSz="914400" rtl="0" eaLnBrk="1" fontAlgn="auto" latinLnBrk="0" hangingPunct="1">
+                        <a:lnSpc>
+                          <a:spcPct val="100000"/>
+                        </a:lnSpc>
+                        <a:spcBef>
+                          <a:spcPts val="0"/>
+                        </a:spcBef>
+                        <a:spcAft>
+                          <a:spcPts val="0"/>
+                        </a:spcAft>
+                        <a:buClrTx/>
+                        <a:buSzTx/>
+                        <a:buFontTx/>
+                        <a:buNone/>
+                        <a:tabLst/>
+                        <a:defRPr/>
+                      </a:pPr>
+                      <a:r>
+                        <a:rPr lang="it-IT" dirty="0">
+                          <a:latin typeface="Segoe UI Light" panose="020B0502040204020203" pitchFamily="34" charset="0"/>
+                          <a:cs typeface="Segoe UI Light" panose="020B0502040204020203" pitchFamily="34" charset="0"/>
+                        </a:rPr>
+                        <a:t>Starts (and stops) a container</a:t>
+                      </a:r>
+                    </a:p>
+                  </a:txBody>
+                  <a:tcPr/>
+                </a:tc>
+                <a:extLst>
+                  <a:ext uri="{0D108BD9-81ED-4DB2-BD59-A6C34878D82A}">
+                    <a16:rowId xmlns:a16="http://schemas.microsoft.com/office/drawing/2014/main" val="952419782"/>
+                  </a:ext>
+                </a:extLst>
+              </a:tr>
+              <a:tr h="398948">
+                <a:tc>
+                  <a:txBody>
+                    <a:bodyPr/>
+                    <a:lstStyle/>
+                    <a:p>
+                      <a:pPr marL="0" indent="0">
+                        <a:buNone/>
+                      </a:pPr>
+                      <a:r>
+                        <a:rPr lang="it-IT" sz="1600" dirty="0">
+                          <a:latin typeface="Consolas" panose="020B0609020204030204" pitchFamily="49" charset="0"/>
+                        </a:rPr>
+                        <a:t>docker rm -f $(docker ps -q)</a:t>
+                      </a:r>
+                    </a:p>
+                  </a:txBody>
+                  <a:tcPr/>
+                </a:tc>
+                <a:tc>
+                  <a:txBody>
+                    <a:bodyPr/>
+                    <a:lstStyle/>
+                    <a:p>
+                      <a:pPr marL="0" marR="0" lvl="0" indent="0" algn="l" defTabSz="914400" rtl="0" eaLnBrk="1" fontAlgn="auto" latinLnBrk="0" hangingPunct="1">
+                        <a:lnSpc>
+                          <a:spcPct val="100000"/>
+                        </a:lnSpc>
+                        <a:spcBef>
+                          <a:spcPts val="0"/>
+                        </a:spcBef>
+                        <a:spcAft>
+                          <a:spcPts val="0"/>
+                        </a:spcAft>
+                        <a:buClrTx/>
+                        <a:buSzTx/>
+                        <a:buFontTx/>
+                        <a:buNone/>
+                        <a:tabLst/>
+                        <a:defRPr/>
+                      </a:pPr>
+                      <a:r>
+                        <a:rPr lang="it-IT" dirty="0">
+                          <a:latin typeface="Segoe UI Light" panose="020B0502040204020203" pitchFamily="34" charset="0"/>
+                          <a:cs typeface="Segoe UI Light" panose="020B0502040204020203" pitchFamily="34" charset="0"/>
+                        </a:rPr>
+                        <a:t>Removes all running containers</a:t>
+                      </a:r>
+                    </a:p>
+                  </a:txBody>
+                  <a:tcPr/>
+                </a:tc>
+                <a:extLst>
+                  <a:ext uri="{0D108BD9-81ED-4DB2-BD59-A6C34878D82A}">
+                    <a16:rowId xmlns:a16="http://schemas.microsoft.com/office/drawing/2014/main" val="2131827549"/>
+                  </a:ext>
+                </a:extLst>
+              </a:tr>
+              <a:tr h="398948">
+                <a:tc>
+                  <a:txBody>
+                    <a:bodyPr/>
+                    <a:lstStyle/>
+                    <a:p>
+                      <a:pPr marL="0" indent="0">
+                        <a:buNone/>
+                      </a:pPr>
+                      <a:r>
+                        <a:rPr lang="it-IT" sz="1600" dirty="0">
+                          <a:latin typeface="Consolas" panose="020B0609020204030204" pitchFamily="49" charset="0"/>
+                        </a:rPr>
+                        <a:t>docker images</a:t>
+                      </a:r>
+                    </a:p>
+                  </a:txBody>
+                  <a:tcPr/>
+                </a:tc>
+                <a:tc>
+                  <a:txBody>
+                    <a:bodyPr/>
+                    <a:lstStyle/>
+                    <a:p>
+                      <a:pPr marL="0" marR="0" lvl="0" indent="0" algn="l" defTabSz="914400" rtl="0" eaLnBrk="1" fontAlgn="auto" latinLnBrk="0" hangingPunct="1">
+                        <a:lnSpc>
+                          <a:spcPct val="100000"/>
+                        </a:lnSpc>
+                        <a:spcBef>
+                          <a:spcPts val="0"/>
+                        </a:spcBef>
+                        <a:spcAft>
+                          <a:spcPts val="0"/>
+                        </a:spcAft>
+                        <a:buClrTx/>
+                        <a:buSzTx/>
+                        <a:buFontTx/>
+                        <a:buNone/>
+                        <a:tabLst/>
+                        <a:defRPr/>
+                      </a:pPr>
+                      <a:r>
+                        <a:rPr lang="it-IT" dirty="0">
+                          <a:latin typeface="Segoe UI Light" panose="020B0502040204020203" pitchFamily="34" charset="0"/>
+                          <a:cs typeface="Segoe UI Light" panose="020B0502040204020203" pitchFamily="34" charset="0"/>
+                        </a:rPr>
+                        <a:t>Lists all images</a:t>
+                      </a:r>
+                    </a:p>
+                  </a:txBody>
+                  <a:tcPr/>
+                </a:tc>
+                <a:extLst>
+                  <a:ext uri="{0D108BD9-81ED-4DB2-BD59-A6C34878D82A}">
+                    <a16:rowId xmlns:a16="http://schemas.microsoft.com/office/drawing/2014/main" val="1815581482"/>
+                  </a:ext>
+                </a:extLst>
+              </a:tr>
+              <a:tr h="398948">
+                <a:tc>
+                  <a:txBody>
+                    <a:bodyPr/>
+                    <a:lstStyle/>
+                    <a:p>
+                      <a:pPr marL="0" marR="0" lvl="0" indent="0" algn="l" defTabSz="914400" rtl="0" eaLnBrk="1" fontAlgn="auto" latinLnBrk="0" hangingPunct="1">
+                        <a:lnSpc>
+                          <a:spcPct val="100000"/>
+                        </a:lnSpc>
+                        <a:spcBef>
+                          <a:spcPts val="0"/>
+                        </a:spcBef>
+                        <a:spcAft>
+                          <a:spcPts val="0"/>
+                        </a:spcAft>
+                        <a:buClrTx/>
+                        <a:buSzTx/>
+                        <a:buFontTx/>
+                        <a:buNone/>
+                        <a:tabLst/>
+                        <a:defRPr/>
+                      </a:pPr>
+                      <a:r>
+                        <a:rPr lang="it-IT" sz="1600" dirty="0">
+                          <a:latin typeface="Consolas" panose="020B0609020204030204" pitchFamily="49" charset="0"/>
+                        </a:rPr>
+                        <a:t>docker rmi imageName</a:t>
+                      </a:r>
+                    </a:p>
+                  </a:txBody>
+                  <a:tcPr/>
+                </a:tc>
+                <a:tc>
+                  <a:txBody>
+                    <a:bodyPr/>
+                    <a:lstStyle/>
+                    <a:p>
+                      <a:pPr marL="0" indent="0">
+                        <a:buNone/>
+                      </a:pPr>
+                      <a:r>
+                        <a:rPr lang="it-IT" dirty="0">
+                          <a:latin typeface="Segoe UI Light" panose="020B0502040204020203" pitchFamily="34" charset="0"/>
+                          <a:cs typeface="Segoe UI Light" panose="020B0502040204020203" pitchFamily="34" charset="0"/>
+                        </a:rPr>
+                        <a:t>Removes an image</a:t>
+                      </a:r>
+                    </a:p>
+                  </a:txBody>
+                  <a:tcPr/>
+                </a:tc>
+                <a:extLst>
+                  <a:ext uri="{0D108BD9-81ED-4DB2-BD59-A6C34878D82A}">
+                    <a16:rowId xmlns:a16="http://schemas.microsoft.com/office/drawing/2014/main" val="133976476"/>
+                  </a:ext>
+                </a:extLst>
+              </a:tr>
+              <a:tr h="398948">
+                <a:tc>
+                  <a:txBody>
+                    <a:bodyPr/>
+                    <a:lstStyle/>
+                    <a:p>
+                      <a:pPr marL="0" marR="0" lvl="0" indent="0" algn="l" defTabSz="914400" rtl="0" eaLnBrk="1" fontAlgn="auto" latinLnBrk="0" hangingPunct="1">
+                        <a:lnSpc>
+                          <a:spcPct val="100000"/>
+                        </a:lnSpc>
+                        <a:spcBef>
+                          <a:spcPts val="0"/>
+                        </a:spcBef>
+                        <a:spcAft>
+                          <a:spcPts val="0"/>
+                        </a:spcAft>
+                        <a:buClrTx/>
+                        <a:buSzTx/>
+                        <a:buFontTx/>
+                        <a:buNone/>
+                        <a:tabLst/>
+                        <a:defRPr/>
+                      </a:pPr>
+                      <a:r>
+                        <a:rPr lang="it-IT" sz="1600" dirty="0">
+                          <a:latin typeface="Consolas" panose="020B0609020204030204" pitchFamily="49" charset="0"/>
+                        </a:rPr>
+                        <a:t>docker login myregistry.azurecr.io</a:t>
+                      </a:r>
+                    </a:p>
+                  </a:txBody>
+                  <a:tcPr/>
+                </a:tc>
+                <a:tc>
+                  <a:txBody>
+                    <a:bodyPr/>
+                    <a:lstStyle/>
+                    <a:p>
+                      <a:pPr marL="0" indent="0">
+                        <a:buNone/>
+                      </a:pPr>
+                      <a:r>
+                        <a:rPr lang="it-IT" dirty="0">
+                          <a:latin typeface="Segoe UI Light" panose="020B0502040204020203" pitchFamily="34" charset="0"/>
+                          <a:cs typeface="Segoe UI Light" panose="020B0502040204020203" pitchFamily="34" charset="0"/>
+                        </a:rPr>
+                        <a:t>Logs in Azure Container Registry</a:t>
+                      </a:r>
+                    </a:p>
+                  </a:txBody>
+                  <a:tcPr/>
+                </a:tc>
+                <a:extLst>
+                  <a:ext uri="{0D108BD9-81ED-4DB2-BD59-A6C34878D82A}">
+                    <a16:rowId xmlns:a16="http://schemas.microsoft.com/office/drawing/2014/main" val="3455774037"/>
+                  </a:ext>
+                </a:extLst>
+              </a:tr>
+              <a:tr h="398948">
+                <a:tc>
+                  <a:txBody>
+                    <a:bodyPr/>
+                    <a:lstStyle/>
+                    <a:p>
+                      <a:pPr marL="0" marR="0" lvl="0" indent="0" algn="l" defTabSz="914400" rtl="0" eaLnBrk="1" fontAlgn="auto" latinLnBrk="0" hangingPunct="1">
+                        <a:lnSpc>
+                          <a:spcPct val="100000"/>
+                        </a:lnSpc>
+                        <a:spcBef>
+                          <a:spcPts val="0"/>
+                        </a:spcBef>
+                        <a:spcAft>
+                          <a:spcPts val="0"/>
+                        </a:spcAft>
+                        <a:buClrTx/>
+                        <a:buSzTx/>
+                        <a:buFontTx/>
+                        <a:buNone/>
+                        <a:tabLst/>
+                        <a:defRPr/>
+                      </a:pPr>
+                      <a:r>
+                        <a:rPr lang="it-IT" sz="1600" dirty="0">
+                          <a:latin typeface="Consolas" panose="020B0609020204030204" pitchFamily="49" charset="0"/>
+                        </a:rPr>
+                        <a:t>docker tag frontend myregistry.azurecr.io/frontend</a:t>
+                      </a:r>
+                    </a:p>
+                  </a:txBody>
+                  <a:tcPr/>
+                </a:tc>
+                <a:tc>
+                  <a:txBody>
+                    <a:bodyPr/>
+                    <a:lstStyle/>
+                    <a:p>
+                      <a:pPr marL="0" indent="0">
+                        <a:buNone/>
+                      </a:pPr>
+                      <a:r>
+                        <a:rPr lang="it-IT" dirty="0">
+                          <a:latin typeface="Segoe UI Light" panose="020B0502040204020203" pitchFamily="34" charset="0"/>
+                          <a:cs typeface="Segoe UI Light" panose="020B0502040204020203" pitchFamily="34" charset="0"/>
+                        </a:rPr>
+                        <a:t>Tags an image for Azure Container Registry</a:t>
+                      </a:r>
+                    </a:p>
+                  </a:txBody>
+                  <a:tcPr/>
+                </a:tc>
+                <a:extLst>
+                  <a:ext uri="{0D108BD9-81ED-4DB2-BD59-A6C34878D82A}">
+                    <a16:rowId xmlns:a16="http://schemas.microsoft.com/office/drawing/2014/main" val="3868754998"/>
+                  </a:ext>
+                </a:extLst>
+              </a:tr>
+              <a:tr h="398948">
+                <a:tc>
+                  <a:txBody>
+                    <a:bodyPr/>
+                    <a:lstStyle/>
+                    <a:p>
+                      <a:pPr marL="0" marR="0" lvl="0" indent="0" algn="l" defTabSz="914400" rtl="0" eaLnBrk="1" fontAlgn="auto" latinLnBrk="0" hangingPunct="1">
+                        <a:lnSpc>
+                          <a:spcPct val="100000"/>
+                        </a:lnSpc>
+                        <a:spcBef>
+                          <a:spcPts val="0"/>
+                        </a:spcBef>
+                        <a:spcAft>
+                          <a:spcPts val="0"/>
+                        </a:spcAft>
+                        <a:buClrTx/>
+                        <a:buSzTx/>
+                        <a:buFontTx/>
+                        <a:buNone/>
+                        <a:tabLst/>
+                        <a:defRPr/>
+                      </a:pPr>
+                      <a:r>
+                        <a:rPr lang="it-IT" sz="1600" dirty="0">
+                          <a:latin typeface="Consolas" panose="020B0609020204030204" pitchFamily="49" charset="0"/>
+                        </a:rPr>
+                        <a:t>docker push myregistry.azurecr.io/frontend</a:t>
+                      </a:r>
+                    </a:p>
+                  </a:txBody>
+                  <a:tcPr/>
+                </a:tc>
+                <a:tc>
+                  <a:txBody>
+                    <a:bodyPr/>
+                    <a:lstStyle/>
+                    <a:p>
+                      <a:pPr marL="0" indent="0">
+                        <a:buNone/>
+                      </a:pPr>
+                      <a:r>
+                        <a:rPr lang="it-IT" dirty="0">
+                          <a:latin typeface="Segoe UI Light" panose="020B0502040204020203" pitchFamily="34" charset="0"/>
+                          <a:cs typeface="Segoe UI Light" panose="020B0502040204020203" pitchFamily="34" charset="0"/>
+                        </a:rPr>
+                        <a:t>Pushes an image to Azure Container Registry</a:t>
+                      </a:r>
+                    </a:p>
+                  </a:txBody>
+                  <a:tcPr/>
+                </a:tc>
+                <a:extLst>
+                  <a:ext uri="{0D108BD9-81ED-4DB2-BD59-A6C34878D82A}">
+                    <a16:rowId xmlns:a16="http://schemas.microsoft.com/office/drawing/2014/main" val="459901233"/>
+                  </a:ext>
+                </a:extLst>
+              </a:tr>
+              <a:tr h="398948">
+                <a:tc>
+                  <a:txBody>
+                    <a:bodyPr/>
+                    <a:lstStyle/>
+                    <a:p>
+                      <a:pPr marL="0" marR="0" lvl="0" indent="0" algn="l" defTabSz="914400" rtl="0" eaLnBrk="1" fontAlgn="auto" latinLnBrk="0" hangingPunct="1">
+                        <a:lnSpc>
+                          <a:spcPct val="100000"/>
+                        </a:lnSpc>
+                        <a:spcBef>
+                          <a:spcPts val="0"/>
+                        </a:spcBef>
+                        <a:spcAft>
+                          <a:spcPts val="0"/>
+                        </a:spcAft>
+                        <a:buClrTx/>
+                        <a:buSzTx/>
+                        <a:buFontTx/>
+                        <a:buNone/>
+                        <a:tabLst/>
+                        <a:defRPr/>
+                      </a:pPr>
+                      <a:r>
+                        <a:rPr lang="it-IT" sz="1600" dirty="0">
+                          <a:latin typeface="Consolas" panose="020B0609020204030204" pitchFamily="49" charset="0"/>
+                        </a:rPr>
+                        <a:t>kubectl apply -f filename</a:t>
+                      </a:r>
+                    </a:p>
+                  </a:txBody>
+                  <a:tcPr/>
+                </a:tc>
+                <a:tc>
+                  <a:txBody>
+                    <a:bodyPr/>
+                    <a:lstStyle/>
+                    <a:p>
+                      <a:pPr marL="0" indent="0">
+                        <a:buNone/>
+                      </a:pPr>
+                      <a:r>
+                        <a:rPr lang="it-IT" dirty="0">
+                          <a:latin typeface="Segoe UI Light" panose="020B0502040204020203" pitchFamily="34" charset="0"/>
+                          <a:cs typeface="Segoe UI Light" panose="020B0502040204020203" pitchFamily="34" charset="0"/>
+                        </a:rPr>
+                        <a:t>Creates the kubectl objects specified in the file</a:t>
+                      </a:r>
+                    </a:p>
+                  </a:txBody>
+                  <a:tcPr/>
+                </a:tc>
+                <a:extLst>
+                  <a:ext uri="{0D108BD9-81ED-4DB2-BD59-A6C34878D82A}">
+                    <a16:rowId xmlns:a16="http://schemas.microsoft.com/office/drawing/2014/main" val="1961613442"/>
+                  </a:ext>
+                </a:extLst>
+              </a:tr>
+              <a:tr h="398948">
+                <a:tc>
+                  <a:txBody>
+                    <a:bodyPr/>
+                    <a:lstStyle/>
+                    <a:p>
+                      <a:pPr marL="0" marR="0" lvl="0" indent="0" algn="l" defTabSz="914400" rtl="0" eaLnBrk="1" fontAlgn="auto" latinLnBrk="0" hangingPunct="1">
+                        <a:lnSpc>
+                          <a:spcPct val="100000"/>
+                        </a:lnSpc>
+                        <a:spcBef>
+                          <a:spcPts val="0"/>
+                        </a:spcBef>
+                        <a:spcAft>
+                          <a:spcPts val="0"/>
+                        </a:spcAft>
+                        <a:buClrTx/>
+                        <a:buSzTx/>
+                        <a:buFontTx/>
+                        <a:buNone/>
+                        <a:tabLst/>
+                        <a:defRPr/>
+                      </a:pPr>
+                      <a:r>
+                        <a:rPr lang="it-IT" sz="1600" dirty="0">
+                          <a:latin typeface="Consolas" panose="020B0609020204030204" pitchFamily="49" charset="0"/>
+                        </a:rPr>
+                        <a:t>kubectl get deployments/services/pods</a:t>
+                      </a:r>
+                    </a:p>
+                  </a:txBody>
+                  <a:tcPr/>
+                </a:tc>
+                <a:tc>
+                  <a:txBody>
+                    <a:bodyPr/>
+                    <a:lstStyle/>
+                    <a:p>
+                      <a:pPr marL="0" indent="0">
+                        <a:buNone/>
+                      </a:pPr>
+                      <a:r>
+                        <a:rPr lang="it-IT" dirty="0">
+                          <a:latin typeface="Segoe UI Light" panose="020B0502040204020203" pitchFamily="34" charset="0"/>
+                          <a:cs typeface="Segoe UI Light" panose="020B0502040204020203" pitchFamily="34" charset="0"/>
+                        </a:rPr>
+                        <a:t>Lists all the deployments/services/pods in the cluster</a:t>
+                      </a:r>
+                    </a:p>
+                  </a:txBody>
+                  <a:tcPr/>
+                </a:tc>
+                <a:extLst>
+                  <a:ext uri="{0D108BD9-81ED-4DB2-BD59-A6C34878D82A}">
+                    <a16:rowId xmlns:a16="http://schemas.microsoft.com/office/drawing/2014/main" val="1659791756"/>
+                  </a:ext>
+                </a:extLst>
+              </a:tr>
+              <a:tr h="398948">
+                <a:tc>
+                  <a:txBody>
+                    <a:bodyPr/>
+                    <a:lstStyle/>
+                    <a:p>
+                      <a:pPr marL="0" marR="0" lvl="0" indent="0" algn="l" defTabSz="914400" rtl="0" eaLnBrk="1" fontAlgn="auto" latinLnBrk="0" hangingPunct="1">
+                        <a:lnSpc>
+                          <a:spcPct val="100000"/>
+                        </a:lnSpc>
+                        <a:spcBef>
+                          <a:spcPts val="0"/>
+                        </a:spcBef>
+                        <a:spcAft>
+                          <a:spcPts val="0"/>
+                        </a:spcAft>
+                        <a:buClrTx/>
+                        <a:buSzTx/>
+                        <a:buFontTx/>
+                        <a:buNone/>
+                        <a:tabLst/>
+                        <a:defRPr/>
+                      </a:pPr>
+                      <a:r>
+                        <a:rPr lang="it-IT" sz="1600" dirty="0">
+                          <a:latin typeface="Consolas" panose="020B0609020204030204" pitchFamily="49" charset="0"/>
+                        </a:rPr>
+                        <a:t>kubectl proxy --address="0.0.0.0"</a:t>
+                      </a:r>
+                    </a:p>
+                  </a:txBody>
+                  <a:tcPr/>
+                </a:tc>
+                <a:tc>
+                  <a:txBody>
+                    <a:bodyPr/>
+                    <a:lstStyle/>
+                    <a:p>
+                      <a:pPr marL="0" indent="0">
+                        <a:buNone/>
+                      </a:pPr>
+                      <a:r>
+                        <a:rPr lang="it-IT" dirty="0">
+                          <a:latin typeface="Segoe UI Light" panose="020B0502040204020203" pitchFamily="34" charset="0"/>
+                          <a:cs typeface="Segoe UI Light" panose="020B0502040204020203" pitchFamily="34" charset="0"/>
+                        </a:rPr>
+                        <a:t>Tunnels the cluster’s dashboard to localhost</a:t>
+                      </a:r>
+                    </a:p>
+                  </a:txBody>
+                  <a:tcPr/>
+                </a:tc>
+                <a:extLst>
+                  <a:ext uri="{0D108BD9-81ED-4DB2-BD59-A6C34878D82A}">
+                    <a16:rowId xmlns:a16="http://schemas.microsoft.com/office/drawing/2014/main" val="615808297"/>
+                  </a:ext>
+                </a:extLst>
+              </a:tr>
+            </a:tbl>
+          </a:graphicData>
+        </a:graphic>
+      </p:graphicFrame>
+    </p:spTree>
+    <p:extLst>
+      <p:ext uri="{BB962C8B-B14F-4D97-AF65-F5344CB8AC3E}">
+        <p14:creationId xmlns:p14="http://schemas.microsoft.com/office/powerpoint/2010/main" val="212383299"/>
+      </p:ext>
+    </p:extLst>
+  </p:cSld>
+  <p:clrMapOvr>
+    <a:masterClrMapping/>
+  </p:clrMapOvr>
+</p:sld>
+</file>
+
+<file path=ppt/slides/slide49.xml><?xml version="1.0" encoding="utf-8"?>
+<p:sld xmlns:a="http://schemas.openxmlformats.org/drawingml/2006/main" xmlns:r="http://schemas.openxmlformats.org/officeDocument/2006/relationships" xmlns:p="http://schemas.openxmlformats.org/presentationml/2006/main">
+  <p:cSld>
+    <p:spTree>
+      <p:nvGrpSpPr>
+        <p:cNvPr id="1" name=""/>
+        <p:cNvGrpSpPr/>
+        <p:nvPr/>
+      </p:nvGrpSpPr>
+      <p:grpSpPr>
+        <a:xfrm>
+          <a:off x="0" y="0"/>
+          <a:ext cx="0" cy="0"/>
+          <a:chOff x="0" y="0"/>
+          <a:chExt cx="0" cy="0"/>
+        </a:xfrm>
+      </p:grpSpPr>
+      <p:sp>
+        <p:nvSpPr>
+          <p:cNvPr id="2" name="Title 1">
+            <a:extLst>
+              <a:ext uri="{FF2B5EF4-FFF2-40B4-BE49-F238E27FC236}">
+                <a16:creationId xmlns:a16="http://schemas.microsoft.com/office/drawing/2014/main" id="{C977F7A1-6F3A-4582-B2DB-728D73B7D0DB}"/>
+              </a:ext>
+            </a:extLst>
+          </p:cNvPr>
+          <p:cNvSpPr>
+            <a:spLocks noGrp="1"/>
+          </p:cNvSpPr>
+          <p:nvPr>
+            <p:ph type="title"/>
+          </p:nvPr>
+        </p:nvSpPr>
+        <p:spPr/>
+        <p:txBody>
+          <a:bodyPr/>
+          <a:lstStyle/>
+          <a:p>
+            <a:r>
+              <a:rPr lang="zh-CN" altLang="en-US" dirty="0"/>
+              <a:t>回顾</a:t>
+            </a:r>
+            <a:r>
+              <a:rPr lang="en-GB" dirty="0"/>
+              <a:t> – On Azure</a:t>
+            </a:r>
+          </a:p>
+        </p:txBody>
+      </p:sp>
+      <p:sp>
+        <p:nvSpPr>
+          <p:cNvPr id="3" name="Content Placeholder 2">
+            <a:extLst>
+              <a:ext uri="{FF2B5EF4-FFF2-40B4-BE49-F238E27FC236}">
+                <a16:creationId xmlns:a16="http://schemas.microsoft.com/office/drawing/2014/main" id="{37DF0B99-630E-4454-859F-33A800A48EB5}"/>
+              </a:ext>
+            </a:extLst>
+          </p:cNvPr>
+          <p:cNvSpPr>
+            <a:spLocks noGrp="1"/>
+          </p:cNvSpPr>
+          <p:nvPr>
+            <p:ph idx="1"/>
+          </p:nvPr>
+        </p:nvSpPr>
+        <p:spPr>
+          <a:xfrm>
+            <a:off x="1341120" y="1299955"/>
+            <a:ext cx="9509760" cy="5227290"/>
+          </a:xfrm>
+        </p:spPr>
+        <p:txBody>
+          <a:bodyPr>
+            <a:normAutofit fontScale="70000" lnSpcReduction="20000"/>
+          </a:bodyPr>
+          <a:lstStyle/>
+          <a:p>
+            <a:r>
+              <a:rPr lang="en-GB" b="1" dirty="0"/>
+              <a:t>Azure Container Registry</a:t>
+            </a:r>
+          </a:p>
+          <a:p>
+            <a:pPr lvl="1"/>
+            <a:r>
+              <a:rPr lang="it-IT" dirty="0"/>
+              <a:t>Our private repository where we can store Docker images</a:t>
+            </a:r>
+          </a:p>
+          <a:p>
+            <a:pPr lvl="1"/>
+            <a:r>
+              <a:rPr lang="it-IT" dirty="0">
+                <a:latin typeface="Consolas" panose="020B0609020204030204" pitchFamily="49" charset="0"/>
+              </a:rPr>
+              <a:t>docker login myregistry.azurecr.io</a:t>
+            </a:r>
+          </a:p>
+          <a:p>
+            <a:r>
+              <a:rPr lang="it-IT" b="1" dirty="0"/>
+              <a:t>Azure Web App for Containers</a:t>
+            </a:r>
+          </a:p>
+          <a:p>
+            <a:pPr lvl="1"/>
+            <a:r>
+              <a:rPr lang="it-IT" dirty="0"/>
+              <a:t>They can run only one container at a time</a:t>
+            </a:r>
+          </a:p>
+          <a:p>
+            <a:pPr lvl="1"/>
+            <a:r>
+              <a:rPr lang="it-IT" dirty="0"/>
+              <a:t>Sort of CD supported via Azure Container Registry and web hooks</a:t>
+            </a:r>
+          </a:p>
+          <a:p>
+            <a:r>
+              <a:rPr lang="it-IT" b="1" dirty="0"/>
+              <a:t>Azure Container Service (AKS)</a:t>
+            </a:r>
+          </a:p>
+          <a:p>
+            <a:pPr lvl="1"/>
+            <a:r>
+              <a:rPr lang="it-IT" dirty="0"/>
+              <a:t>Fully managed orchestrator</a:t>
+            </a:r>
+          </a:p>
+          <a:p>
+            <a:pPr lvl="1"/>
+            <a:r>
+              <a:rPr lang="it-IT" dirty="0"/>
+              <a:t>Based on Kubernetes</a:t>
+            </a:r>
+          </a:p>
+          <a:p>
+            <a:pPr lvl="1"/>
+            <a:r>
+              <a:rPr lang="it-IT" dirty="0">
+                <a:hlinkClick r:id="rId3"/>
+              </a:rPr>
+              <a:t>https://docs.microsoft.com/en-us/azure/aks/</a:t>
+            </a:r>
+            <a:endParaRPr lang="it-IT" dirty="0"/>
+          </a:p>
+          <a:p>
+            <a:r>
+              <a:rPr lang="it-IT" b="1" dirty="0"/>
+              <a:t>Container monitoring solution</a:t>
+            </a:r>
+          </a:p>
+          <a:p>
+            <a:pPr lvl="1"/>
+            <a:r>
+              <a:rPr lang="it-IT" dirty="0"/>
+              <a:t>Based on Azure LogAnalytics</a:t>
+            </a:r>
+          </a:p>
+          <a:p>
+            <a:pPr lvl="1"/>
+            <a:r>
+              <a:rPr lang="it-IT" dirty="0"/>
+              <a:t>Uses a DaemonSet to track cluster events</a:t>
+            </a:r>
+          </a:p>
+          <a:p>
+            <a:pPr lvl="1"/>
+            <a:r>
+              <a:rPr lang="it-IT" dirty="0">
+                <a:hlinkClick r:id="rId4"/>
+              </a:rPr>
+              <a:t>https://docs.microsoft.com/en-us/azure/log-analytics/log-analytics-containers</a:t>
+            </a:r>
+            <a:endParaRPr lang="it-IT" dirty="0"/>
+          </a:p>
+          <a:p>
+            <a:pPr lvl="1"/>
+            <a:endParaRPr lang="it-IT" dirty="0"/>
+          </a:p>
+        </p:txBody>
+      </p:sp>
+    </p:spTree>
+    <p:extLst>
+      <p:ext uri="{BB962C8B-B14F-4D97-AF65-F5344CB8AC3E}">
+        <p14:creationId xmlns:p14="http://schemas.microsoft.com/office/powerpoint/2010/main" val="2776154256"/>
+      </p:ext>
+    </p:extLst>
+  </p:cSld>
+  <p:clrMapOvr>
+    <a:masterClrMapping/>
+  </p:clrMapOvr>
+</p:sld>
+</file>
+
+<file path=ppt/slides/slide5.xml><?xml version="1.0" encoding="utf-8"?>
+<p:sld xmlns:a="http://schemas.openxmlformats.org/drawingml/2006/main" xmlns:r="http://schemas.openxmlformats.org/officeDocument/2006/relationships" xmlns:p="http://schemas.openxmlformats.org/presentationml/2006/main">
+  <p:cSld>
+    <p:spTree>
+      <p:nvGrpSpPr>
+        <p:cNvPr id="1" name=""/>
+        <p:cNvGrpSpPr/>
+        <p:nvPr/>
+      </p:nvGrpSpPr>
+      <p:grpSpPr>
+        <a:xfrm>
+          <a:off x="0" y="0"/>
+          <a:ext cx="0" cy="0"/>
+          <a:chOff x="0" y="0"/>
+          <a:chExt cx="0" cy="0"/>
+        </a:xfrm>
+      </p:grpSpPr>
+      <p:sp>
+        <p:nvSpPr>
+          <p:cNvPr id="2" name="標題 1">
+            <a:extLst>
+              <a:ext uri="{FF2B5EF4-FFF2-40B4-BE49-F238E27FC236}">
+                <a16:creationId xmlns:a16="http://schemas.microsoft.com/office/drawing/2014/main" id="{00D5626B-FF0D-4FB1-B125-A9029DEB63C6}"/>
+              </a:ext>
+            </a:extLst>
+          </p:cNvPr>
+          <p:cNvSpPr>
+            <a:spLocks noGrp="1"/>
+          </p:cNvSpPr>
+          <p:nvPr>
+            <p:ph type="title"/>
+          </p:nvPr>
+        </p:nvSpPr>
+        <p:spPr/>
+        <p:txBody>
+          <a:bodyPr/>
+          <a:lstStyle/>
+          <a:p>
+            <a:r>
+              <a:rPr lang="zh-CN" altLang="en-US" dirty="0"/>
+              <a:t>为什么要用</a:t>
+            </a:r>
+            <a:r>
+              <a:rPr lang="en-US" altLang="zh-CN" dirty="0"/>
+              <a:t>Docker</a:t>
+            </a:r>
+            <a:r>
+              <a:rPr lang="zh-CN" altLang="en-US" dirty="0"/>
+              <a:t>容器</a:t>
+            </a:r>
+            <a:endParaRPr lang="zh-TW" altLang="en-US" dirty="0"/>
+          </a:p>
+        </p:txBody>
+      </p:sp>
+      <p:sp>
+        <p:nvSpPr>
+          <p:cNvPr id="3" name="內容版面配置區 2">
+            <a:extLst>
+              <a:ext uri="{FF2B5EF4-FFF2-40B4-BE49-F238E27FC236}">
+                <a16:creationId xmlns:a16="http://schemas.microsoft.com/office/drawing/2014/main" id="{5DDE7EEB-79B5-4B93-A24C-6F0764261DEE}"/>
+              </a:ext>
+            </a:extLst>
+          </p:cNvPr>
+          <p:cNvSpPr>
+            <a:spLocks noGrp="1"/>
+          </p:cNvSpPr>
+          <p:nvPr>
+            <p:ph idx="1"/>
+          </p:nvPr>
+        </p:nvSpPr>
+        <p:spPr>
+          <a:xfrm>
+            <a:off x="560798" y="1627464"/>
+            <a:ext cx="11079822" cy="4275081"/>
+          </a:xfrm>
+        </p:spPr>
+        <p:txBody>
+          <a:bodyPr>
+            <a:normAutofit fontScale="92500" lnSpcReduction="20000"/>
+          </a:bodyPr>
+          <a:lstStyle/>
+          <a:p>
+            <a:r>
+              <a:rPr lang="zh-CN" altLang="en-US" sz="3500" dirty="0"/>
+              <a:t>分离</a:t>
+            </a:r>
+          </a:p>
+          <a:p>
+            <a:endParaRPr lang="zh-CN" altLang="en-US" sz="3500" dirty="0"/>
+          </a:p>
+          <a:p>
+            <a:r>
+              <a:rPr lang="zh-CN" altLang="en-US" sz="3500" dirty="0"/>
+              <a:t>更合理地利用资源</a:t>
+            </a:r>
+          </a:p>
+          <a:p>
+            <a:endParaRPr lang="zh-CN" altLang="en-US" sz="3500" dirty="0"/>
+          </a:p>
+          <a:p>
+            <a:r>
+              <a:rPr lang="zh-CN" altLang="en-US" sz="3500" dirty="0"/>
+              <a:t>部署的速度</a:t>
+            </a:r>
+          </a:p>
+          <a:p>
+            <a:endParaRPr lang="zh-CN" altLang="en-US" sz="3500" dirty="0"/>
+          </a:p>
+          <a:p>
+            <a:r>
+              <a:rPr lang="zh-CN" altLang="en-US" sz="3500" dirty="0"/>
+              <a:t>减少对环境的依赖</a:t>
+            </a:r>
+          </a:p>
+          <a:p>
+            <a:endParaRPr lang="zh-CN" altLang="en-US" sz="3500" dirty="0"/>
+          </a:p>
+          <a:p>
+            <a:r>
+              <a:rPr lang="zh-CN" altLang="en-US" sz="3500" dirty="0"/>
+              <a:t>微服务获得实力</a:t>
+            </a:r>
+          </a:p>
+          <a:p>
+            <a:endParaRPr lang="zh-TW" altLang="en-US" dirty="0"/>
+          </a:p>
+        </p:txBody>
+      </p:sp>
+      <p:sp>
+        <p:nvSpPr>
+          <p:cNvPr id="4" name="投影片編號版面配置區 3">
+            <a:extLst>
+              <a:ext uri="{FF2B5EF4-FFF2-40B4-BE49-F238E27FC236}">
+                <a16:creationId xmlns:a16="http://schemas.microsoft.com/office/drawing/2014/main" id="{BFE3921D-1315-4BD5-8787-800851EABC64}"/>
+              </a:ext>
+            </a:extLst>
+          </p:cNvPr>
+          <p:cNvSpPr>
+            <a:spLocks noGrp="1"/>
+          </p:cNvSpPr>
+          <p:nvPr>
+            <p:ph type="sldNum" sz="quarter" idx="12"/>
+          </p:nvPr>
+        </p:nvSpPr>
+        <p:spPr/>
+        <p:txBody>
+          <a:bodyPr/>
+          <a:lstStyle/>
+          <a:p>
+            <a:fld id="{0A164282-434E-41D4-9582-783D542A7B68}" type="slidenum">
+              <a:rPr lang="en-US" smtClean="0"/>
+              <a:pPr/>
+              <a:t>5</a:t>
+            </a:fld>
+            <a:endParaRPr lang="en-US"/>
+          </a:p>
+        </p:txBody>
+      </p:sp>
+      <p:pic>
+        <p:nvPicPr>
+          <p:cNvPr id="5" name="Imagem 3">
+            <a:extLst>
+              <a:ext uri="{FF2B5EF4-FFF2-40B4-BE49-F238E27FC236}">
+                <a16:creationId xmlns:a16="http://schemas.microsoft.com/office/drawing/2014/main" id="{FB889AB2-054B-4630-B8E8-BE56BDF9B455}"/>
+              </a:ext>
+            </a:extLst>
+          </p:cNvPr>
+          <p:cNvPicPr>
+            <a:picLocks noChangeAspect="1"/>
+          </p:cNvPicPr>
+          <p:nvPr/>
+        </p:nvPicPr>
+        <p:blipFill>
+          <a:blip r:embed="rId2">
+            <a:extLst>
+              <a:ext uri="{28A0092B-C50C-407E-A947-70E740481C1C}">
+                <a14:useLocalDpi xmlns:a14="http://schemas.microsoft.com/office/drawing/2010/main" val="0"/>
+              </a:ext>
+            </a:extLst>
+          </a:blip>
+          <a:stretch>
+            <a:fillRect/>
+          </a:stretch>
+        </p:blipFill>
+        <p:spPr>
+          <a:xfrm>
+            <a:off x="7294585" y="2704288"/>
+            <a:ext cx="2719108" cy="2250062"/>
+          </a:xfrm>
+          <a:prstGeom prst="roundRect">
+            <a:avLst>
+              <a:gd name="adj" fmla="val 8594"/>
+            </a:avLst>
+          </a:prstGeom>
+          <a:solidFill>
+            <a:srgbClr val="FFFFFF">
+              <a:shade val="85000"/>
+            </a:srgbClr>
+          </a:solidFill>
+          <a:ln>
+            <a:noFill/>
+          </a:ln>
+          <a:effectLst>
+            <a:reflection blurRad="12700" stA="38000" endPos="28000" dist="5000" dir="5400000" sy="-100000" algn="bl" rotWithShape="0"/>
+          </a:effectLst>
+        </p:spPr>
+      </p:pic>
+    </p:spTree>
+    <p:extLst>
+      <p:ext uri="{BB962C8B-B14F-4D97-AF65-F5344CB8AC3E}">
+        <p14:creationId xmlns:p14="http://schemas.microsoft.com/office/powerpoint/2010/main" val="1958902353"/>
+      </p:ext>
+    </p:extLst>
+  </p:cSld>
+  <p:clrMapOvr>
+    <a:masterClrMapping/>
+  </p:clrMapOvr>
+</p:sld>
+</file>
+
+<file path=ppt/slides/slide50.xml><?xml version="1.0" encoding="utf-8"?>
+<p:sld xmlns:a="http://schemas.openxmlformats.org/drawingml/2006/main" xmlns:r="http://schemas.openxmlformats.org/officeDocument/2006/relationships" xmlns:p="http://schemas.openxmlformats.org/presentationml/2006/main">
+  <p:cSld>
+    <p:spTree>
+      <p:nvGrpSpPr>
+        <p:cNvPr id="1" name=""/>
+        <p:cNvGrpSpPr/>
+        <p:nvPr/>
+      </p:nvGrpSpPr>
+      <p:grpSpPr>
+        <a:xfrm>
+          <a:off x="0" y="0"/>
+          <a:ext cx="0" cy="0"/>
+          <a:chOff x="0" y="0"/>
+          <a:chExt cx="0" cy="0"/>
+        </a:xfrm>
+      </p:grpSpPr>
+      <p:sp>
+        <p:nvSpPr>
+          <p:cNvPr id="2" name="Title 1">
+            <a:extLst>
+              <a:ext uri="{FF2B5EF4-FFF2-40B4-BE49-F238E27FC236}">
+                <a16:creationId xmlns:a16="http://schemas.microsoft.com/office/drawing/2014/main" id="{267ED0D7-67C6-422A-BAFB-77432D27429D}"/>
+              </a:ext>
+            </a:extLst>
+          </p:cNvPr>
+          <p:cNvSpPr>
+            <a:spLocks noGrp="1"/>
+          </p:cNvSpPr>
+          <p:nvPr/>
+        </p:nvSpPr>
+        <p:spPr>
+          <a:xfrm>
+            <a:off x="535552" y="1064144"/>
+            <a:ext cx="4488678" cy="1355206"/>
+          </a:xfrm>
+          <a:prstGeom prst="rect">
+            <a:avLst/>
+          </a:prstGeom>
+          <a:noFill/>
+        </p:spPr>
+        <p:txBody>
+          <a:bodyPr vert="horz" wrap="square" lIns="146304" tIns="91440" rIns="146304" bIns="91440" rtlCol="0" anchor="t" anchorCtr="0">
+            <a:normAutofit fontScale="85000" lnSpcReduction="10000"/>
+          </a:bodyPr>
+          <a:lstStyle>
+            <a:lvl1pPr algn="l" defTabSz="914367" rtl="0" eaLnBrk="1" latinLnBrk="0" hangingPunct="1">
+              <a:lnSpc>
+                <a:spcPct val="90000"/>
+              </a:lnSpc>
+              <a:spcBef>
+                <a:spcPct val="0"/>
+              </a:spcBef>
+              <a:buNone/>
+              <a:defRPr lang="en-US" sz="5294" b="0" kern="1200" cap="none" spc="-98" baseline="0">
+                <a:ln w="3175">
+                  <a:noFill/>
+                </a:ln>
+                <a:gradFill>
+                  <a:gsLst>
+                    <a:gs pos="100000">
+                      <a:schemeClr val="tx2"/>
+                    </a:gs>
+                    <a:gs pos="0">
+                      <a:schemeClr val="tx2"/>
+                    </a:gs>
+                  </a:gsLst>
+                  <a:lin ang="5400000" scaled="0"/>
+                </a:gradFill>
+                <a:effectLst/>
+                <a:latin typeface="+mj-lt"/>
+                <a:ea typeface="+mn-ea"/>
+                <a:cs typeface="Segoe UI" pitchFamily="34" charset="0"/>
+              </a:defRPr>
+            </a:lvl1pPr>
+          </a:lstStyle>
+          <a:p>
+            <a:r>
+              <a:rPr lang="it-IT" sz="8000" b="1" dirty="0">
+                <a:solidFill>
+                  <a:schemeClr val="bg1"/>
+                </a:solidFill>
+                <a:latin typeface="Segoe UI Light" panose="020B0502040204020203" pitchFamily="34" charset="0"/>
+                <a:cs typeface="Segoe UI Light" panose="020B0502040204020203" pitchFamily="34" charset="0"/>
+              </a:rPr>
+              <a:t>Thank you!</a:t>
+            </a:r>
+            <a:endParaRPr lang="en-US" sz="8000" b="1" dirty="0">
+              <a:solidFill>
+                <a:schemeClr val="bg1"/>
+              </a:solidFill>
+              <a:latin typeface="Segoe UI Light" panose="020B0502040204020203" pitchFamily="34" charset="0"/>
+              <a:cs typeface="Segoe UI Light" panose="020B0502040204020203" pitchFamily="34" charset="0"/>
+            </a:endParaRPr>
+          </a:p>
+        </p:txBody>
+      </p:sp>
+      <p:sp>
+        <p:nvSpPr>
+          <p:cNvPr id="3" name="Subtitle 2">
+            <a:extLst>
+              <a:ext uri="{FF2B5EF4-FFF2-40B4-BE49-F238E27FC236}">
+                <a16:creationId xmlns:a16="http://schemas.microsoft.com/office/drawing/2014/main" id="{DDFE74E7-8A40-4896-A27D-599676F3BA8C}"/>
+              </a:ext>
+            </a:extLst>
+          </p:cNvPr>
+          <p:cNvSpPr>
+            <a:spLocks noGrp="1"/>
+          </p:cNvSpPr>
+          <p:nvPr/>
+        </p:nvSpPr>
+        <p:spPr>
+          <a:xfrm>
+            <a:off x="535551" y="2419350"/>
+            <a:ext cx="8991105" cy="2225349"/>
+          </a:xfrm>
+          <a:prstGeom prst="rect">
+            <a:avLst/>
+          </a:prstGeom>
+          <a:noFill/>
+        </p:spPr>
+        <p:txBody>
+          <a:bodyPr vert="horz" wrap="square" lIns="146304" tIns="109728" rIns="146304" bIns="109728" rtlCol="0">
+            <a:noAutofit/>
+          </a:bodyPr>
+          <a:lstStyle>
+            <a:lvl1pPr marL="0" marR="0" indent="0" algn="l" defTabSz="914367" rtl="0" eaLnBrk="1" fontAlgn="auto" latinLnBrk="0" hangingPunct="1">
+              <a:lnSpc>
+                <a:spcPct val="90000"/>
+              </a:lnSpc>
+              <a:spcBef>
+                <a:spcPts val="0"/>
+              </a:spcBef>
+              <a:spcAft>
+                <a:spcPts val="0"/>
+              </a:spcAft>
+              <a:buClrTx/>
+              <a:buSzPct val="90000"/>
+              <a:buFont typeface="Arial" pitchFamily="34" charset="0"/>
+              <a:buNone/>
+              <a:tabLst/>
+              <a:defRPr sz="3137" kern="1200" spc="0" baseline="0">
+                <a:gradFill>
+                  <a:gsLst>
+                    <a:gs pos="91000">
+                      <a:schemeClr val="tx1"/>
+                    </a:gs>
+                    <a:gs pos="0">
+                      <a:schemeClr val="tx1"/>
+                    </a:gs>
+                  </a:gsLst>
+                  <a:lin ang="5400000" scaled="0"/>
+                </a:gradFill>
+                <a:latin typeface="+mj-lt"/>
+                <a:ea typeface="+mn-ea"/>
+                <a:cs typeface="+mn-cs"/>
+              </a:defRPr>
+            </a:lvl1pPr>
+            <a:lvl2pPr marL="572691" marR="0" indent="-236546" algn="l" defTabSz="914367" rtl="0" eaLnBrk="1" fontAlgn="auto" latinLnBrk="0" hangingPunct="1">
+              <a:lnSpc>
+                <a:spcPct val="90000"/>
+              </a:lnSpc>
+              <a:spcBef>
+                <a:spcPct val="20000"/>
+              </a:spcBef>
+              <a:spcAft>
+                <a:spcPts val="0"/>
+              </a:spcAft>
+              <a:buClrTx/>
+              <a:buSzPct val="90000"/>
+              <a:buFont typeface="Arial" pitchFamily="34" charset="0"/>
+              <a:buChar char="•"/>
+              <a:tabLst/>
+              <a:defRPr sz="2353" kern="1200" spc="0" baseline="0">
+                <a:gradFill>
+                  <a:gsLst>
+                    <a:gs pos="1250">
+                      <a:schemeClr val="tx1"/>
+                    </a:gs>
+                    <a:gs pos="100000">
+                      <a:schemeClr val="tx1"/>
+                    </a:gs>
+                  </a:gsLst>
+                  <a:lin ang="5400000" scaled="0"/>
+                </a:gradFill>
+                <a:latin typeface="+mn-lt"/>
+                <a:ea typeface="+mn-ea"/>
+                <a:cs typeface="+mn-cs"/>
+              </a:defRPr>
+            </a:lvl2pPr>
+            <a:lvl3pPr marL="784338" marR="0" indent="-224097" algn="l" defTabSz="914367" rtl="0" eaLnBrk="1" fontAlgn="auto" latinLnBrk="0" hangingPunct="1">
+              <a:lnSpc>
+                <a:spcPct val="90000"/>
+              </a:lnSpc>
+              <a:spcBef>
+                <a:spcPct val="20000"/>
+              </a:spcBef>
+              <a:spcAft>
+                <a:spcPts val="0"/>
+              </a:spcAft>
+              <a:buClrTx/>
+              <a:buSzPct val="90000"/>
+              <a:buFont typeface="Arial" pitchFamily="34" charset="0"/>
+              <a:buChar char="•"/>
+              <a:tabLst/>
+              <a:defRPr sz="1961" kern="1200" spc="0" baseline="0">
+                <a:gradFill>
+                  <a:gsLst>
+                    <a:gs pos="1250">
+                      <a:schemeClr val="tx1"/>
+                    </a:gs>
+                    <a:gs pos="100000">
+                      <a:schemeClr val="tx1"/>
+                    </a:gs>
+                  </a:gsLst>
+                  <a:lin ang="5400000" scaled="0"/>
+                </a:gradFill>
+                <a:latin typeface="+mn-lt"/>
+                <a:ea typeface="+mn-ea"/>
+                <a:cs typeface="+mn-cs"/>
+              </a:defRPr>
+            </a:lvl3pPr>
+            <a:lvl4pPr marL="1008435" marR="0" indent="-224097" algn="l" defTabSz="914367" rtl="0" eaLnBrk="1" fontAlgn="auto" latinLnBrk="0" hangingPunct="1">
+              <a:lnSpc>
+                <a:spcPct val="90000"/>
+              </a:lnSpc>
+              <a:spcBef>
+                <a:spcPct val="20000"/>
+              </a:spcBef>
+              <a:spcAft>
+                <a:spcPts val="0"/>
+              </a:spcAft>
+              <a:buClrTx/>
+              <a:buSzPct val="90000"/>
+              <a:buFont typeface="Arial" pitchFamily="34" charset="0"/>
+              <a:buChar char="•"/>
+              <a:tabLst/>
+              <a:defRPr sz="1765" kern="1200" spc="0" baseline="0">
+                <a:gradFill>
+                  <a:gsLst>
+                    <a:gs pos="1250">
+                      <a:schemeClr val="tx1"/>
+                    </a:gs>
+                    <a:gs pos="100000">
+                      <a:schemeClr val="tx1"/>
+                    </a:gs>
+                  </a:gsLst>
+                  <a:lin ang="5400000" scaled="0"/>
+                </a:gradFill>
+                <a:latin typeface="+mn-lt"/>
+                <a:ea typeface="+mn-ea"/>
+                <a:cs typeface="+mn-cs"/>
+              </a:defRPr>
+            </a:lvl4pPr>
+            <a:lvl5pPr marL="1232531" marR="0" indent="-224097" algn="l" defTabSz="914367" rtl="0" eaLnBrk="1" fontAlgn="auto" latinLnBrk="0" hangingPunct="1">
+              <a:lnSpc>
+                <a:spcPct val="90000"/>
+              </a:lnSpc>
+              <a:spcBef>
+                <a:spcPct val="20000"/>
+              </a:spcBef>
+              <a:spcAft>
+                <a:spcPts val="0"/>
+              </a:spcAft>
+              <a:buClrTx/>
+              <a:buSzPct val="90000"/>
+              <a:buFont typeface="Arial" pitchFamily="34" charset="0"/>
+              <a:buChar char="•"/>
+              <a:tabLst/>
+              <a:defRPr sz="1765" kern="1200" spc="0" baseline="0">
+                <a:gradFill>
+                  <a:gsLst>
+                    <a:gs pos="1250">
+                      <a:schemeClr val="tx1"/>
+                    </a:gs>
+                    <a:gs pos="100000">
+                      <a:schemeClr val="tx1"/>
+                    </a:gs>
+                  </a:gsLst>
+                  <a:lin ang="5400000" scaled="0"/>
+                </a:gradFill>
+                <a:latin typeface="+mn-lt"/>
+                <a:ea typeface="+mn-ea"/>
+                <a:cs typeface="+mn-cs"/>
+              </a:defRPr>
+            </a:lvl5pPr>
+            <a:lvl6pPr marL="2514509" indent="-228592" algn="l" defTabSz="914367" rtl="0" eaLnBrk="1" latinLnBrk="0" hangingPunct="1">
+              <a:spcBef>
+                <a:spcPct val="20000"/>
+              </a:spcBef>
+              <a:buFont typeface="Arial" pitchFamily="34" charset="0"/>
+              <a:buChar char="•"/>
+              <a:defRPr sz="1961" kern="1200">
+                <a:solidFill>
+                  <a:schemeClr val="tx1"/>
+                </a:solidFill>
+                <a:latin typeface="+mn-lt"/>
+                <a:ea typeface="+mn-ea"/>
+                <a:cs typeface="+mn-cs"/>
+              </a:defRPr>
+            </a:lvl6pPr>
+            <a:lvl7pPr marL="2971693" indent="-228592" algn="l" defTabSz="914367" rtl="0" eaLnBrk="1" latinLnBrk="0" hangingPunct="1">
+              <a:spcBef>
+                <a:spcPct val="20000"/>
+              </a:spcBef>
+              <a:buFont typeface="Arial" pitchFamily="34" charset="0"/>
+              <a:buChar char="•"/>
+              <a:defRPr sz="1961" kern="1200">
+                <a:solidFill>
+                  <a:schemeClr val="tx1"/>
+                </a:solidFill>
+                <a:latin typeface="+mn-lt"/>
+                <a:ea typeface="+mn-ea"/>
+                <a:cs typeface="+mn-cs"/>
+              </a:defRPr>
+            </a:lvl7pPr>
+            <a:lvl8pPr marL="3428877" indent="-228592" algn="l" defTabSz="914367" rtl="0" eaLnBrk="1" latinLnBrk="0" hangingPunct="1">
+              <a:spcBef>
+                <a:spcPct val="20000"/>
+              </a:spcBef>
+              <a:buFont typeface="Arial" pitchFamily="34" charset="0"/>
+              <a:buChar char="•"/>
+              <a:defRPr sz="1961" kern="1200">
+                <a:solidFill>
+                  <a:schemeClr val="tx1"/>
+                </a:solidFill>
+                <a:latin typeface="+mn-lt"/>
+                <a:ea typeface="+mn-ea"/>
+                <a:cs typeface="+mn-cs"/>
+              </a:defRPr>
+            </a:lvl8pPr>
+            <a:lvl9pPr marL="3886061" indent="-228592" algn="l" defTabSz="914367" rtl="0" eaLnBrk="1" latinLnBrk="0" hangingPunct="1">
+              <a:spcBef>
+                <a:spcPct val="20000"/>
+              </a:spcBef>
+              <a:buFont typeface="Arial" pitchFamily="34" charset="0"/>
+              <a:buChar char="•"/>
+              <a:defRPr sz="1961" kern="1200">
+                <a:solidFill>
+                  <a:schemeClr val="tx1"/>
+                </a:solidFill>
+                <a:latin typeface="+mn-lt"/>
+                <a:ea typeface="+mn-ea"/>
+                <a:cs typeface="+mn-cs"/>
+              </a:defRPr>
+            </a:lvl9pPr>
+          </a:lstStyle>
+          <a:p>
+            <a:r>
+              <a:rPr lang="en-US" sz="3200" b="1" dirty="0">
+                <a:solidFill>
+                  <a:schemeClr val="bg1"/>
+                </a:solidFill>
+                <a:latin typeface="Segoe UI Light" panose="020B0502040204020203" pitchFamily="34" charset="0"/>
+                <a:cs typeface="Segoe UI Light" panose="020B0502040204020203" pitchFamily="34" charset="0"/>
+              </a:rPr>
+              <a:t>@</a:t>
+            </a:r>
+            <a:r>
+              <a:rPr lang="en-US" sz="3200" b="1" dirty="0" err="1">
+                <a:solidFill>
+                  <a:schemeClr val="bg1"/>
+                </a:solidFill>
+                <a:latin typeface="Segoe UI Light" panose="020B0502040204020203" pitchFamily="34" charset="0"/>
+                <a:cs typeface="Segoe UI Light" panose="020B0502040204020203" pitchFamily="34" charset="0"/>
+              </a:rPr>
+              <a:t>geffzhang</a:t>
+            </a:r>
+            <a:endParaRPr lang="en-US" sz="3200" b="1" dirty="0">
+              <a:solidFill>
+                <a:schemeClr val="bg1"/>
+              </a:solidFill>
+              <a:latin typeface="Segoe UI Light" panose="020B0502040204020203" pitchFamily="34" charset="0"/>
+              <a:cs typeface="Segoe UI Light" panose="020B0502040204020203" pitchFamily="34" charset="0"/>
+            </a:endParaRPr>
+          </a:p>
+          <a:p>
+            <a:r>
+              <a:rPr lang="en-US" sz="3200" b="1" dirty="0">
+                <a:solidFill>
+                  <a:schemeClr val="bg1"/>
+                </a:solidFill>
+                <a:latin typeface="Segoe UI Light" panose="020B0502040204020203" pitchFamily="34" charset="0"/>
+                <a:cs typeface="Segoe UI Light" panose="020B0502040204020203" pitchFamily="34" charset="0"/>
+                <a:hlinkClick r:id="rId2">
+                  <a:extLst>
+                    <a:ext uri="{A12FA001-AC4F-418D-AE19-62706E023703}">
+                      <ahyp:hlinkClr xmlns:ahyp="http://schemas.microsoft.com/office/drawing/2018/hyperlinkcolor" val="tx"/>
+                    </a:ext>
+                  </a:extLst>
+                </a:hlinkClick>
+              </a:rPr>
+              <a:t>geffzhang@weyhd.com</a:t>
+            </a:r>
+            <a:endParaRPr lang="en-US" sz="3200" b="1" dirty="0">
+              <a:solidFill>
+                <a:schemeClr val="bg1"/>
+              </a:solidFill>
+              <a:latin typeface="Segoe UI Light" panose="020B0502040204020203" pitchFamily="34" charset="0"/>
+              <a:cs typeface="Segoe UI Light" panose="020B0502040204020203" pitchFamily="34" charset="0"/>
+            </a:endParaRPr>
+          </a:p>
+          <a:p>
+            <a:endParaRPr lang="en-US" sz="3200" b="1" dirty="0">
+              <a:solidFill>
+                <a:schemeClr val="bg1"/>
+              </a:solidFill>
+              <a:latin typeface="Segoe UI Light" panose="020B0502040204020203" pitchFamily="34" charset="0"/>
+              <a:cs typeface="Segoe UI Light" panose="020B0502040204020203" pitchFamily="34" charset="0"/>
+            </a:endParaRPr>
+          </a:p>
+          <a:p>
+            <a:r>
+              <a:rPr lang="en-US" sz="3200" b="1" dirty="0">
+                <a:solidFill>
+                  <a:schemeClr val="bg1"/>
+                </a:solidFill>
+                <a:latin typeface="Segoe UI Light" panose="020B0502040204020203" pitchFamily="34" charset="0"/>
+                <a:cs typeface="Segoe UI Light" panose="020B0502040204020203" pitchFamily="34" charset="0"/>
+              </a:rPr>
+              <a:t>Get the code at </a:t>
+            </a:r>
+            <a:r>
+              <a:rPr lang="en-US" sz="3200" b="1" dirty="0">
+                <a:solidFill>
+                  <a:schemeClr val="bg1"/>
+                </a:solidFill>
+                <a:latin typeface="Segoe UI Light" panose="020B0502040204020203" pitchFamily="34" charset="0"/>
+                <a:cs typeface="Segoe UI Light" panose="020B0502040204020203" pitchFamily="34" charset="0"/>
+                <a:hlinkClick r:id="rId3">
+                  <a:extLst>
+                    <a:ext uri="{A12FA001-AC4F-418D-AE19-62706E023703}">
+                      <ahyp:hlinkClr xmlns:ahyp="http://schemas.microsoft.com/office/drawing/2018/hyperlinkcolor" val="tx"/>
+                    </a:ext>
+                  </a:extLst>
+                </a:hlinkClick>
+              </a:rPr>
+              <a:t>https://github.com/</a:t>
+            </a:r>
+            <a:r>
+              <a:rPr lang="en-US" altLang="zh-CN" sz="3200" b="1" dirty="0">
+                <a:solidFill>
+                  <a:schemeClr val="bg1"/>
+                </a:solidFill>
+                <a:latin typeface="Segoe UI Light" panose="020B0502040204020203" pitchFamily="34" charset="0"/>
+                <a:cs typeface="Segoe UI Light" panose="020B0502040204020203" pitchFamily="34" charset="0"/>
+                <a:hlinkClick r:id="rId3">
+                  <a:extLst>
+                    <a:ext uri="{A12FA001-AC4F-418D-AE19-62706E023703}">
+                      <ahyp:hlinkClr xmlns:ahyp="http://schemas.microsoft.com/office/drawing/2018/hyperlinkcolor" val="tx"/>
+                    </a:ext>
+                  </a:extLst>
+                </a:hlinkClick>
+              </a:rPr>
+              <a:t>geffzhang</a:t>
+            </a:r>
+            <a:r>
+              <a:rPr lang="en-US" sz="3200" b="1" dirty="0">
+                <a:solidFill>
+                  <a:schemeClr val="bg1"/>
+                </a:solidFill>
+                <a:latin typeface="Segoe UI Light" panose="020B0502040204020203" pitchFamily="34" charset="0"/>
+                <a:cs typeface="Segoe UI Light" panose="020B0502040204020203" pitchFamily="34" charset="0"/>
+                <a:hlinkClick r:id="rId3">
+                  <a:extLst>
+                    <a:ext uri="{A12FA001-AC4F-418D-AE19-62706E023703}">
+                      <ahyp:hlinkClr xmlns:ahyp="http://schemas.microsoft.com/office/drawing/2018/hyperlinkcolor" val="tx"/>
+                    </a:ext>
+                  </a:extLst>
+                </a:hlinkClick>
+              </a:rPr>
+              <a:t>/DockerStarted</a:t>
+            </a:r>
+            <a:endParaRPr lang="en-US" sz="3200" b="1" dirty="0">
+              <a:solidFill>
+                <a:schemeClr val="bg1"/>
+              </a:solidFill>
+              <a:latin typeface="Segoe UI Light" panose="020B0502040204020203" pitchFamily="34" charset="0"/>
+              <a:cs typeface="Segoe UI Light" panose="020B0502040204020203" pitchFamily="34" charset="0"/>
+            </a:endParaRPr>
+          </a:p>
+          <a:p>
+            <a:r>
+              <a:rPr lang="en-US" sz="3200" b="1" dirty="0">
+                <a:solidFill>
+                  <a:schemeClr val="bg1"/>
+                </a:solidFill>
+                <a:latin typeface="Segoe UI Light" panose="020B0502040204020203" pitchFamily="34" charset="0"/>
+                <a:cs typeface="Segoe UI Light" panose="020B0502040204020203" pitchFamily="34" charset="0"/>
+              </a:rPr>
+              <a:t> </a:t>
+            </a:r>
+          </a:p>
+          <a:p>
+            <a:endParaRPr lang="en-US" sz="3200" b="1" dirty="0">
+              <a:solidFill>
+                <a:schemeClr val="bg1"/>
+              </a:solidFill>
+              <a:latin typeface="Segoe UI Light" panose="020B0502040204020203" pitchFamily="34" charset="0"/>
+              <a:cs typeface="Segoe UI Light" panose="020B0502040204020203" pitchFamily="34" charset="0"/>
+            </a:endParaRPr>
+          </a:p>
+        </p:txBody>
+      </p:sp>
     </p:spTree>
     <p:extLst>
       <p:ext uri="{BB962C8B-B14F-4D97-AF65-F5344CB8AC3E}">
@@ -22664,7 +24473,7 @@
 </p:sld>
 </file>
 
-<file path=ppt/slides/slide49.xml><?xml version="1.0" encoding="utf-8"?>
+<file path=ppt/slides/slide51.xml><?xml version="1.0" encoding="utf-8"?>
 <p:sld xmlns:a="http://schemas.openxmlformats.org/drawingml/2006/main" xmlns:r="http://schemas.openxmlformats.org/officeDocument/2006/relationships" xmlns:p="http://schemas.openxmlformats.org/presentationml/2006/main">
   <p:cSld>
     <p:spTree>
@@ -22914,226 +24723,6 @@
     <p:extLst>
       <p:ext uri="{BB962C8B-B14F-4D97-AF65-F5344CB8AC3E}">
         <p14:creationId xmlns:p14="http://schemas.microsoft.com/office/powerpoint/2010/main" val="3991772501"/>
-      </p:ext>
-    </p:extLst>
-  </p:cSld>
-  <p:clrMapOvr>
-    <a:masterClrMapping/>
-  </p:clrMapOvr>
-</p:sld>
-</file>
-
-<file path=ppt/slides/slide5.xml><?xml version="1.0" encoding="utf-8"?>
-<p:sld xmlns:a="http://schemas.openxmlformats.org/drawingml/2006/main" xmlns:r="http://schemas.openxmlformats.org/officeDocument/2006/relationships" xmlns:p="http://schemas.openxmlformats.org/presentationml/2006/main">
-  <p:cSld>
-    <p:spTree>
-      <p:nvGrpSpPr>
-        <p:cNvPr id="1" name=""/>
-        <p:cNvGrpSpPr/>
-        <p:nvPr/>
-      </p:nvGrpSpPr>
-      <p:grpSpPr>
-        <a:xfrm>
-          <a:off x="0" y="0"/>
-          <a:ext cx="0" cy="0"/>
-          <a:chOff x="0" y="0"/>
-          <a:chExt cx="0" cy="0"/>
-        </a:xfrm>
-      </p:grpSpPr>
-      <p:sp>
-        <p:nvSpPr>
-          <p:cNvPr id="2" name="標題 1">
-            <a:extLst>
-              <a:ext uri="{FF2B5EF4-FFF2-40B4-BE49-F238E27FC236}">
-                <a16:creationId xmlns:a16="http://schemas.microsoft.com/office/drawing/2014/main" id="{00D5626B-FF0D-4FB1-B125-A9029DEB63C6}"/>
-              </a:ext>
-            </a:extLst>
-          </p:cNvPr>
-          <p:cNvSpPr>
-            <a:spLocks noGrp="1"/>
-          </p:cNvSpPr>
-          <p:nvPr>
-            <p:ph type="title"/>
-          </p:nvPr>
-        </p:nvSpPr>
-        <p:spPr/>
-        <p:txBody>
-          <a:bodyPr/>
-          <a:lstStyle/>
-          <a:p>
-            <a:r>
-              <a:rPr lang="zh-CN" altLang="en-US" dirty="0"/>
-              <a:t>为什么要用</a:t>
-            </a:r>
-            <a:r>
-              <a:rPr lang="en-US" altLang="zh-CN" dirty="0"/>
-              <a:t>Docker</a:t>
-            </a:r>
-            <a:r>
-              <a:rPr lang="zh-CN" altLang="en-US" dirty="0"/>
-              <a:t>容器</a:t>
-            </a:r>
-            <a:endParaRPr lang="zh-TW" altLang="en-US" dirty="0"/>
-          </a:p>
-        </p:txBody>
-      </p:sp>
-      <p:sp>
-        <p:nvSpPr>
-          <p:cNvPr id="3" name="內容版面配置區 2">
-            <a:extLst>
-              <a:ext uri="{FF2B5EF4-FFF2-40B4-BE49-F238E27FC236}">
-                <a16:creationId xmlns:a16="http://schemas.microsoft.com/office/drawing/2014/main" id="{5DDE7EEB-79B5-4B93-A24C-6F0764261DEE}"/>
-              </a:ext>
-            </a:extLst>
-          </p:cNvPr>
-          <p:cNvSpPr>
-            <a:spLocks noGrp="1"/>
-          </p:cNvSpPr>
-          <p:nvPr>
-            <p:ph idx="1"/>
-          </p:nvPr>
-        </p:nvSpPr>
-        <p:spPr>
-          <a:xfrm>
-            <a:off x="560798" y="1627464"/>
-            <a:ext cx="11079822" cy="4275081"/>
-          </a:xfrm>
-        </p:spPr>
-        <p:txBody>
-          <a:bodyPr>
-            <a:normAutofit fontScale="92500" lnSpcReduction="20000"/>
-          </a:bodyPr>
-          <a:lstStyle/>
-          <a:p>
-            <a:r>
-              <a:rPr lang="zh-CN" altLang="en-US" sz="3500" dirty="0"/>
-              <a:t>分离</a:t>
-            </a:r>
-          </a:p>
-          <a:p>
-            <a:endParaRPr lang="zh-CN" altLang="en-US" sz="3500" dirty="0"/>
-          </a:p>
-          <a:p>
-            <a:r>
-              <a:rPr lang="zh-CN" altLang="en-US" sz="3500" dirty="0"/>
-              <a:t>更合理地利用资源</a:t>
-            </a:r>
-          </a:p>
-          <a:p>
-            <a:endParaRPr lang="zh-CN" altLang="en-US" sz="3500" dirty="0"/>
-          </a:p>
-          <a:p>
-            <a:r>
-              <a:rPr lang="zh-CN" altLang="en-US" sz="3500" dirty="0"/>
-              <a:t>部署的速度</a:t>
-            </a:r>
-          </a:p>
-          <a:p>
-            <a:endParaRPr lang="zh-CN" altLang="en-US" sz="3500" dirty="0"/>
-          </a:p>
-          <a:p>
-            <a:r>
-              <a:rPr lang="zh-CN" altLang="en-US" sz="3500" dirty="0"/>
-              <a:t>减少对环境的依赖</a:t>
-            </a:r>
-          </a:p>
-          <a:p>
-            <a:endParaRPr lang="zh-CN" altLang="en-US" sz="3500" dirty="0"/>
-          </a:p>
-          <a:p>
-            <a:r>
-              <a:rPr lang="zh-CN" altLang="en-US" sz="3500" dirty="0"/>
-              <a:t>微服务获得实力</a:t>
-            </a:r>
-          </a:p>
-          <a:p>
-            <a:endParaRPr lang="zh-TW" altLang="en-US" dirty="0"/>
-          </a:p>
-        </p:txBody>
-      </p:sp>
-      <p:sp>
-        <p:nvSpPr>
-          <p:cNvPr id="4" name="投影片編號版面配置區 3">
-            <a:extLst>
-              <a:ext uri="{FF2B5EF4-FFF2-40B4-BE49-F238E27FC236}">
-                <a16:creationId xmlns:a16="http://schemas.microsoft.com/office/drawing/2014/main" id="{BFE3921D-1315-4BD5-8787-800851EABC64}"/>
-              </a:ext>
-            </a:extLst>
-          </p:cNvPr>
-          <p:cNvSpPr>
-            <a:spLocks noGrp="1"/>
-          </p:cNvSpPr>
-          <p:nvPr>
-            <p:ph type="sldNum" sz="quarter" idx="12"/>
-          </p:nvPr>
-        </p:nvSpPr>
-        <p:spPr/>
-        <p:txBody>
-          <a:bodyPr/>
-          <a:lstStyle/>
-          <a:p>
-            <a:fld id="{0A164282-434E-41D4-9582-783D542A7B68}" type="slidenum">
-              <a:rPr lang="en-US" smtClean="0"/>
-              <a:pPr/>
-              <a:t>5</a:t>
-            </a:fld>
-            <a:endParaRPr lang="en-US"/>
-          </a:p>
-        </p:txBody>
-      </p:sp>
-      <p:pic>
-        <p:nvPicPr>
-          <p:cNvPr id="5" name="Imagem 3">
-            <a:extLst>
-              <a:ext uri="{FF2B5EF4-FFF2-40B4-BE49-F238E27FC236}">
-                <a16:creationId xmlns:a16="http://schemas.microsoft.com/office/drawing/2014/main" id="{FB889AB2-054B-4630-B8E8-BE56BDF9B455}"/>
-              </a:ext>
-            </a:extLst>
-          </p:cNvPr>
-          <p:cNvPicPr>
-            <a:picLocks noChangeAspect="1"/>
-          </p:cNvPicPr>
-          <p:nvPr/>
-        </p:nvPicPr>
-        <p:blipFill>
-          <a:blip r:embed="rId2">
-            <a:extLst>
-              <a:ext uri="{28A0092B-C50C-407E-A947-70E740481C1C}">
-                <a14:useLocalDpi xmlns:a14="http://schemas.microsoft.com/office/drawing/2010/main" val="0"/>
-              </a:ext>
-            </a:extLst>
-          </a:blip>
-          <a:stretch>
-            <a:fillRect/>
-          </a:stretch>
-        </p:blipFill>
-        <p:spPr>
-          <a:xfrm>
-            <a:off x="7294585" y="2704288"/>
-            <a:ext cx="2719108" cy="2250062"/>
-          </a:xfrm>
-          <a:prstGeom prst="roundRect">
-            <a:avLst>
-              <a:gd name="adj" fmla="val 8594"/>
-            </a:avLst>
-          </a:prstGeom>
-          <a:solidFill>
-            <a:srgbClr val="FFFFFF">
-              <a:shade val="85000"/>
-            </a:srgbClr>
-          </a:solidFill>
-          <a:ln>
-            <a:noFill/>
-          </a:ln>
-          <a:effectLst>
-            <a:reflection blurRad="12700" stA="38000" endPos="28000" dist="5000" dir="5400000" sy="-100000" algn="bl" rotWithShape="0"/>
-          </a:effectLst>
-        </p:spPr>
-      </p:pic>
-    </p:spTree>
-    <p:extLst>
-      <p:ext uri="{BB962C8B-B14F-4D97-AF65-F5344CB8AC3E}">
-        <p14:creationId xmlns:p14="http://schemas.microsoft.com/office/powerpoint/2010/main" val="1958902353"/>
       </p:ext>
     </p:extLst>
   </p:cSld>

--- a/2019AzureBootcampASPNETCore.pptx
+++ b/2019AzureBootcampASPNETCore.pptx
@@ -5,10 +5,10 @@
     <p:sldMasterId id="2147483660" r:id="rId1"/>
   </p:sldMasterIdLst>
   <p:notesMasterIdLst>
-    <p:notesMasterId r:id="rId53"/>
+    <p:notesMasterId r:id="rId54"/>
   </p:notesMasterIdLst>
   <p:handoutMasterIdLst>
-    <p:handoutMasterId r:id="rId54"/>
+    <p:handoutMasterId r:id="rId55"/>
   </p:handoutMasterIdLst>
   <p:sldIdLst>
     <p:sldId id="256" r:id="rId2"/>
@@ -37,31 +37,32 @@
     <p:sldId id="1590" r:id="rId25"/>
     <p:sldId id="1591" r:id="rId26"/>
     <p:sldId id="1592" r:id="rId27"/>
-    <p:sldId id="1593" r:id="rId28"/>
-    <p:sldId id="1594" r:id="rId29"/>
-    <p:sldId id="1595" r:id="rId30"/>
-    <p:sldId id="1596" r:id="rId31"/>
-    <p:sldId id="1597" r:id="rId32"/>
-    <p:sldId id="1598" r:id="rId33"/>
-    <p:sldId id="1599" r:id="rId34"/>
-    <p:sldId id="1600" r:id="rId35"/>
-    <p:sldId id="1601" r:id="rId36"/>
-    <p:sldId id="1602" r:id="rId37"/>
-    <p:sldId id="1603" r:id="rId38"/>
-    <p:sldId id="1604" r:id="rId39"/>
-    <p:sldId id="1607" r:id="rId40"/>
-    <p:sldId id="1608" r:id="rId41"/>
-    <p:sldId id="1609" r:id="rId42"/>
-    <p:sldId id="1610" r:id="rId43"/>
-    <p:sldId id="1611" r:id="rId44"/>
-    <p:sldId id="1605" r:id="rId45"/>
-    <p:sldId id="1606" r:id="rId46"/>
-    <p:sldId id="1612" r:id="rId47"/>
-    <p:sldId id="1613" r:id="rId48"/>
-    <p:sldId id="281" r:id="rId49"/>
-    <p:sldId id="280" r:id="rId50"/>
-    <p:sldId id="265" r:id="rId51"/>
-    <p:sldId id="259" r:id="rId52"/>
+    <p:sldId id="1615" r:id="rId28"/>
+    <p:sldId id="1593" r:id="rId29"/>
+    <p:sldId id="1594" r:id="rId30"/>
+    <p:sldId id="1595" r:id="rId31"/>
+    <p:sldId id="1596" r:id="rId32"/>
+    <p:sldId id="1597" r:id="rId33"/>
+    <p:sldId id="1598" r:id="rId34"/>
+    <p:sldId id="1599" r:id="rId35"/>
+    <p:sldId id="1600" r:id="rId36"/>
+    <p:sldId id="1601" r:id="rId37"/>
+    <p:sldId id="1602" r:id="rId38"/>
+    <p:sldId id="1603" r:id="rId39"/>
+    <p:sldId id="1604" r:id="rId40"/>
+    <p:sldId id="1607" r:id="rId41"/>
+    <p:sldId id="1608" r:id="rId42"/>
+    <p:sldId id="1609" r:id="rId43"/>
+    <p:sldId id="1610" r:id="rId44"/>
+    <p:sldId id="1611" r:id="rId45"/>
+    <p:sldId id="1605" r:id="rId46"/>
+    <p:sldId id="1606" r:id="rId47"/>
+    <p:sldId id="1612" r:id="rId48"/>
+    <p:sldId id="1613" r:id="rId49"/>
+    <p:sldId id="281" r:id="rId50"/>
+    <p:sldId id="280" r:id="rId51"/>
+    <p:sldId id="265" r:id="rId52"/>
+    <p:sldId id="259" r:id="rId53"/>
   </p:sldIdLst>
   <p:sldSz cx="12192000" cy="6858000"/>
   <p:notesSz cx="7010400" cy="9296400"/>
@@ -757,7 +758,85 @@
           <a:chExt cx="0" cy="0"/>
         </a:xfrm>
       </p:grpSpPr>
+      <p:sp>
+        <p:nvSpPr>
+          <p:cNvPr id="2" name="幻灯片图像占位符 1"/>
+          <p:cNvSpPr>
+            <a:spLocks noGrp="1" noRot="1" noChangeAspect="1"/>
+          </p:cNvSpPr>
+          <p:nvPr>
+            <p:ph type="sldImg"/>
+          </p:nvPr>
+        </p:nvSpPr>
+        <p:spPr/>
+      </p:sp>
+      <p:sp>
+        <p:nvSpPr>
+          <p:cNvPr id="3" name="备注占位符 2"/>
+          <p:cNvSpPr>
+            <a:spLocks noGrp="1"/>
+          </p:cNvSpPr>
+          <p:nvPr>
+            <p:ph type="body" idx="1"/>
+          </p:nvPr>
+        </p:nvSpPr>
+        <p:spPr/>
+        <p:txBody>
+          <a:bodyPr/>
+          <a:lstStyle/>
+          <a:p>
+            <a:r>
+              <a:rPr lang="zh-CN" altLang="en-US" dirty="0"/>
+              <a:t>为了从</a:t>
+            </a:r>
+            <a:r>
+              <a:rPr lang="en-US" altLang="zh-CN" dirty="0"/>
+              <a:t>Kubernetes</a:t>
+            </a:r>
+            <a:r>
+              <a:rPr lang="zh-CN" altLang="en-US" dirty="0"/>
+              <a:t>开始，群集管理员和群集用户必须学习大量新内容才能使用这些新工具高效工作。在您可以自信地部署之前，</a:t>
+            </a:r>
+            <a:r>
+              <a:rPr lang="en-US" altLang="zh-CN" dirty="0"/>
+              <a:t>Docker</a:t>
+            </a:r>
+            <a:r>
+              <a:rPr lang="zh-CN" altLang="en-US" dirty="0"/>
+              <a:t>只是您需要了解的冰山之巅。</a:t>
+            </a:r>
+          </a:p>
+        </p:txBody>
+      </p:sp>
+      <p:sp>
+        <p:nvSpPr>
+          <p:cNvPr id="4" name="灯片编号占位符 3"/>
+          <p:cNvSpPr>
+            <a:spLocks noGrp="1"/>
+          </p:cNvSpPr>
+          <p:nvPr>
+            <p:ph type="sldNum" sz="quarter" idx="5"/>
+          </p:nvPr>
+        </p:nvSpPr>
+        <p:spPr/>
+        <p:txBody>
+          <a:bodyPr/>
+          <a:lstStyle/>
+          <a:p>
+            <a:fld id="{A9DCBDDF-04FD-4D86-9705-56F18AA3D45B}" type="slidenum">
+              <a:rPr lang="zh-CN" altLang="en-US" smtClean="0"/>
+              <a:t>8</a:t>
+            </a:fld>
+            <a:endParaRPr lang="zh-CN" altLang="en-US"/>
+          </a:p>
+        </p:txBody>
+      </p:sp>
     </p:spTree>
+    <p:extLst>
+      <p:ext uri="{BB962C8B-B14F-4D97-AF65-F5344CB8AC3E}">
+        <p14:creationId xmlns:p14="http://schemas.microsoft.com/office/powerpoint/2010/main" val="2306108528"/>
+      </p:ext>
+    </p:extLst>
   </p:cSld>
   <p:clrMapOvr>
     <a:masterClrMapping/>
@@ -807,6 +886,31 @@
           <a:chExt cx="0" cy="0"/>
         </a:xfrm>
       </p:grpSpPr>
+    </p:spTree>
+  </p:cSld>
+  <p:clrMapOvr>
+    <a:masterClrMapping/>
+  </p:clrMapOvr>
+</p:notes>
+</file>
+
+<file path=ppt/notesSlides/notesSlide12.xml><?xml version="1.0" encoding="utf-8"?>
+<p:notes xmlns:a="http://schemas.openxmlformats.org/drawingml/2006/main" xmlns:r="http://schemas.openxmlformats.org/officeDocument/2006/relationships" xmlns:p="http://schemas.openxmlformats.org/presentationml/2006/main">
+  <p:cSld>
+    <p:spTree>
+      <p:nvGrpSpPr>
+        <p:cNvPr id="1" name=""/>
+        <p:cNvGrpSpPr/>
+        <p:nvPr/>
+      </p:nvGrpSpPr>
+      <p:grpSpPr>
+        <a:xfrm>
+          <a:off x="0" y="0"/>
+          <a:ext cx="0" cy="0"/>
+          <a:chOff x="0" y="0"/>
+          <a:chExt cx="0" cy="0"/>
+        </a:xfrm>
+      </p:grpSpPr>
       <p:sp>
         <p:nvSpPr>
           <p:cNvPr id="2" name="幻灯片图像占位符 1"/>
@@ -867,31 +971,6 @@
         <p14:creationId xmlns:p14="http://schemas.microsoft.com/office/powerpoint/2010/main" val="3763938222"/>
       </p:ext>
     </p:extLst>
-  </p:cSld>
-  <p:clrMapOvr>
-    <a:masterClrMapping/>
-  </p:clrMapOvr>
-</p:notes>
-</file>
-
-<file path=ppt/notesSlides/notesSlide12.xml><?xml version="1.0" encoding="utf-8"?>
-<p:notes xmlns:a="http://schemas.openxmlformats.org/drawingml/2006/main" xmlns:r="http://schemas.openxmlformats.org/officeDocument/2006/relationships" xmlns:p="http://schemas.openxmlformats.org/presentationml/2006/main">
-  <p:cSld>
-    <p:spTree>
-      <p:nvGrpSpPr>
-        <p:cNvPr id="1" name=""/>
-        <p:cNvGrpSpPr/>
-        <p:nvPr/>
-      </p:nvGrpSpPr>
-      <p:grpSpPr>
-        <a:xfrm>
-          <a:off x="0" y="0"/>
-          <a:ext cx="0" cy="0"/>
-          <a:chOff x="0" y="0"/>
-          <a:chExt cx="0" cy="0"/>
-        </a:xfrm>
-      </p:grpSpPr>
-    </p:spTree>
   </p:cSld>
   <p:clrMapOvr>
     <a:masterClrMapping/>
@@ -1517,6 +1596,31 @@
         </a:xfrm>
       </p:grpSpPr>
     </p:spTree>
+  </p:cSld>
+  <p:clrMapOvr>
+    <a:masterClrMapping/>
+  </p:clrMapOvr>
+</p:notes>
+</file>
+
+<file path=ppt/notesSlides/notesSlide36.xml><?xml version="1.0" encoding="utf-8"?>
+<p:notes xmlns:a="http://schemas.openxmlformats.org/drawingml/2006/main" xmlns:r="http://schemas.openxmlformats.org/officeDocument/2006/relationships" xmlns:p="http://schemas.openxmlformats.org/presentationml/2006/main">
+  <p:cSld>
+    <p:spTree>
+      <p:nvGrpSpPr>
+        <p:cNvPr id="1" name=""/>
+        <p:cNvGrpSpPr/>
+        <p:nvPr/>
+      </p:nvGrpSpPr>
+      <p:grpSpPr>
+        <a:xfrm>
+          <a:off x="0" y="0"/>
+          <a:ext cx="0" cy="0"/>
+          <a:chOff x="0" y="0"/>
+          <a:chExt cx="0" cy="0"/>
+        </a:xfrm>
+      </p:grpSpPr>
+    </p:spTree>
     <p:extLst>
       <p:ext uri="{BB962C8B-B14F-4D97-AF65-F5344CB8AC3E}">
         <p14:creationId xmlns:p14="http://schemas.microsoft.com/office/powerpoint/2010/main" val="1343255372"/>
@@ -1529,7 +1633,7 @@
 </p:notes>
 </file>
 
-<file path=ppt/notesSlides/notesSlide36.xml><?xml version="1.0" encoding="utf-8"?>
+<file path=ppt/notesSlides/notesSlide37.xml><?xml version="1.0" encoding="utf-8"?>
 <p:notes xmlns:a="http://schemas.openxmlformats.org/drawingml/2006/main" xmlns:r="http://schemas.openxmlformats.org/officeDocument/2006/relationships" xmlns:p="http://schemas.openxmlformats.org/presentationml/2006/main">
   <p:cSld>
     <p:spTree>
@@ -1559,7 +1663,7 @@
 </p:notes>
 </file>
 
-<file path=ppt/notesSlides/notesSlide37.xml><?xml version="1.0" encoding="utf-8"?>
+<file path=ppt/notesSlides/notesSlide38.xml><?xml version="1.0" encoding="utf-8"?>
 <p:notes xmlns:a="http://schemas.openxmlformats.org/drawingml/2006/main" xmlns:r="http://schemas.openxmlformats.org/officeDocument/2006/relationships" xmlns:p="http://schemas.openxmlformats.org/presentationml/2006/main">
   <p:cSld>
     <p:spTree>
@@ -1624,7 +1728,7 @@
           <a:p>
             <a:fld id="{7A3A8D60-CBF8-4442-AF5D-1F60FE5FB7A8}" type="slidenum">
               <a:rPr lang="it-IT" smtClean="0"/>
-              <a:t>49</a:t>
+              <a:t>50</a:t>
             </a:fld>
             <a:endParaRPr lang="it-IT"/>
           </a:p>
@@ -16012,6 +16116,156 @@
       </p:grpSpPr>
       <p:sp>
         <p:nvSpPr>
+          <p:cNvPr id="2" name="标题 1">
+            <a:extLst>
+              <a:ext uri="{FF2B5EF4-FFF2-40B4-BE49-F238E27FC236}">
+                <a16:creationId xmlns:a16="http://schemas.microsoft.com/office/drawing/2014/main" id="{39571B9A-C341-4D8B-8AD1-C3171DC106EB}"/>
+              </a:ext>
+            </a:extLst>
+          </p:cNvPr>
+          <p:cNvSpPr>
+            <a:spLocks noGrp="1"/>
+          </p:cNvSpPr>
+          <p:nvPr>
+            <p:ph type="title"/>
+          </p:nvPr>
+        </p:nvSpPr>
+        <p:spPr/>
+        <p:txBody>
+          <a:bodyPr/>
+          <a:lstStyle/>
+          <a:p>
+            <a:r>
+              <a:rPr lang="en-US" altLang="zh-CN" dirty="0"/>
+              <a:t>Visual Studio 2019 k8s </a:t>
+            </a:r>
+            <a:endParaRPr lang="zh-CN" altLang="en-US" dirty="0"/>
+          </a:p>
+        </p:txBody>
+      </p:sp>
+      <p:sp>
+        <p:nvSpPr>
+          <p:cNvPr id="3" name="内容占位符 2">
+            <a:extLst>
+              <a:ext uri="{FF2B5EF4-FFF2-40B4-BE49-F238E27FC236}">
+                <a16:creationId xmlns:a16="http://schemas.microsoft.com/office/drawing/2014/main" id="{49048738-C71B-413F-9CE4-58DCC2940F77}"/>
+              </a:ext>
+            </a:extLst>
+          </p:cNvPr>
+          <p:cNvSpPr>
+            <a:spLocks noGrp="1"/>
+          </p:cNvSpPr>
+          <p:nvPr>
+            <p:ph idx="1"/>
+          </p:nvPr>
+        </p:nvSpPr>
+        <p:spPr/>
+        <p:txBody>
+          <a:bodyPr/>
+          <a:lstStyle/>
+          <a:p>
+            <a:r>
+              <a:rPr lang="en-US" altLang="zh-CN" dirty="0"/>
+              <a:t> Visual Studio </a:t>
+            </a:r>
+            <a:r>
+              <a:rPr lang="zh-CN" altLang="en-US" dirty="0"/>
+              <a:t>中的容器工具</a:t>
+            </a:r>
+            <a:r>
+              <a:rPr lang="en-US" altLang="zh-CN" dirty="0"/>
+              <a:t>:</a:t>
+            </a:r>
+            <a:endParaRPr lang="zh-CN" altLang="en-US" dirty="0"/>
+          </a:p>
+          <a:p>
+            <a:pPr marL="0" indent="0">
+              <a:buNone/>
+            </a:pPr>
+            <a:r>
+              <a:rPr lang="en-US" altLang="zh-CN" dirty="0">
+                <a:hlinkClick r:id="rId2"/>
+              </a:rPr>
+              <a:t>https://docs.microsoft.com/zh-cn/visualstudio/containers/?view=vs-2019</a:t>
+            </a:r>
+            <a:endParaRPr lang="en-US" altLang="zh-CN" dirty="0"/>
+          </a:p>
+          <a:p>
+            <a:pPr marL="0" indent="0">
+              <a:buNone/>
+            </a:pPr>
+            <a:endParaRPr lang="en-US" altLang="zh-CN" dirty="0"/>
+          </a:p>
+          <a:p>
+            <a:pPr marL="0" indent="0">
+              <a:buNone/>
+            </a:pPr>
+            <a:endParaRPr lang="zh-CN" altLang="en-US" dirty="0"/>
+          </a:p>
+        </p:txBody>
+      </p:sp>
+      <p:sp>
+        <p:nvSpPr>
+          <p:cNvPr id="4" name="灯片编号占位符 3">
+            <a:extLst>
+              <a:ext uri="{FF2B5EF4-FFF2-40B4-BE49-F238E27FC236}">
+                <a16:creationId xmlns:a16="http://schemas.microsoft.com/office/drawing/2014/main" id="{DA9C59B0-F48D-452F-B36C-841FED6D33B2}"/>
+              </a:ext>
+            </a:extLst>
+          </p:cNvPr>
+          <p:cNvSpPr>
+            <a:spLocks noGrp="1"/>
+          </p:cNvSpPr>
+          <p:nvPr>
+            <p:ph type="sldNum" sz="quarter" idx="12"/>
+          </p:nvPr>
+        </p:nvSpPr>
+        <p:spPr/>
+        <p:txBody>
+          <a:bodyPr/>
+          <a:lstStyle/>
+          <a:p>
+            <a:fld id="{0A164282-434E-41D4-9582-783D542A7B68}" type="slidenum">
+              <a:rPr lang="en-US" smtClean="0"/>
+              <a:pPr/>
+              <a:t>27</a:t>
+            </a:fld>
+            <a:endParaRPr lang="en-US"/>
+          </a:p>
+        </p:txBody>
+      </p:sp>
+    </p:spTree>
+    <p:extLst>
+      <p:ext uri="{BB962C8B-B14F-4D97-AF65-F5344CB8AC3E}">
+        <p14:creationId xmlns:p14="http://schemas.microsoft.com/office/powerpoint/2010/main" val="1952295127"/>
+      </p:ext>
+    </p:extLst>
+  </p:cSld>
+  <p:clrMapOvr>
+    <a:masterClrMapping/>
+  </p:clrMapOvr>
+</p:sld>
+</file>
+
+<file path=ppt/slides/slide28.xml><?xml version="1.0" encoding="utf-8"?>
+<p:sld xmlns:a="http://schemas.openxmlformats.org/drawingml/2006/main" xmlns:r="http://schemas.openxmlformats.org/officeDocument/2006/relationships" xmlns:p="http://schemas.openxmlformats.org/presentationml/2006/main">
+  <p:cSld>
+    <p:spTree>
+      <p:nvGrpSpPr>
+        <p:cNvPr id="1" name=""/>
+        <p:cNvGrpSpPr/>
+        <p:nvPr/>
+      </p:nvGrpSpPr>
+      <p:grpSpPr>
+        <a:xfrm>
+          <a:off x="0" y="0"/>
+          <a:ext cx="0" cy="0"/>
+          <a:chOff x="0" y="0"/>
+          <a:chExt cx="0" cy="0"/>
+        </a:xfrm>
+      </p:grpSpPr>
+      <p:sp>
+        <p:nvSpPr>
           <p:cNvPr id="2" name="Title 1">
             <a:extLst>
               <a:ext uri="{FF2B5EF4-FFF2-40B4-BE49-F238E27FC236}">
@@ -16432,82 +16686,6 @@
 </p:sld>
 </file>
 
-<file path=ppt/slides/slide28.xml><?xml version="1.0" encoding="utf-8"?>
-<p:sld xmlns:a="http://schemas.openxmlformats.org/drawingml/2006/main" xmlns:r="http://schemas.openxmlformats.org/officeDocument/2006/relationships" xmlns:p="http://schemas.openxmlformats.org/presentationml/2006/main">
-  <p:cSld>
-    <p:spTree>
-      <p:nvGrpSpPr>
-        <p:cNvPr id="1" name=""/>
-        <p:cNvGrpSpPr/>
-        <p:nvPr/>
-      </p:nvGrpSpPr>
-      <p:grpSpPr>
-        <a:xfrm>
-          <a:off x="0" y="0"/>
-          <a:ext cx="0" cy="0"/>
-          <a:chOff x="0" y="0"/>
-          <a:chExt cx="0" cy="0"/>
-        </a:xfrm>
-      </p:grpSpPr>
-      <p:sp>
-        <p:nvSpPr>
-          <p:cNvPr id="2" name="Title 1">
-            <a:extLst>
-              <a:ext uri="{FF2B5EF4-FFF2-40B4-BE49-F238E27FC236}">
-                <a16:creationId xmlns:a16="http://schemas.microsoft.com/office/drawing/2014/main" id="{C118C554-925A-4676-9481-7505FE41C531}"/>
-              </a:ext>
-            </a:extLst>
-          </p:cNvPr>
-          <p:cNvSpPr>
-            <a:spLocks noGrp="1"/>
-          </p:cNvSpPr>
-          <p:nvPr>
-            <p:ph type="title"/>
-          </p:nvPr>
-        </p:nvSpPr>
-        <p:spPr>
-          <a:xfrm>
-            <a:off x="452514" y="330325"/>
-            <a:ext cx="11079822" cy="957600"/>
-          </a:xfrm>
-        </p:spPr>
-        <p:txBody>
-          <a:bodyPr/>
-          <a:lstStyle/>
-          <a:p>
-            <a:r>
-              <a:rPr lang="en-US" altLang="zh-CN" dirty="0"/>
-              <a:t>Azure Container Registry</a:t>
-            </a:r>
-            <a:endParaRPr lang="en-GB" dirty="0"/>
-          </a:p>
-        </p:txBody>
-      </p:sp>
-    </p:spTree>
-    <p:extLst>
-      <p:ext uri="{BB962C8B-B14F-4D97-AF65-F5344CB8AC3E}">
-        <p14:creationId xmlns:p14="http://schemas.microsoft.com/office/powerpoint/2010/main" val="226118754"/>
-      </p:ext>
-    </p:extLst>
-  </p:cSld>
-  <p:clrMapOvr>
-    <a:masterClrMapping/>
-  </p:clrMapOvr>
-  <mc:AlternateContent xmlns:mc="http://schemas.openxmlformats.org/markup-compatibility/2006" xmlns:p14="http://schemas.microsoft.com/office/powerpoint/2010/main">
-    <mc:Choice Requires="p14">
-      <p:transition spd="med" p14:dur="700">
-        <p:fade/>
-      </p:transition>
-    </mc:Choice>
-    <mc:Fallback xmlns="">
-      <p:transition spd="med">
-        <p:fade/>
-      </p:transition>
-    </mc:Fallback>
-  </mc:AlternateContent>
-</p:sld>
-</file>
-
 <file path=ppt/slides/slide29.xml><?xml version="1.0" encoding="utf-8"?>
 <p:sld xmlns:a="http://schemas.openxmlformats.org/drawingml/2006/main" xmlns:r="http://schemas.openxmlformats.org/officeDocument/2006/relationships" xmlns:p="http://schemas.openxmlformats.org/presentationml/2006/main">
   <p:cSld>
@@ -16552,139 +16730,17 @@
           <a:lstStyle/>
           <a:p>
             <a:r>
-              <a:rPr lang="pt-BR" altLang="zh-CN" dirty="0"/>
-              <a:t>Azure CLI 2.0</a:t>
+              <a:rPr lang="en-US" altLang="zh-CN" dirty="0"/>
+              <a:t>Azure Container Registry</a:t>
             </a:r>
             <a:endParaRPr lang="en-GB" dirty="0"/>
           </a:p>
         </p:txBody>
       </p:sp>
-      <p:sp>
-        <p:nvSpPr>
-          <p:cNvPr id="3" name="矩形 2">
-            <a:extLst>
-              <a:ext uri="{FF2B5EF4-FFF2-40B4-BE49-F238E27FC236}">
-                <a16:creationId xmlns:a16="http://schemas.microsoft.com/office/drawing/2014/main" id="{A458D77A-7020-483B-B844-FD49C8F8CF88}"/>
-              </a:ext>
-            </a:extLst>
-          </p:cNvPr>
-          <p:cNvSpPr/>
-          <p:nvPr/>
-        </p:nvSpPr>
-        <p:spPr>
-          <a:xfrm>
-            <a:off x="677863" y="1897128"/>
-            <a:ext cx="7772401" cy="2554545"/>
-          </a:xfrm>
-          <a:prstGeom prst="rect">
-            <a:avLst/>
-          </a:prstGeom>
-        </p:spPr>
-        <p:txBody>
-          <a:bodyPr wrap="square">
-            <a:spAutoFit/>
-          </a:bodyPr>
-          <a:lstStyle/>
-          <a:p>
-            <a:pPr marL="457200" indent="-457200">
-              <a:buFont typeface="Arial" panose="020B0604020202020204" pitchFamily="34" charset="0"/>
-              <a:buChar char="•"/>
-            </a:pPr>
-            <a:r>
-              <a:rPr lang="zh-CN" altLang="en-US" sz="3200" dirty="0"/>
-              <a:t>通过命令行管理和管理 </a:t>
-            </a:r>
-            <a:r>
-              <a:rPr lang="en-US" altLang="zh-CN" sz="3200" dirty="0"/>
-              <a:t>Microsoft Azure </a:t>
-            </a:r>
-            <a:r>
-              <a:rPr lang="zh-CN" altLang="en-US" sz="3200" dirty="0"/>
-              <a:t>资源</a:t>
-            </a:r>
-            <a:endParaRPr lang="en-US" altLang="zh-CN" sz="3200" dirty="0"/>
-          </a:p>
-          <a:p>
-            <a:pPr marL="457200" indent="-457200">
-              <a:buFont typeface="Arial" panose="020B0604020202020204" pitchFamily="34" charset="0"/>
-              <a:buChar char="•"/>
-            </a:pPr>
-            <a:endParaRPr lang="zh-CN" altLang="en-US" sz="3200" dirty="0"/>
-          </a:p>
-          <a:p>
-            <a:pPr marL="457200" indent="-457200">
-              <a:buFont typeface="Arial" panose="020B0604020202020204" pitchFamily="34" charset="0"/>
-              <a:buChar char="•"/>
-            </a:pPr>
-            <a:endParaRPr lang="zh-CN" altLang="en-US" sz="3200" dirty="0"/>
-          </a:p>
-          <a:p>
-            <a:pPr marL="457200" indent="-457200">
-              <a:buFont typeface="Arial" panose="020B0604020202020204" pitchFamily="34" charset="0"/>
-              <a:buChar char="•"/>
-            </a:pPr>
-            <a:r>
-              <a:rPr lang="zh-CN" altLang="en-US" sz="3200" dirty="0"/>
-              <a:t>多平台 </a:t>
-            </a:r>
-            <a:r>
-              <a:rPr lang="en-US" altLang="zh-CN" sz="3200" dirty="0"/>
-              <a:t>(Windows</a:t>
-            </a:r>
-            <a:r>
-              <a:rPr lang="zh-CN" altLang="en-US" sz="3200" dirty="0"/>
-              <a:t>、</a:t>
-            </a:r>
-            <a:r>
-              <a:rPr lang="en-US" altLang="zh-CN" sz="3200" dirty="0"/>
-              <a:t>Linux </a:t>
-            </a:r>
-            <a:r>
-              <a:rPr lang="zh-CN" altLang="en-US" sz="3200" dirty="0"/>
-              <a:t>和 </a:t>
-            </a:r>
-            <a:r>
-              <a:rPr lang="en-US" altLang="zh-CN" sz="3200" dirty="0"/>
-              <a:t>macOS)</a:t>
-            </a:r>
-            <a:endParaRPr lang="zh-CN" altLang="en-US" sz="3200" dirty="0"/>
-          </a:p>
-        </p:txBody>
-      </p:sp>
-      <p:pic>
-        <p:nvPicPr>
-          <p:cNvPr id="7" name="Imagem 5">
-            <a:extLst>
-              <a:ext uri="{FF2B5EF4-FFF2-40B4-BE49-F238E27FC236}">
-                <a16:creationId xmlns:a16="http://schemas.microsoft.com/office/drawing/2014/main" id="{D8B9CAD0-C181-4408-A0A2-C61A67FAE7B5}"/>
-              </a:ext>
-            </a:extLst>
-          </p:cNvPr>
-          <p:cNvPicPr>
-            <a:picLocks noChangeAspect="1"/>
-          </p:cNvPicPr>
-          <p:nvPr/>
-        </p:nvPicPr>
-        <p:blipFill>
-          <a:blip r:embed="rId3"/>
-          <a:stretch>
-            <a:fillRect/>
-          </a:stretch>
-        </p:blipFill>
-        <p:spPr>
-          <a:xfrm>
-            <a:off x="9113837" y="2201862"/>
-            <a:ext cx="2400300" cy="2400300"/>
-          </a:xfrm>
-          <a:prstGeom prst="rect">
-            <a:avLst/>
-          </a:prstGeom>
-        </p:spPr>
-      </p:pic>
     </p:spTree>
     <p:extLst>
       <p:ext uri="{BB962C8B-B14F-4D97-AF65-F5344CB8AC3E}">
-        <p14:creationId xmlns:p14="http://schemas.microsoft.com/office/powerpoint/2010/main" val="4242728109"/>
+        <p14:creationId xmlns:p14="http://schemas.microsoft.com/office/powerpoint/2010/main" val="226118754"/>
       </p:ext>
     </p:extLst>
   </p:cSld>
@@ -17117,6 +17173,204 @@
 </file>
 
 <file path=ppt/slides/slide30.xml><?xml version="1.0" encoding="utf-8"?>
+<p:sld xmlns:a="http://schemas.openxmlformats.org/drawingml/2006/main" xmlns:r="http://schemas.openxmlformats.org/officeDocument/2006/relationships" xmlns:p="http://schemas.openxmlformats.org/presentationml/2006/main">
+  <p:cSld>
+    <p:spTree>
+      <p:nvGrpSpPr>
+        <p:cNvPr id="1" name=""/>
+        <p:cNvGrpSpPr/>
+        <p:nvPr/>
+      </p:nvGrpSpPr>
+      <p:grpSpPr>
+        <a:xfrm>
+          <a:off x="0" y="0"/>
+          <a:ext cx="0" cy="0"/>
+          <a:chOff x="0" y="0"/>
+          <a:chExt cx="0" cy="0"/>
+        </a:xfrm>
+      </p:grpSpPr>
+      <p:sp>
+        <p:nvSpPr>
+          <p:cNvPr id="2" name="Title 1">
+            <a:extLst>
+              <a:ext uri="{FF2B5EF4-FFF2-40B4-BE49-F238E27FC236}">
+                <a16:creationId xmlns:a16="http://schemas.microsoft.com/office/drawing/2014/main" id="{C118C554-925A-4676-9481-7505FE41C531}"/>
+              </a:ext>
+            </a:extLst>
+          </p:cNvPr>
+          <p:cNvSpPr>
+            <a:spLocks noGrp="1"/>
+          </p:cNvSpPr>
+          <p:nvPr>
+            <p:ph type="title"/>
+          </p:nvPr>
+        </p:nvSpPr>
+        <p:spPr>
+          <a:xfrm>
+            <a:off x="452514" y="330325"/>
+            <a:ext cx="11079822" cy="957600"/>
+          </a:xfrm>
+        </p:spPr>
+        <p:txBody>
+          <a:bodyPr/>
+          <a:lstStyle/>
+          <a:p>
+            <a:r>
+              <a:rPr lang="pt-BR" altLang="zh-CN" dirty="0"/>
+              <a:t>Azure CLI 2.0</a:t>
+            </a:r>
+            <a:endParaRPr lang="en-GB" dirty="0"/>
+          </a:p>
+        </p:txBody>
+      </p:sp>
+      <p:sp>
+        <p:nvSpPr>
+          <p:cNvPr id="3" name="矩形 2">
+            <a:extLst>
+              <a:ext uri="{FF2B5EF4-FFF2-40B4-BE49-F238E27FC236}">
+                <a16:creationId xmlns:a16="http://schemas.microsoft.com/office/drawing/2014/main" id="{A458D77A-7020-483B-B844-FD49C8F8CF88}"/>
+              </a:ext>
+            </a:extLst>
+          </p:cNvPr>
+          <p:cNvSpPr/>
+          <p:nvPr/>
+        </p:nvSpPr>
+        <p:spPr>
+          <a:xfrm>
+            <a:off x="677863" y="1897128"/>
+            <a:ext cx="7772401" cy="2554545"/>
+          </a:xfrm>
+          <a:prstGeom prst="rect">
+            <a:avLst/>
+          </a:prstGeom>
+        </p:spPr>
+        <p:txBody>
+          <a:bodyPr wrap="square">
+            <a:spAutoFit/>
+          </a:bodyPr>
+          <a:lstStyle/>
+          <a:p>
+            <a:pPr marL="457200" indent="-457200">
+              <a:buFont typeface="Arial" panose="020B0604020202020204" pitchFamily="34" charset="0"/>
+              <a:buChar char="•"/>
+            </a:pPr>
+            <a:r>
+              <a:rPr lang="zh-CN" altLang="en-US" sz="3200" dirty="0"/>
+              <a:t>通过命令行管理和管理 </a:t>
+            </a:r>
+            <a:r>
+              <a:rPr lang="en-US" altLang="zh-CN" sz="3200" dirty="0"/>
+              <a:t>Microsoft Azure </a:t>
+            </a:r>
+            <a:r>
+              <a:rPr lang="zh-CN" altLang="en-US" sz="3200" dirty="0"/>
+              <a:t>资源</a:t>
+            </a:r>
+            <a:endParaRPr lang="en-US" altLang="zh-CN" sz="3200" dirty="0"/>
+          </a:p>
+          <a:p>
+            <a:pPr marL="457200" indent="-457200">
+              <a:buFont typeface="Arial" panose="020B0604020202020204" pitchFamily="34" charset="0"/>
+              <a:buChar char="•"/>
+            </a:pPr>
+            <a:endParaRPr lang="zh-CN" altLang="en-US" sz="3200" dirty="0"/>
+          </a:p>
+          <a:p>
+            <a:pPr marL="457200" indent="-457200">
+              <a:buFont typeface="Arial" panose="020B0604020202020204" pitchFamily="34" charset="0"/>
+              <a:buChar char="•"/>
+            </a:pPr>
+            <a:endParaRPr lang="zh-CN" altLang="en-US" sz="3200" dirty="0"/>
+          </a:p>
+          <a:p>
+            <a:pPr marL="457200" indent="-457200">
+              <a:buFont typeface="Arial" panose="020B0604020202020204" pitchFamily="34" charset="0"/>
+              <a:buChar char="•"/>
+            </a:pPr>
+            <a:r>
+              <a:rPr lang="zh-CN" altLang="en-US" sz="3200" dirty="0"/>
+              <a:t>多平台 </a:t>
+            </a:r>
+            <a:r>
+              <a:rPr lang="en-US" altLang="zh-CN" sz="3200" dirty="0"/>
+              <a:t>(Windows</a:t>
+            </a:r>
+            <a:r>
+              <a:rPr lang="zh-CN" altLang="en-US" sz="3200" dirty="0"/>
+              <a:t>、</a:t>
+            </a:r>
+            <a:r>
+              <a:rPr lang="en-US" altLang="zh-CN" sz="3200" dirty="0"/>
+              <a:t>Linux </a:t>
+            </a:r>
+            <a:r>
+              <a:rPr lang="zh-CN" altLang="en-US" sz="3200" dirty="0"/>
+              <a:t>和 </a:t>
+            </a:r>
+            <a:r>
+              <a:rPr lang="en-US" altLang="zh-CN" sz="3200" dirty="0"/>
+              <a:t>macOS)</a:t>
+            </a:r>
+            <a:endParaRPr lang="zh-CN" altLang="en-US" sz="3200" dirty="0"/>
+          </a:p>
+        </p:txBody>
+      </p:sp>
+      <p:pic>
+        <p:nvPicPr>
+          <p:cNvPr id="7" name="Imagem 5">
+            <a:extLst>
+              <a:ext uri="{FF2B5EF4-FFF2-40B4-BE49-F238E27FC236}">
+                <a16:creationId xmlns:a16="http://schemas.microsoft.com/office/drawing/2014/main" id="{D8B9CAD0-C181-4408-A0A2-C61A67FAE7B5}"/>
+              </a:ext>
+            </a:extLst>
+          </p:cNvPr>
+          <p:cNvPicPr>
+            <a:picLocks noChangeAspect="1"/>
+          </p:cNvPicPr>
+          <p:nvPr/>
+        </p:nvPicPr>
+        <p:blipFill>
+          <a:blip r:embed="rId3"/>
+          <a:stretch>
+            <a:fillRect/>
+          </a:stretch>
+        </p:blipFill>
+        <p:spPr>
+          <a:xfrm>
+            <a:off x="9113837" y="2201862"/>
+            <a:ext cx="2400300" cy="2400300"/>
+          </a:xfrm>
+          <a:prstGeom prst="rect">
+            <a:avLst/>
+          </a:prstGeom>
+        </p:spPr>
+      </p:pic>
+    </p:spTree>
+    <p:extLst>
+      <p:ext uri="{BB962C8B-B14F-4D97-AF65-F5344CB8AC3E}">
+        <p14:creationId xmlns:p14="http://schemas.microsoft.com/office/powerpoint/2010/main" val="4242728109"/>
+      </p:ext>
+    </p:extLst>
+  </p:cSld>
+  <p:clrMapOvr>
+    <a:masterClrMapping/>
+  </p:clrMapOvr>
+  <mc:AlternateContent xmlns:mc="http://schemas.openxmlformats.org/markup-compatibility/2006" xmlns:p14="http://schemas.microsoft.com/office/powerpoint/2010/main">
+    <mc:Choice Requires="p14">
+      <p:transition spd="med" p14:dur="700">
+        <p:fade/>
+      </p:transition>
+    </mc:Choice>
+    <mc:Fallback xmlns="">
+      <p:transition spd="med">
+        <p:fade/>
+      </p:transition>
+    </mc:Fallback>
+  </mc:AlternateContent>
+</p:sld>
+</file>
+
+<file path=ppt/slides/slide31.xml><?xml version="1.0" encoding="utf-8"?>
 <p:sld xmlns:a="http://schemas.openxmlformats.org/drawingml/2006/main" xmlns:r="http://schemas.openxmlformats.org/officeDocument/2006/relationships" xmlns:p="http://schemas.openxmlformats.org/presentationml/2006/main">
   <p:cSld>
     <p:spTree>
@@ -17633,7 +17887,7 @@
 </p:sld>
 </file>
 
-<file path=ppt/slides/slide31.xml><?xml version="1.0" encoding="utf-8"?>
+<file path=ppt/slides/slide32.xml><?xml version="1.0" encoding="utf-8"?>
 <p:sld xmlns:a="http://schemas.openxmlformats.org/drawingml/2006/main" xmlns:r="http://schemas.openxmlformats.org/officeDocument/2006/relationships" xmlns:p="http://schemas.openxmlformats.org/presentationml/2006/main">
   <p:cSld>
     <p:spTree>
@@ -18084,7 +18338,7 @@
 </p:sld>
 </file>
 
-<file path=ppt/slides/slide32.xml><?xml version="1.0" encoding="utf-8"?>
+<file path=ppt/slides/slide33.xml><?xml version="1.0" encoding="utf-8"?>
 <p:sld xmlns:a="http://schemas.openxmlformats.org/drawingml/2006/main" xmlns:r="http://schemas.openxmlformats.org/officeDocument/2006/relationships" xmlns:p="http://schemas.openxmlformats.org/presentationml/2006/main">
   <p:cSld>
     <p:spTree>
@@ -18526,414 +18780,6 @@
     <p:extLst>
       <p:ext uri="{BB962C8B-B14F-4D97-AF65-F5344CB8AC3E}">
         <p14:creationId xmlns:p14="http://schemas.microsoft.com/office/powerpoint/2010/main" val="48541509"/>
-      </p:ext>
-    </p:extLst>
-  </p:cSld>
-  <p:clrMapOvr>
-    <a:masterClrMapping/>
-  </p:clrMapOvr>
-  <mc:AlternateContent xmlns:mc="http://schemas.openxmlformats.org/markup-compatibility/2006" xmlns:p14="http://schemas.microsoft.com/office/powerpoint/2010/main">
-    <mc:Choice Requires="p14">
-      <p:transition spd="med" p14:dur="700">
-        <p:fade/>
-      </p:transition>
-    </mc:Choice>
-    <mc:Fallback xmlns="">
-      <p:transition spd="med">
-        <p:fade/>
-      </p:transition>
-    </mc:Fallback>
-  </mc:AlternateContent>
-</p:sld>
-</file>
-
-<file path=ppt/slides/slide33.xml><?xml version="1.0" encoding="utf-8"?>
-<p:sld xmlns:a="http://schemas.openxmlformats.org/drawingml/2006/main" xmlns:r="http://schemas.openxmlformats.org/officeDocument/2006/relationships" xmlns:p="http://schemas.openxmlformats.org/presentationml/2006/main">
-  <p:cSld>
-    <p:spTree>
-      <p:nvGrpSpPr>
-        <p:cNvPr id="1" name=""/>
-        <p:cNvGrpSpPr/>
-        <p:nvPr/>
-      </p:nvGrpSpPr>
-      <p:grpSpPr>
-        <a:xfrm>
-          <a:off x="0" y="0"/>
-          <a:ext cx="0" cy="0"/>
-          <a:chOff x="0" y="0"/>
-          <a:chExt cx="0" cy="0"/>
-        </a:xfrm>
-      </p:grpSpPr>
-      <p:sp>
-        <p:nvSpPr>
-          <p:cNvPr id="2" name="Title 1">
-            <a:extLst>
-              <a:ext uri="{FF2B5EF4-FFF2-40B4-BE49-F238E27FC236}">
-                <a16:creationId xmlns:a16="http://schemas.microsoft.com/office/drawing/2014/main" id="{C118C554-925A-4676-9481-7505FE41C531}"/>
-              </a:ext>
-            </a:extLst>
-          </p:cNvPr>
-          <p:cNvSpPr>
-            <a:spLocks noGrp="1"/>
-          </p:cNvSpPr>
-          <p:nvPr>
-            <p:ph type="title"/>
-          </p:nvPr>
-        </p:nvSpPr>
-        <p:spPr>
-          <a:xfrm>
-            <a:off x="452514" y="330325"/>
-            <a:ext cx="11079822" cy="957600"/>
-          </a:xfrm>
-        </p:spPr>
-        <p:txBody>
-          <a:bodyPr/>
-          <a:lstStyle/>
-          <a:p>
-            <a:r>
-              <a:rPr lang="zh-CN" altLang="en-US" dirty="0"/>
-              <a:t>创建</a:t>
-            </a:r>
-            <a:r>
-              <a:rPr lang="en-US" altLang="zh-CN" dirty="0"/>
-              <a:t>Pod</a:t>
-            </a:r>
-            <a:r>
-              <a:rPr lang="pt-BR" altLang="zh-CN" dirty="0"/>
-              <a:t>(Deployment) </a:t>
-            </a:r>
-            <a:endParaRPr lang="en-GB" dirty="0"/>
-          </a:p>
-        </p:txBody>
-      </p:sp>
-      <p:sp>
-        <p:nvSpPr>
-          <p:cNvPr id="10" name="Espaço Reservado para Texto 2">
-            <a:extLst>
-              <a:ext uri="{FF2B5EF4-FFF2-40B4-BE49-F238E27FC236}">
-                <a16:creationId xmlns:a16="http://schemas.microsoft.com/office/drawing/2014/main" id="{D2FE2754-39E9-4CBA-B41C-8B7D1E2302F9}"/>
-              </a:ext>
-            </a:extLst>
-          </p:cNvPr>
-          <p:cNvSpPr txBox="1">
-            <a:spLocks/>
-          </p:cNvSpPr>
-          <p:nvPr/>
-        </p:nvSpPr>
-        <p:spPr>
-          <a:xfrm>
-            <a:off x="452514" y="1992641"/>
-            <a:ext cx="10896599" cy="917575"/>
-          </a:xfrm>
-          <a:prstGeom prst="rect">
-            <a:avLst/>
-          </a:prstGeom>
-        </p:spPr>
-        <p:txBody>
-          <a:bodyPr/>
-          <a:lstStyle>
-            <a:lvl1pPr marL="228600" indent="-228600" algn="l" defTabSz="914400" rtl="0" eaLnBrk="1" latinLnBrk="0" hangingPunct="1">
-              <a:lnSpc>
-                <a:spcPct val="90000"/>
-              </a:lnSpc>
-              <a:spcBef>
-                <a:spcPts val="1000"/>
-              </a:spcBef>
-              <a:buFont typeface="Arial" panose="020B0604020202020204" pitchFamily="34" charset="0"/>
-              <a:buChar char="•"/>
-              <a:defRPr sz="3600" b="0" kern="1200" baseline="0">
-                <a:solidFill>
-                  <a:schemeClr val="bg1"/>
-                </a:solidFill>
-                <a:latin typeface="Microsoft YaHei" panose="020B0503020204020204" pitchFamily="34" charset="-122"/>
-                <a:ea typeface="+mn-ea"/>
-                <a:cs typeface="+mn-cs"/>
-              </a:defRPr>
-            </a:lvl1pPr>
-            <a:lvl2pPr marL="685800" indent="-228600" algn="l" defTabSz="914400" rtl="0" eaLnBrk="1" latinLnBrk="0" hangingPunct="1">
-              <a:lnSpc>
-                <a:spcPct val="90000"/>
-              </a:lnSpc>
-              <a:spcBef>
-                <a:spcPts val="500"/>
-              </a:spcBef>
-              <a:buFont typeface="Arial" panose="020B0604020202020204" pitchFamily="34" charset="0"/>
-              <a:buChar char="•"/>
-              <a:defRPr sz="3200" kern="1200" baseline="0">
-                <a:solidFill>
-                  <a:schemeClr val="bg1"/>
-                </a:solidFill>
-                <a:latin typeface="Microsoft YaHei" panose="020B0503020204020204" pitchFamily="34" charset="-122"/>
-                <a:ea typeface="+mn-ea"/>
-                <a:cs typeface="+mn-cs"/>
-              </a:defRPr>
-            </a:lvl2pPr>
-            <a:lvl3pPr marL="1143000" indent="-228600" algn="l" defTabSz="914400" rtl="0" eaLnBrk="1" latinLnBrk="0" hangingPunct="1">
-              <a:lnSpc>
-                <a:spcPct val="90000"/>
-              </a:lnSpc>
-              <a:spcBef>
-                <a:spcPts val="500"/>
-              </a:spcBef>
-              <a:buFont typeface="Arial" panose="020B0604020202020204" pitchFamily="34" charset="0"/>
-              <a:buChar char="•"/>
-              <a:defRPr sz="2800" kern="1200" baseline="0">
-                <a:solidFill>
-                  <a:schemeClr val="bg1"/>
-                </a:solidFill>
-                <a:latin typeface="Microsoft YaHei" panose="020B0503020204020204" pitchFamily="34" charset="-122"/>
-                <a:ea typeface="+mn-ea"/>
-                <a:cs typeface="+mn-cs"/>
-              </a:defRPr>
-            </a:lvl3pPr>
-            <a:lvl4pPr marL="1600200" indent="-228600" algn="l" defTabSz="914400" rtl="0" eaLnBrk="1" latinLnBrk="0" hangingPunct="1">
-              <a:lnSpc>
-                <a:spcPct val="90000"/>
-              </a:lnSpc>
-              <a:spcBef>
-                <a:spcPts val="500"/>
-              </a:spcBef>
-              <a:buFont typeface="Arial" panose="020B0604020202020204" pitchFamily="34" charset="0"/>
-              <a:buChar char="•"/>
-              <a:defRPr sz="2400" kern="1200" baseline="0">
-                <a:solidFill>
-                  <a:schemeClr val="bg1"/>
-                </a:solidFill>
-                <a:latin typeface="Microsoft YaHei" panose="020B0503020204020204" pitchFamily="34" charset="-122"/>
-                <a:ea typeface="+mn-ea"/>
-                <a:cs typeface="+mn-cs"/>
-              </a:defRPr>
-            </a:lvl4pPr>
-            <a:lvl5pPr marL="2057400" indent="-228600" algn="l" defTabSz="914400" rtl="0" eaLnBrk="1" latinLnBrk="0" hangingPunct="1">
-              <a:lnSpc>
-                <a:spcPct val="90000"/>
-              </a:lnSpc>
-              <a:spcBef>
-                <a:spcPts val="500"/>
-              </a:spcBef>
-              <a:buFont typeface="Arial" panose="020B0604020202020204" pitchFamily="34" charset="0"/>
-              <a:buChar char="•"/>
-              <a:defRPr sz="2400" kern="1200" baseline="0">
-                <a:solidFill>
-                  <a:schemeClr val="bg1"/>
-                </a:solidFill>
-                <a:latin typeface="Microsoft YaHei" panose="020B0503020204020204" pitchFamily="34" charset="-122"/>
-                <a:ea typeface="+mn-ea"/>
-                <a:cs typeface="+mn-cs"/>
-              </a:defRPr>
-            </a:lvl5pPr>
-            <a:lvl6pPr marL="2514600" indent="-228600" algn="l" defTabSz="914400" rtl="0" eaLnBrk="1" latinLnBrk="0" hangingPunct="1">
-              <a:lnSpc>
-                <a:spcPct val="90000"/>
-              </a:lnSpc>
-              <a:spcBef>
-                <a:spcPts val="500"/>
-              </a:spcBef>
-              <a:buFont typeface="Arial" panose="020B0604020202020204" pitchFamily="34" charset="0"/>
-              <a:buChar char="•"/>
-              <a:defRPr sz="1800" kern="1200">
-                <a:solidFill>
-                  <a:schemeClr val="tx1"/>
-                </a:solidFill>
-                <a:latin typeface="+mn-lt"/>
-                <a:ea typeface="+mn-ea"/>
-                <a:cs typeface="+mn-cs"/>
-              </a:defRPr>
-            </a:lvl6pPr>
-            <a:lvl7pPr marL="2971800" indent="-228600" algn="l" defTabSz="914400" rtl="0" eaLnBrk="1" latinLnBrk="0" hangingPunct="1">
-              <a:lnSpc>
-                <a:spcPct val="90000"/>
-              </a:lnSpc>
-              <a:spcBef>
-                <a:spcPts val="500"/>
-              </a:spcBef>
-              <a:buFont typeface="Arial" panose="020B0604020202020204" pitchFamily="34" charset="0"/>
-              <a:buChar char="•"/>
-              <a:defRPr sz="1800" kern="1200">
-                <a:solidFill>
-                  <a:schemeClr val="tx1"/>
-                </a:solidFill>
-                <a:latin typeface="+mn-lt"/>
-                <a:ea typeface="+mn-ea"/>
-                <a:cs typeface="+mn-cs"/>
-              </a:defRPr>
-            </a:lvl7pPr>
-            <a:lvl8pPr marL="3429000" indent="-228600" algn="l" defTabSz="914400" rtl="0" eaLnBrk="1" latinLnBrk="0" hangingPunct="1">
-              <a:lnSpc>
-                <a:spcPct val="90000"/>
-              </a:lnSpc>
-              <a:spcBef>
-                <a:spcPts val="500"/>
-              </a:spcBef>
-              <a:buFont typeface="Arial" panose="020B0604020202020204" pitchFamily="34" charset="0"/>
-              <a:buChar char="•"/>
-              <a:defRPr sz="1800" kern="1200">
-                <a:solidFill>
-                  <a:schemeClr val="tx1"/>
-                </a:solidFill>
-                <a:latin typeface="+mn-lt"/>
-                <a:ea typeface="+mn-ea"/>
-                <a:cs typeface="+mn-cs"/>
-              </a:defRPr>
-            </a:lvl8pPr>
-            <a:lvl9pPr marL="3886200" indent="-228600" algn="l" defTabSz="914400" rtl="0" eaLnBrk="1" latinLnBrk="0" hangingPunct="1">
-              <a:lnSpc>
-                <a:spcPct val="90000"/>
-              </a:lnSpc>
-              <a:spcBef>
-                <a:spcPts val="500"/>
-              </a:spcBef>
-              <a:buFont typeface="Arial" panose="020B0604020202020204" pitchFamily="34" charset="0"/>
-              <a:buChar char="•"/>
-              <a:defRPr sz="1800" kern="1200">
-                <a:solidFill>
-                  <a:schemeClr val="tx1"/>
-                </a:solidFill>
-                <a:latin typeface="+mn-lt"/>
-                <a:ea typeface="+mn-ea"/>
-                <a:cs typeface="+mn-cs"/>
-              </a:defRPr>
-            </a:lvl9pPr>
-          </a:lstStyle>
-          <a:p>
-            <a:pPr algn="ctr"/>
-            <a:r>
-              <a:rPr lang="en-US" sz="3200" b="1" dirty="0" err="1">
-                <a:latin typeface="Courier New" panose="02070309020205020404" pitchFamily="49" charset="0"/>
-                <a:cs typeface="Courier New" panose="02070309020205020404" pitchFamily="49" charset="0"/>
-              </a:rPr>
-              <a:t>kubectl</a:t>
-            </a:r>
-            <a:r>
-              <a:rPr lang="en-US" sz="3200" b="1" dirty="0">
-                <a:latin typeface="Courier New" panose="02070309020205020404" pitchFamily="49" charset="0"/>
-                <a:cs typeface="Courier New" panose="02070309020205020404" pitchFamily="49" charset="0"/>
-              </a:rPr>
-              <a:t> create -f </a:t>
-            </a:r>
-            <a:r>
-              <a:rPr lang="en-US" sz="3200" dirty="0" err="1">
-                <a:latin typeface="Courier New" panose="02070309020205020404" pitchFamily="49" charset="0"/>
-                <a:cs typeface="Courier New" panose="02070309020205020404" pitchFamily="49" charset="0"/>
-              </a:rPr>
-              <a:t>contagem.yaml</a:t>
-            </a:r>
-            <a:endParaRPr lang="pt-BR" sz="3200" dirty="0">
-              <a:latin typeface="Courier New" panose="02070309020205020404" pitchFamily="49" charset="0"/>
-              <a:cs typeface="Courier New" panose="02070309020205020404" pitchFamily="49" charset="0"/>
-            </a:endParaRPr>
-          </a:p>
-        </p:txBody>
-      </p:sp>
-      <p:pic>
-        <p:nvPicPr>
-          <p:cNvPr id="11" name="Imagem 5">
-            <a:extLst>
-              <a:ext uri="{FF2B5EF4-FFF2-40B4-BE49-F238E27FC236}">
-                <a16:creationId xmlns:a16="http://schemas.microsoft.com/office/drawing/2014/main" id="{3184055D-D7C3-4819-B285-FC803F4C4FA6}"/>
-              </a:ext>
-            </a:extLst>
-          </p:cNvPr>
-          <p:cNvPicPr>
-            <a:picLocks noChangeAspect="1"/>
-          </p:cNvPicPr>
-          <p:nvPr/>
-        </p:nvPicPr>
-        <p:blipFill>
-          <a:blip r:embed="rId3"/>
-          <a:stretch>
-            <a:fillRect/>
-          </a:stretch>
-        </p:blipFill>
-        <p:spPr>
-          <a:xfrm>
-            <a:off x="3612409" y="4018731"/>
-            <a:ext cx="1910499" cy="1910499"/>
-          </a:xfrm>
-          <a:prstGeom prst="rect">
-            <a:avLst/>
-          </a:prstGeom>
-        </p:spPr>
-      </p:pic>
-      <p:sp>
-        <p:nvSpPr>
-          <p:cNvPr id="12" name="Retângulo 7">
-            <a:extLst>
-              <a:ext uri="{FF2B5EF4-FFF2-40B4-BE49-F238E27FC236}">
-                <a16:creationId xmlns:a16="http://schemas.microsoft.com/office/drawing/2014/main" id="{4ECFDC2D-89BC-46FC-863C-4C5126CF141A}"/>
-              </a:ext>
-            </a:extLst>
-          </p:cNvPr>
-          <p:cNvSpPr/>
-          <p:nvPr/>
-        </p:nvSpPr>
-        <p:spPr>
-          <a:xfrm>
-            <a:off x="5522908" y="3959713"/>
-            <a:ext cx="1346180" cy="1862048"/>
-          </a:xfrm>
-          <a:prstGeom prst="rect">
-            <a:avLst/>
-          </a:prstGeom>
-          <a:noFill/>
-        </p:spPr>
-        <p:txBody>
-          <a:bodyPr wrap="square" lIns="91440" tIns="45720" rIns="91440" bIns="45720">
-            <a:spAutoFit/>
-          </a:bodyPr>
-          <a:lstStyle/>
-          <a:p>
-            <a:pPr algn="ctr"/>
-            <a:r>
-              <a:rPr lang="pt-BR" sz="11500" b="0" cap="none" spc="0" dirty="0">
-                <a:ln w="0"/>
-                <a:effectLst>
-                  <a:outerShdw blurRad="38100" dist="19050" dir="2700000" algn="tl" rotWithShape="0">
-                    <a:schemeClr val="dk1">
-                      <a:alpha val="40000"/>
-                    </a:schemeClr>
-                  </a:outerShdw>
-                </a:effectLst>
-              </a:rPr>
-              <a:t>+</a:t>
-            </a:r>
-          </a:p>
-        </p:txBody>
-      </p:sp>
-      <p:pic>
-        <p:nvPicPr>
-          <p:cNvPr id="13" name="Imagem 6">
-            <a:extLst>
-              <a:ext uri="{FF2B5EF4-FFF2-40B4-BE49-F238E27FC236}">
-                <a16:creationId xmlns:a16="http://schemas.microsoft.com/office/drawing/2014/main" id="{1BEC0EEA-DDCB-4A01-B5BF-B965A575C267}"/>
-              </a:ext>
-            </a:extLst>
-          </p:cNvPr>
-          <p:cNvPicPr>
-            <a:picLocks noChangeAspect="1"/>
-          </p:cNvPicPr>
-          <p:nvPr/>
-        </p:nvPicPr>
-        <p:blipFill>
-          <a:blip r:embed="rId4"/>
-          <a:stretch>
-            <a:fillRect/>
-          </a:stretch>
-        </p:blipFill>
-        <p:spPr>
-          <a:xfrm>
-            <a:off x="6385886" y="4048893"/>
-            <a:ext cx="2905827" cy="1683689"/>
-          </a:xfrm>
-          <a:prstGeom prst="rect">
-            <a:avLst/>
-          </a:prstGeom>
-        </p:spPr>
-      </p:pic>
-    </p:spTree>
-    <p:extLst>
-      <p:ext uri="{BB962C8B-B14F-4D97-AF65-F5344CB8AC3E}">
-        <p14:creationId xmlns:p14="http://schemas.microsoft.com/office/powerpoint/2010/main" val="3560566337"/>
       </p:ext>
     </p:extLst>
   </p:cSld>
@@ -19004,7 +18850,11 @@
             </a:r>
             <a:r>
               <a:rPr lang="en-US" altLang="zh-CN" dirty="0"/>
-              <a:t>Service</a:t>
+              <a:t>Pod</a:t>
+            </a:r>
+            <a:r>
+              <a:rPr lang="pt-BR" altLang="zh-CN" dirty="0"/>
+              <a:t>(Deployment) </a:t>
             </a:r>
             <a:endParaRPr lang="en-GB" dirty="0"/>
           </a:p>
@@ -19202,27 +19052,27 @@
           <a:p>
             <a:pPr algn="ctr"/>
             <a:r>
-              <a:rPr lang="en-US" altLang="zh-CN" sz="3200" b="1" dirty="0" err="1">
+              <a:rPr lang="en-US" sz="3200" b="1" dirty="0" err="1">
                 <a:latin typeface="Courier New" panose="02070309020205020404" pitchFamily="49" charset="0"/>
                 <a:cs typeface="Courier New" panose="02070309020205020404" pitchFamily="49" charset="0"/>
               </a:rPr>
               <a:t>kubectl</a:t>
             </a:r>
             <a:r>
-              <a:rPr lang="en-US" altLang="zh-CN" sz="3200" b="1" dirty="0">
+              <a:rPr lang="en-US" sz="3200" b="1" dirty="0">
                 <a:latin typeface="Courier New" panose="02070309020205020404" pitchFamily="49" charset="0"/>
                 <a:cs typeface="Courier New" panose="02070309020205020404" pitchFamily="49" charset="0"/>
               </a:rPr>
               <a:t> create -f </a:t>
             </a:r>
             <a:r>
-              <a:rPr lang="en-US" altLang="zh-CN" sz="3200" dirty="0" err="1">
+              <a:rPr lang="en-US" sz="3200" dirty="0" err="1">
                 <a:latin typeface="Courier New" panose="02070309020205020404" pitchFamily="49" charset="0"/>
                 <a:cs typeface="Courier New" panose="02070309020205020404" pitchFamily="49" charset="0"/>
               </a:rPr>
-              <a:t>service.yaml</a:t>
-            </a:r>
-            <a:endParaRPr lang="pt-BR" altLang="zh-CN" sz="3200" dirty="0">
+              <a:t>contagem.yaml</a:t>
+            </a:r>
+            <a:endParaRPr lang="pt-BR" sz="3200" dirty="0">
               <a:latin typeface="Courier New" panose="02070309020205020404" pitchFamily="49" charset="0"/>
               <a:cs typeface="Courier New" panose="02070309020205020404" pitchFamily="49" charset="0"/>
             </a:endParaRPr>
@@ -19337,7 +19187,7 @@
     </p:spTree>
     <p:extLst>
       <p:ext uri="{BB962C8B-B14F-4D97-AF65-F5344CB8AC3E}">
-        <p14:creationId xmlns:p14="http://schemas.microsoft.com/office/powerpoint/2010/main" val="1995133053"/>
+        <p14:creationId xmlns:p14="http://schemas.microsoft.com/office/powerpoint/2010/main" val="3560566337"/>
       </p:ext>
     </p:extLst>
   </p:cSld>
@@ -19404,19 +19254,11 @@
           <a:p>
             <a:r>
               <a:rPr lang="zh-CN" altLang="en-US" dirty="0"/>
-              <a:t>通过 </a:t>
-            </a:r>
-            <a:r>
-              <a:rPr lang="en-US" altLang="zh-CN" dirty="0" err="1"/>
-              <a:t>Kubectl</a:t>
+              <a:t>创建</a:t>
             </a:r>
             <a:r>
               <a:rPr lang="en-US" altLang="zh-CN" dirty="0"/>
-              <a:t> </a:t>
-            </a:r>
-            <a:r>
-              <a:rPr lang="zh-CN" altLang="en-US" dirty="0"/>
-              <a:t>查看部署对象</a:t>
+              <a:t>Service</a:t>
             </a:r>
             <a:endParaRPr lang="en-GB" dirty="0"/>
           </a:p>
@@ -19625,19 +19467,131 @@
                 <a:latin typeface="Courier New" panose="02070309020205020404" pitchFamily="49" charset="0"/>
                 <a:cs typeface="Courier New" panose="02070309020205020404" pitchFamily="49" charset="0"/>
               </a:rPr>
-              <a:t> get deployment</a:t>
-            </a:r>
-            <a:endParaRPr lang="pt-BR" altLang="zh-CN" sz="3200" b="1" dirty="0">
+              <a:t> create -f </a:t>
+            </a:r>
+            <a:r>
+              <a:rPr lang="en-US" altLang="zh-CN" sz="3200" dirty="0" err="1">
+                <a:latin typeface="Courier New" panose="02070309020205020404" pitchFamily="49" charset="0"/>
+                <a:cs typeface="Courier New" panose="02070309020205020404" pitchFamily="49" charset="0"/>
+              </a:rPr>
+              <a:t>service.yaml</a:t>
+            </a:r>
+            <a:endParaRPr lang="pt-BR" altLang="zh-CN" sz="3200" dirty="0">
               <a:latin typeface="Courier New" panose="02070309020205020404" pitchFamily="49" charset="0"/>
               <a:cs typeface="Courier New" panose="02070309020205020404" pitchFamily="49" charset="0"/>
             </a:endParaRPr>
           </a:p>
         </p:txBody>
       </p:sp>
+      <p:pic>
+        <p:nvPicPr>
+          <p:cNvPr id="11" name="Imagem 5">
+            <a:extLst>
+              <a:ext uri="{FF2B5EF4-FFF2-40B4-BE49-F238E27FC236}">
+                <a16:creationId xmlns:a16="http://schemas.microsoft.com/office/drawing/2014/main" id="{3184055D-D7C3-4819-B285-FC803F4C4FA6}"/>
+              </a:ext>
+            </a:extLst>
+          </p:cNvPr>
+          <p:cNvPicPr>
+            <a:picLocks noChangeAspect="1"/>
+          </p:cNvPicPr>
+          <p:nvPr/>
+        </p:nvPicPr>
+        <p:blipFill>
+          <a:blip r:embed="rId3"/>
+          <a:stretch>
+            <a:fillRect/>
+          </a:stretch>
+        </p:blipFill>
+        <p:spPr>
+          <a:xfrm>
+            <a:off x="3612409" y="4018731"/>
+            <a:ext cx="1910499" cy="1910499"/>
+          </a:xfrm>
+          <a:prstGeom prst="rect">
+            <a:avLst/>
+          </a:prstGeom>
+        </p:spPr>
+      </p:pic>
+      <p:sp>
+        <p:nvSpPr>
+          <p:cNvPr id="12" name="Retângulo 7">
+            <a:extLst>
+              <a:ext uri="{FF2B5EF4-FFF2-40B4-BE49-F238E27FC236}">
+                <a16:creationId xmlns:a16="http://schemas.microsoft.com/office/drawing/2014/main" id="{4ECFDC2D-89BC-46FC-863C-4C5126CF141A}"/>
+              </a:ext>
+            </a:extLst>
+          </p:cNvPr>
+          <p:cNvSpPr/>
+          <p:nvPr/>
+        </p:nvSpPr>
+        <p:spPr>
+          <a:xfrm>
+            <a:off x="5522908" y="3959713"/>
+            <a:ext cx="1346180" cy="1862048"/>
+          </a:xfrm>
+          <a:prstGeom prst="rect">
+            <a:avLst/>
+          </a:prstGeom>
+          <a:noFill/>
+        </p:spPr>
+        <p:txBody>
+          <a:bodyPr wrap="square" lIns="91440" tIns="45720" rIns="91440" bIns="45720">
+            <a:spAutoFit/>
+          </a:bodyPr>
+          <a:lstStyle/>
+          <a:p>
+            <a:pPr algn="ctr"/>
+            <a:r>
+              <a:rPr lang="pt-BR" sz="11500" b="0" cap="none" spc="0" dirty="0">
+                <a:ln w="0"/>
+                <a:effectLst>
+                  <a:outerShdw blurRad="38100" dist="19050" dir="2700000" algn="tl" rotWithShape="0">
+                    <a:schemeClr val="dk1">
+                      <a:alpha val="40000"/>
+                    </a:schemeClr>
+                  </a:outerShdw>
+                </a:effectLst>
+              </a:rPr>
+              <a:t>+</a:t>
+            </a:r>
+          </a:p>
+        </p:txBody>
+      </p:sp>
+      <p:pic>
+        <p:nvPicPr>
+          <p:cNvPr id="13" name="Imagem 6">
+            <a:extLst>
+              <a:ext uri="{FF2B5EF4-FFF2-40B4-BE49-F238E27FC236}">
+                <a16:creationId xmlns:a16="http://schemas.microsoft.com/office/drawing/2014/main" id="{1BEC0EEA-DDCB-4A01-B5BF-B965A575C267}"/>
+              </a:ext>
+            </a:extLst>
+          </p:cNvPr>
+          <p:cNvPicPr>
+            <a:picLocks noChangeAspect="1"/>
+          </p:cNvPicPr>
+          <p:nvPr/>
+        </p:nvPicPr>
+        <p:blipFill>
+          <a:blip r:embed="rId4"/>
+          <a:stretch>
+            <a:fillRect/>
+          </a:stretch>
+        </p:blipFill>
+        <p:spPr>
+          <a:xfrm>
+            <a:off x="6385886" y="4048893"/>
+            <a:ext cx="2905827" cy="1683689"/>
+          </a:xfrm>
+          <a:prstGeom prst="rect">
+            <a:avLst/>
+          </a:prstGeom>
+        </p:spPr>
+      </p:pic>
     </p:spTree>
     <p:extLst>
       <p:ext uri="{BB962C8B-B14F-4D97-AF65-F5344CB8AC3E}">
-        <p14:creationId xmlns:p14="http://schemas.microsoft.com/office/powerpoint/2010/main" val="3756396097"/>
+        <p14:creationId xmlns:p14="http://schemas.microsoft.com/office/powerpoint/2010/main" val="1995133053"/>
       </p:ext>
     </p:extLst>
   </p:cSld>
@@ -19716,11 +19670,7 @@
             </a:r>
             <a:r>
               <a:rPr lang="zh-CN" altLang="en-US" dirty="0"/>
-              <a:t>查看</a:t>
-            </a:r>
-            <a:r>
-              <a:rPr lang="en-US" altLang="zh-CN" dirty="0"/>
-              <a:t>Service</a:t>
+              <a:t>查看部署对象</a:t>
             </a:r>
             <a:endParaRPr lang="en-GB" dirty="0"/>
           </a:p>
@@ -19929,7 +19879,7 @@
                 <a:latin typeface="Courier New" panose="02070309020205020404" pitchFamily="49" charset="0"/>
                 <a:cs typeface="Courier New" panose="02070309020205020404" pitchFamily="49" charset="0"/>
               </a:rPr>
-              <a:t> get services</a:t>
+              <a:t> get deployment</a:t>
             </a:r>
             <a:endParaRPr lang="pt-BR" altLang="zh-CN" sz="3200" b="1" dirty="0">
               <a:latin typeface="Courier New" panose="02070309020205020404" pitchFamily="49" charset="0"/>
@@ -19941,7 +19891,7 @@
     </p:spTree>
     <p:extLst>
       <p:ext uri="{BB962C8B-B14F-4D97-AF65-F5344CB8AC3E}">
-        <p14:creationId xmlns:p14="http://schemas.microsoft.com/office/powerpoint/2010/main" val="3207297969"/>
+        <p14:creationId xmlns:p14="http://schemas.microsoft.com/office/powerpoint/2010/main" val="3756396097"/>
       </p:ext>
     </p:extLst>
   </p:cSld>
@@ -20024,7 +19974,7 @@
             </a:r>
             <a:r>
               <a:rPr lang="en-US" altLang="zh-CN" dirty="0"/>
-              <a:t>Pods</a:t>
+              <a:t>Service</a:t>
             </a:r>
             <a:endParaRPr lang="en-GB" dirty="0"/>
           </a:p>
@@ -20233,7 +20183,7 @@
                 <a:latin typeface="Courier New" panose="02070309020205020404" pitchFamily="49" charset="0"/>
                 <a:cs typeface="Courier New" panose="02070309020205020404" pitchFamily="49" charset="0"/>
               </a:rPr>
-              <a:t> get pods</a:t>
+              <a:t> get services</a:t>
             </a:r>
             <a:endParaRPr lang="pt-BR" altLang="zh-CN" sz="3200" b="1" dirty="0">
               <a:latin typeface="Courier New" panose="02070309020205020404" pitchFamily="49" charset="0"/>
@@ -20245,7 +20195,7 @@
     </p:spTree>
     <p:extLst>
       <p:ext uri="{BB962C8B-B14F-4D97-AF65-F5344CB8AC3E}">
-        <p14:creationId xmlns:p14="http://schemas.microsoft.com/office/powerpoint/2010/main" val="476824530"/>
+        <p14:creationId xmlns:p14="http://schemas.microsoft.com/office/powerpoint/2010/main" val="3207297969"/>
       </p:ext>
     </p:extLst>
   </p:cSld>
@@ -20315,12 +20265,20 @@
               <a:t>通过 </a:t>
             </a:r>
             <a:r>
+              <a:rPr lang="en-US" altLang="zh-CN" dirty="0" err="1"/>
+              <a:t>Kubectl</a:t>
+            </a:r>
+            <a:r>
               <a:rPr lang="en-US" altLang="zh-CN" dirty="0"/>
-              <a:t>Kubernetes </a:t>
+              <a:t> </a:t>
             </a:r>
             <a:r>
               <a:rPr lang="zh-CN" altLang="en-US" dirty="0"/>
-              <a:t>仪表板访问群集</a:t>
+              <a:t>查看</a:t>
+            </a:r>
+            <a:r>
+              <a:rPr lang="en-US" altLang="zh-CN" dirty="0"/>
+              <a:t>Pods</a:t>
             </a:r>
             <a:endParaRPr lang="en-GB" dirty="0"/>
           </a:p>
@@ -20518,145 +20476,30 @@
           <a:p>
             <a:pPr algn="ctr"/>
             <a:r>
-              <a:rPr lang="pt-BR" altLang="zh-CN" sz="3200" b="1" dirty="0">
+              <a:rPr lang="en-US" altLang="zh-CN" sz="3200" b="1" dirty="0" err="1">
                 <a:latin typeface="Courier New" panose="02070309020205020404" pitchFamily="49" charset="0"/>
                 <a:cs typeface="Courier New" panose="02070309020205020404" pitchFamily="49" charset="0"/>
               </a:rPr>
-              <a:t>az aks browse -g </a:t>
-            </a:r>
-            <a:r>
-              <a:rPr lang="pt-BR" altLang="zh-CN" sz="3200" dirty="0">
+              <a:t>kubectl</a:t>
+            </a:r>
+            <a:r>
+              <a:rPr lang="en-US" altLang="zh-CN" sz="3200" b="1" dirty="0">
                 <a:latin typeface="Courier New" panose="02070309020205020404" pitchFamily="49" charset="0"/>
                 <a:cs typeface="Courier New" panose="02070309020205020404" pitchFamily="49" charset="0"/>
               </a:rPr>
-              <a:t>TesteKubernetes </a:t>
-            </a:r>
-            <a:r>
-              <a:rPr lang="pt-BR" altLang="zh-CN" sz="3200" b="1" dirty="0">
-                <a:latin typeface="Courier New" panose="02070309020205020404" pitchFamily="49" charset="0"/>
-                <a:cs typeface="Courier New" panose="02070309020205020404" pitchFamily="49" charset="0"/>
-              </a:rPr>
-              <a:t>-n </a:t>
-            </a:r>
-            <a:r>
-              <a:rPr lang="pt-BR" altLang="zh-CN" sz="3200" dirty="0">
-                <a:latin typeface="Courier New" panose="02070309020205020404" pitchFamily="49" charset="0"/>
-                <a:cs typeface="Courier New" panose="02070309020205020404" pitchFamily="49" charset="0"/>
-              </a:rPr>
-              <a:t>ContagemService</a:t>
-            </a:r>
+              <a:t> get pods</a:t>
+            </a:r>
+            <a:endParaRPr lang="pt-BR" altLang="zh-CN" sz="3200" b="1" dirty="0">
+              <a:latin typeface="Courier New" panose="02070309020205020404" pitchFamily="49" charset="0"/>
+              <a:cs typeface="Courier New" panose="02070309020205020404" pitchFamily="49" charset="0"/>
+            </a:endParaRPr>
           </a:p>
         </p:txBody>
       </p:sp>
-      <p:pic>
-        <p:nvPicPr>
-          <p:cNvPr id="4" name="Imagem 5">
-            <a:extLst>
-              <a:ext uri="{FF2B5EF4-FFF2-40B4-BE49-F238E27FC236}">
-                <a16:creationId xmlns:a16="http://schemas.microsoft.com/office/drawing/2014/main" id="{0FDEC21F-2ABA-4C64-93DA-634AF9DDF2DB}"/>
-              </a:ext>
-            </a:extLst>
-          </p:cNvPr>
-          <p:cNvPicPr>
-            <a:picLocks noChangeAspect="1"/>
-          </p:cNvPicPr>
-          <p:nvPr/>
-        </p:nvPicPr>
-        <p:blipFill>
-          <a:blip r:embed="rId3"/>
-          <a:stretch>
-            <a:fillRect/>
-          </a:stretch>
-        </p:blipFill>
-        <p:spPr>
-          <a:xfrm>
-            <a:off x="3482659" y="4163110"/>
-            <a:ext cx="1910499" cy="1910499"/>
-          </a:xfrm>
-          <a:prstGeom prst="rect">
-            <a:avLst/>
-          </a:prstGeom>
-        </p:spPr>
-      </p:pic>
-      <p:sp>
-        <p:nvSpPr>
-          <p:cNvPr id="5" name="Retângulo 7">
-            <a:extLst>
-              <a:ext uri="{FF2B5EF4-FFF2-40B4-BE49-F238E27FC236}">
-                <a16:creationId xmlns:a16="http://schemas.microsoft.com/office/drawing/2014/main" id="{C2947383-5955-4B38-B82C-74352367C27F}"/>
-              </a:ext>
-            </a:extLst>
-          </p:cNvPr>
-          <p:cNvSpPr/>
-          <p:nvPr/>
-        </p:nvSpPr>
-        <p:spPr>
-          <a:xfrm>
-            <a:off x="5393158" y="4104092"/>
-            <a:ext cx="1346180" cy="1862048"/>
-          </a:xfrm>
-          <a:prstGeom prst="rect">
-            <a:avLst/>
-          </a:prstGeom>
-          <a:noFill/>
-        </p:spPr>
-        <p:txBody>
-          <a:bodyPr wrap="square" lIns="91440" tIns="45720" rIns="91440" bIns="45720">
-            <a:spAutoFit/>
-          </a:bodyPr>
-          <a:lstStyle/>
-          <a:p>
-            <a:pPr algn="ctr"/>
-            <a:r>
-              <a:rPr lang="pt-BR" sz="11500" b="0" cap="none" spc="0" dirty="0">
-                <a:ln w="0"/>
-                <a:effectLst>
-                  <a:outerShdw blurRad="38100" dist="19050" dir="2700000" algn="tl" rotWithShape="0">
-                    <a:schemeClr val="dk1">
-                      <a:alpha val="40000"/>
-                    </a:schemeClr>
-                  </a:outerShdw>
-                </a:effectLst>
-              </a:rPr>
-              <a:t>+</a:t>
-            </a:r>
-          </a:p>
-        </p:txBody>
-      </p:sp>
-      <p:pic>
-        <p:nvPicPr>
-          <p:cNvPr id="6" name="Imagem 6">
-            <a:extLst>
-              <a:ext uri="{FF2B5EF4-FFF2-40B4-BE49-F238E27FC236}">
-                <a16:creationId xmlns:a16="http://schemas.microsoft.com/office/drawing/2014/main" id="{6BE5EF3E-C2B7-419E-AACA-3CF439E9108F}"/>
-              </a:ext>
-            </a:extLst>
-          </p:cNvPr>
-          <p:cNvPicPr>
-            <a:picLocks noChangeAspect="1"/>
-          </p:cNvPicPr>
-          <p:nvPr/>
-        </p:nvPicPr>
-        <p:blipFill>
-          <a:blip r:embed="rId4"/>
-          <a:stretch>
-            <a:fillRect/>
-          </a:stretch>
-        </p:blipFill>
-        <p:spPr>
-          <a:xfrm>
-            <a:off x="6256136" y="4193272"/>
-            <a:ext cx="2905827" cy="1683689"/>
-          </a:xfrm>
-          <a:prstGeom prst="rect">
-            <a:avLst/>
-          </a:prstGeom>
-        </p:spPr>
-      </p:pic>
     </p:spTree>
     <p:extLst>
       <p:ext uri="{BB962C8B-B14F-4D97-AF65-F5344CB8AC3E}">
-        <p14:creationId xmlns:p14="http://schemas.microsoft.com/office/powerpoint/2010/main" val="1331728237"/>
+        <p14:creationId xmlns:p14="http://schemas.microsoft.com/office/powerpoint/2010/main" val="476824530"/>
       </p:ext>
     </p:extLst>
   </p:cSld>
@@ -20737,10 +20580,337 @@
           </a:p>
         </p:txBody>
       </p:sp>
+      <p:sp>
+        <p:nvSpPr>
+          <p:cNvPr id="10" name="Espaço Reservado para Texto 2">
+            <a:extLst>
+              <a:ext uri="{FF2B5EF4-FFF2-40B4-BE49-F238E27FC236}">
+                <a16:creationId xmlns:a16="http://schemas.microsoft.com/office/drawing/2014/main" id="{D2FE2754-39E9-4CBA-B41C-8B7D1E2302F9}"/>
+              </a:ext>
+            </a:extLst>
+          </p:cNvPr>
+          <p:cNvSpPr txBox="1">
+            <a:spLocks/>
+          </p:cNvSpPr>
+          <p:nvPr/>
+        </p:nvSpPr>
+        <p:spPr>
+          <a:xfrm>
+            <a:off x="452514" y="1992641"/>
+            <a:ext cx="10896599" cy="917575"/>
+          </a:xfrm>
+          <a:prstGeom prst="rect">
+            <a:avLst/>
+          </a:prstGeom>
+        </p:spPr>
+        <p:txBody>
+          <a:bodyPr/>
+          <a:lstStyle>
+            <a:lvl1pPr marL="228600" indent="-228600" algn="l" defTabSz="914400" rtl="0" eaLnBrk="1" latinLnBrk="0" hangingPunct="1">
+              <a:lnSpc>
+                <a:spcPct val="90000"/>
+              </a:lnSpc>
+              <a:spcBef>
+                <a:spcPts val="1000"/>
+              </a:spcBef>
+              <a:buFont typeface="Arial" panose="020B0604020202020204" pitchFamily="34" charset="0"/>
+              <a:buChar char="•"/>
+              <a:defRPr sz="3600" b="0" kern="1200" baseline="0">
+                <a:solidFill>
+                  <a:schemeClr val="bg1"/>
+                </a:solidFill>
+                <a:latin typeface="Microsoft YaHei" panose="020B0503020204020204" pitchFamily="34" charset="-122"/>
+                <a:ea typeface="+mn-ea"/>
+                <a:cs typeface="+mn-cs"/>
+              </a:defRPr>
+            </a:lvl1pPr>
+            <a:lvl2pPr marL="685800" indent="-228600" algn="l" defTabSz="914400" rtl="0" eaLnBrk="1" latinLnBrk="0" hangingPunct="1">
+              <a:lnSpc>
+                <a:spcPct val="90000"/>
+              </a:lnSpc>
+              <a:spcBef>
+                <a:spcPts val="500"/>
+              </a:spcBef>
+              <a:buFont typeface="Arial" panose="020B0604020202020204" pitchFamily="34" charset="0"/>
+              <a:buChar char="•"/>
+              <a:defRPr sz="3200" kern="1200" baseline="0">
+                <a:solidFill>
+                  <a:schemeClr val="bg1"/>
+                </a:solidFill>
+                <a:latin typeface="Microsoft YaHei" panose="020B0503020204020204" pitchFamily="34" charset="-122"/>
+                <a:ea typeface="+mn-ea"/>
+                <a:cs typeface="+mn-cs"/>
+              </a:defRPr>
+            </a:lvl2pPr>
+            <a:lvl3pPr marL="1143000" indent="-228600" algn="l" defTabSz="914400" rtl="0" eaLnBrk="1" latinLnBrk="0" hangingPunct="1">
+              <a:lnSpc>
+                <a:spcPct val="90000"/>
+              </a:lnSpc>
+              <a:spcBef>
+                <a:spcPts val="500"/>
+              </a:spcBef>
+              <a:buFont typeface="Arial" panose="020B0604020202020204" pitchFamily="34" charset="0"/>
+              <a:buChar char="•"/>
+              <a:defRPr sz="2800" kern="1200" baseline="0">
+                <a:solidFill>
+                  <a:schemeClr val="bg1"/>
+                </a:solidFill>
+                <a:latin typeface="Microsoft YaHei" panose="020B0503020204020204" pitchFamily="34" charset="-122"/>
+                <a:ea typeface="+mn-ea"/>
+                <a:cs typeface="+mn-cs"/>
+              </a:defRPr>
+            </a:lvl3pPr>
+            <a:lvl4pPr marL="1600200" indent="-228600" algn="l" defTabSz="914400" rtl="0" eaLnBrk="1" latinLnBrk="0" hangingPunct="1">
+              <a:lnSpc>
+                <a:spcPct val="90000"/>
+              </a:lnSpc>
+              <a:spcBef>
+                <a:spcPts val="500"/>
+              </a:spcBef>
+              <a:buFont typeface="Arial" panose="020B0604020202020204" pitchFamily="34" charset="0"/>
+              <a:buChar char="•"/>
+              <a:defRPr sz="2400" kern="1200" baseline="0">
+                <a:solidFill>
+                  <a:schemeClr val="bg1"/>
+                </a:solidFill>
+                <a:latin typeface="Microsoft YaHei" panose="020B0503020204020204" pitchFamily="34" charset="-122"/>
+                <a:ea typeface="+mn-ea"/>
+                <a:cs typeface="+mn-cs"/>
+              </a:defRPr>
+            </a:lvl4pPr>
+            <a:lvl5pPr marL="2057400" indent="-228600" algn="l" defTabSz="914400" rtl="0" eaLnBrk="1" latinLnBrk="0" hangingPunct="1">
+              <a:lnSpc>
+                <a:spcPct val="90000"/>
+              </a:lnSpc>
+              <a:spcBef>
+                <a:spcPts val="500"/>
+              </a:spcBef>
+              <a:buFont typeface="Arial" panose="020B0604020202020204" pitchFamily="34" charset="0"/>
+              <a:buChar char="•"/>
+              <a:defRPr sz="2400" kern="1200" baseline="0">
+                <a:solidFill>
+                  <a:schemeClr val="bg1"/>
+                </a:solidFill>
+                <a:latin typeface="Microsoft YaHei" panose="020B0503020204020204" pitchFamily="34" charset="-122"/>
+                <a:ea typeface="+mn-ea"/>
+                <a:cs typeface="+mn-cs"/>
+              </a:defRPr>
+            </a:lvl5pPr>
+            <a:lvl6pPr marL="2514600" indent="-228600" algn="l" defTabSz="914400" rtl="0" eaLnBrk="1" latinLnBrk="0" hangingPunct="1">
+              <a:lnSpc>
+                <a:spcPct val="90000"/>
+              </a:lnSpc>
+              <a:spcBef>
+                <a:spcPts val="500"/>
+              </a:spcBef>
+              <a:buFont typeface="Arial" panose="020B0604020202020204" pitchFamily="34" charset="0"/>
+              <a:buChar char="•"/>
+              <a:defRPr sz="1800" kern="1200">
+                <a:solidFill>
+                  <a:schemeClr val="tx1"/>
+                </a:solidFill>
+                <a:latin typeface="+mn-lt"/>
+                <a:ea typeface="+mn-ea"/>
+                <a:cs typeface="+mn-cs"/>
+              </a:defRPr>
+            </a:lvl6pPr>
+            <a:lvl7pPr marL="2971800" indent="-228600" algn="l" defTabSz="914400" rtl="0" eaLnBrk="1" latinLnBrk="0" hangingPunct="1">
+              <a:lnSpc>
+                <a:spcPct val="90000"/>
+              </a:lnSpc>
+              <a:spcBef>
+                <a:spcPts val="500"/>
+              </a:spcBef>
+              <a:buFont typeface="Arial" panose="020B0604020202020204" pitchFamily="34" charset="0"/>
+              <a:buChar char="•"/>
+              <a:defRPr sz="1800" kern="1200">
+                <a:solidFill>
+                  <a:schemeClr val="tx1"/>
+                </a:solidFill>
+                <a:latin typeface="+mn-lt"/>
+                <a:ea typeface="+mn-ea"/>
+                <a:cs typeface="+mn-cs"/>
+              </a:defRPr>
+            </a:lvl7pPr>
+            <a:lvl8pPr marL="3429000" indent="-228600" algn="l" defTabSz="914400" rtl="0" eaLnBrk="1" latinLnBrk="0" hangingPunct="1">
+              <a:lnSpc>
+                <a:spcPct val="90000"/>
+              </a:lnSpc>
+              <a:spcBef>
+                <a:spcPts val="500"/>
+              </a:spcBef>
+              <a:buFont typeface="Arial" panose="020B0604020202020204" pitchFamily="34" charset="0"/>
+              <a:buChar char="•"/>
+              <a:defRPr sz="1800" kern="1200">
+                <a:solidFill>
+                  <a:schemeClr val="tx1"/>
+                </a:solidFill>
+                <a:latin typeface="+mn-lt"/>
+                <a:ea typeface="+mn-ea"/>
+                <a:cs typeface="+mn-cs"/>
+              </a:defRPr>
+            </a:lvl8pPr>
+            <a:lvl9pPr marL="3886200" indent="-228600" algn="l" defTabSz="914400" rtl="0" eaLnBrk="1" latinLnBrk="0" hangingPunct="1">
+              <a:lnSpc>
+                <a:spcPct val="90000"/>
+              </a:lnSpc>
+              <a:spcBef>
+                <a:spcPts val="500"/>
+              </a:spcBef>
+              <a:buFont typeface="Arial" panose="020B0604020202020204" pitchFamily="34" charset="0"/>
+              <a:buChar char="•"/>
+              <a:defRPr sz="1800" kern="1200">
+                <a:solidFill>
+                  <a:schemeClr val="tx1"/>
+                </a:solidFill>
+                <a:latin typeface="+mn-lt"/>
+                <a:ea typeface="+mn-ea"/>
+                <a:cs typeface="+mn-cs"/>
+              </a:defRPr>
+            </a:lvl9pPr>
+          </a:lstStyle>
+          <a:p>
+            <a:pPr algn="ctr"/>
+            <a:r>
+              <a:rPr lang="pt-BR" altLang="zh-CN" sz="3200" b="1" dirty="0">
+                <a:latin typeface="Courier New" panose="02070309020205020404" pitchFamily="49" charset="0"/>
+                <a:cs typeface="Courier New" panose="02070309020205020404" pitchFamily="49" charset="0"/>
+              </a:rPr>
+              <a:t>az aks browse -g </a:t>
+            </a:r>
+            <a:r>
+              <a:rPr lang="pt-BR" altLang="zh-CN" sz="3200" dirty="0">
+                <a:latin typeface="Courier New" panose="02070309020205020404" pitchFamily="49" charset="0"/>
+                <a:cs typeface="Courier New" panose="02070309020205020404" pitchFamily="49" charset="0"/>
+              </a:rPr>
+              <a:t>TesteKubernetes </a:t>
+            </a:r>
+            <a:r>
+              <a:rPr lang="pt-BR" altLang="zh-CN" sz="3200" b="1" dirty="0">
+                <a:latin typeface="Courier New" panose="02070309020205020404" pitchFamily="49" charset="0"/>
+                <a:cs typeface="Courier New" panose="02070309020205020404" pitchFamily="49" charset="0"/>
+              </a:rPr>
+              <a:t>-n </a:t>
+            </a:r>
+            <a:r>
+              <a:rPr lang="pt-BR" altLang="zh-CN" sz="3200" dirty="0">
+                <a:latin typeface="Courier New" panose="02070309020205020404" pitchFamily="49" charset="0"/>
+                <a:cs typeface="Courier New" panose="02070309020205020404" pitchFamily="49" charset="0"/>
+              </a:rPr>
+              <a:t>ContagemService</a:t>
+            </a:r>
+          </a:p>
+        </p:txBody>
+      </p:sp>
+      <p:pic>
+        <p:nvPicPr>
+          <p:cNvPr id="4" name="Imagem 5">
+            <a:extLst>
+              <a:ext uri="{FF2B5EF4-FFF2-40B4-BE49-F238E27FC236}">
+                <a16:creationId xmlns:a16="http://schemas.microsoft.com/office/drawing/2014/main" id="{0FDEC21F-2ABA-4C64-93DA-634AF9DDF2DB}"/>
+              </a:ext>
+            </a:extLst>
+          </p:cNvPr>
+          <p:cNvPicPr>
+            <a:picLocks noChangeAspect="1"/>
+          </p:cNvPicPr>
+          <p:nvPr/>
+        </p:nvPicPr>
+        <p:blipFill>
+          <a:blip r:embed="rId3"/>
+          <a:stretch>
+            <a:fillRect/>
+          </a:stretch>
+        </p:blipFill>
+        <p:spPr>
+          <a:xfrm>
+            <a:off x="3482659" y="4163110"/>
+            <a:ext cx="1910499" cy="1910499"/>
+          </a:xfrm>
+          <a:prstGeom prst="rect">
+            <a:avLst/>
+          </a:prstGeom>
+        </p:spPr>
+      </p:pic>
+      <p:sp>
+        <p:nvSpPr>
+          <p:cNvPr id="5" name="Retângulo 7">
+            <a:extLst>
+              <a:ext uri="{FF2B5EF4-FFF2-40B4-BE49-F238E27FC236}">
+                <a16:creationId xmlns:a16="http://schemas.microsoft.com/office/drawing/2014/main" id="{C2947383-5955-4B38-B82C-74352367C27F}"/>
+              </a:ext>
+            </a:extLst>
+          </p:cNvPr>
+          <p:cNvSpPr/>
+          <p:nvPr/>
+        </p:nvSpPr>
+        <p:spPr>
+          <a:xfrm>
+            <a:off x="5393158" y="4104092"/>
+            <a:ext cx="1346180" cy="1862048"/>
+          </a:xfrm>
+          <a:prstGeom prst="rect">
+            <a:avLst/>
+          </a:prstGeom>
+          <a:noFill/>
+        </p:spPr>
+        <p:txBody>
+          <a:bodyPr wrap="square" lIns="91440" tIns="45720" rIns="91440" bIns="45720">
+            <a:spAutoFit/>
+          </a:bodyPr>
+          <a:lstStyle/>
+          <a:p>
+            <a:pPr algn="ctr"/>
+            <a:r>
+              <a:rPr lang="pt-BR" sz="11500" b="0" cap="none" spc="0" dirty="0">
+                <a:ln w="0"/>
+                <a:effectLst>
+                  <a:outerShdw blurRad="38100" dist="19050" dir="2700000" algn="tl" rotWithShape="0">
+                    <a:schemeClr val="dk1">
+                      <a:alpha val="40000"/>
+                    </a:schemeClr>
+                  </a:outerShdw>
+                </a:effectLst>
+              </a:rPr>
+              <a:t>+</a:t>
+            </a:r>
+          </a:p>
+        </p:txBody>
+      </p:sp>
+      <p:pic>
+        <p:nvPicPr>
+          <p:cNvPr id="6" name="Imagem 6">
+            <a:extLst>
+              <a:ext uri="{FF2B5EF4-FFF2-40B4-BE49-F238E27FC236}">
+                <a16:creationId xmlns:a16="http://schemas.microsoft.com/office/drawing/2014/main" id="{6BE5EF3E-C2B7-419E-AACA-3CF439E9108F}"/>
+              </a:ext>
+            </a:extLst>
+          </p:cNvPr>
+          <p:cNvPicPr>
+            <a:picLocks noChangeAspect="1"/>
+          </p:cNvPicPr>
+          <p:nvPr/>
+        </p:nvPicPr>
+        <p:blipFill>
+          <a:blip r:embed="rId4"/>
+          <a:stretch>
+            <a:fillRect/>
+          </a:stretch>
+        </p:blipFill>
+        <p:spPr>
+          <a:xfrm>
+            <a:off x="6256136" y="4193272"/>
+            <a:ext cx="2905827" cy="1683689"/>
+          </a:xfrm>
+          <a:prstGeom prst="rect">
+            <a:avLst/>
+          </a:prstGeom>
+        </p:spPr>
+      </p:pic>
     </p:spTree>
     <p:extLst>
       <p:ext uri="{BB962C8B-B14F-4D97-AF65-F5344CB8AC3E}">
-        <p14:creationId xmlns:p14="http://schemas.microsoft.com/office/powerpoint/2010/main" val="2077357362"/>
+        <p14:creationId xmlns:p14="http://schemas.microsoft.com/office/powerpoint/2010/main" val="1331728237"/>
       </p:ext>
     </p:extLst>
   </p:cSld>
@@ -20947,7 +21117,7 @@
     </p:spTree>
     <p:extLst>
       <p:ext uri="{BB962C8B-B14F-4D97-AF65-F5344CB8AC3E}">
-        <p14:creationId xmlns:p14="http://schemas.microsoft.com/office/powerpoint/2010/main" val="1698384890"/>
+        <p14:creationId xmlns:p14="http://schemas.microsoft.com/office/powerpoint/2010/main" val="2077357362"/>
       </p:ext>
     </p:extLst>
   </p:cSld>
@@ -21031,7 +21201,7 @@
     </p:spTree>
     <p:extLst>
       <p:ext uri="{BB962C8B-B14F-4D97-AF65-F5344CB8AC3E}">
-        <p14:creationId xmlns:p14="http://schemas.microsoft.com/office/powerpoint/2010/main" val="2443020713"/>
+        <p14:creationId xmlns:p14="http://schemas.microsoft.com/office/powerpoint/2010/main" val="1698384890"/>
       </p:ext>
     </p:extLst>
   </p:cSld>
@@ -21115,7 +21285,7 @@
     </p:spTree>
     <p:extLst>
       <p:ext uri="{BB962C8B-B14F-4D97-AF65-F5344CB8AC3E}">
-        <p14:creationId xmlns:p14="http://schemas.microsoft.com/office/powerpoint/2010/main" val="2142897557"/>
+        <p14:creationId xmlns:p14="http://schemas.microsoft.com/office/powerpoint/2010/main" val="2443020713"/>
       </p:ext>
     </p:extLst>
   </p:cSld>
@@ -21199,7 +21369,7 @@
     </p:spTree>
     <p:extLst>
       <p:ext uri="{BB962C8B-B14F-4D97-AF65-F5344CB8AC3E}">
-        <p14:creationId xmlns:p14="http://schemas.microsoft.com/office/powerpoint/2010/main" val="2404274506"/>
+        <p14:creationId xmlns:p14="http://schemas.microsoft.com/office/powerpoint/2010/main" val="2142897557"/>
       </p:ext>
     </p:extLst>
   </p:cSld>
@@ -21269,557 +21439,21 @@
               <a:t>通过 </a:t>
             </a:r>
             <a:r>
-              <a:rPr lang="en-US" altLang="zh-CN" dirty="0" err="1"/>
-              <a:t>Kubectl</a:t>
-            </a:r>
-            <a:r>
               <a:rPr lang="en-US" altLang="zh-CN" dirty="0"/>
-              <a:t> </a:t>
+              <a:t>Kubernetes </a:t>
             </a:r>
             <a:r>
               <a:rPr lang="zh-CN" altLang="en-US" dirty="0"/>
-              <a:t>扩展应用程序</a:t>
+              <a:t>仪表板访问群集</a:t>
             </a:r>
             <a:endParaRPr lang="en-GB" dirty="0"/>
           </a:p>
         </p:txBody>
       </p:sp>
-      <p:sp>
-        <p:nvSpPr>
-          <p:cNvPr id="10" name="Espaço Reservado para Texto 2">
-            <a:extLst>
-              <a:ext uri="{FF2B5EF4-FFF2-40B4-BE49-F238E27FC236}">
-                <a16:creationId xmlns:a16="http://schemas.microsoft.com/office/drawing/2014/main" id="{D2FE2754-39E9-4CBA-B41C-8B7D1E2302F9}"/>
-              </a:ext>
-            </a:extLst>
-          </p:cNvPr>
-          <p:cNvSpPr txBox="1">
-            <a:spLocks/>
-          </p:cNvSpPr>
-          <p:nvPr/>
-        </p:nvSpPr>
-        <p:spPr>
-          <a:xfrm>
-            <a:off x="452514" y="1992641"/>
-            <a:ext cx="10896599" cy="917575"/>
-          </a:xfrm>
-          <a:prstGeom prst="rect">
-            <a:avLst/>
-          </a:prstGeom>
-        </p:spPr>
-        <p:txBody>
-          <a:bodyPr/>
-          <a:lstStyle>
-            <a:lvl1pPr marL="228600" indent="-228600" algn="l" defTabSz="914400" rtl="0" eaLnBrk="1" latinLnBrk="0" hangingPunct="1">
-              <a:lnSpc>
-                <a:spcPct val="90000"/>
-              </a:lnSpc>
-              <a:spcBef>
-                <a:spcPts val="1000"/>
-              </a:spcBef>
-              <a:buFont typeface="Arial" panose="020B0604020202020204" pitchFamily="34" charset="0"/>
-              <a:buChar char="•"/>
-              <a:defRPr sz="3600" b="0" kern="1200" baseline="0">
-                <a:solidFill>
-                  <a:schemeClr val="bg1"/>
-                </a:solidFill>
-                <a:latin typeface="Microsoft YaHei" panose="020B0503020204020204" pitchFamily="34" charset="-122"/>
-                <a:ea typeface="+mn-ea"/>
-                <a:cs typeface="+mn-cs"/>
-              </a:defRPr>
-            </a:lvl1pPr>
-            <a:lvl2pPr marL="685800" indent="-228600" algn="l" defTabSz="914400" rtl="0" eaLnBrk="1" latinLnBrk="0" hangingPunct="1">
-              <a:lnSpc>
-                <a:spcPct val="90000"/>
-              </a:lnSpc>
-              <a:spcBef>
-                <a:spcPts val="500"/>
-              </a:spcBef>
-              <a:buFont typeface="Arial" panose="020B0604020202020204" pitchFamily="34" charset="0"/>
-              <a:buChar char="•"/>
-              <a:defRPr sz="3200" kern="1200" baseline="0">
-                <a:solidFill>
-                  <a:schemeClr val="bg1"/>
-                </a:solidFill>
-                <a:latin typeface="Microsoft YaHei" panose="020B0503020204020204" pitchFamily="34" charset="-122"/>
-                <a:ea typeface="+mn-ea"/>
-                <a:cs typeface="+mn-cs"/>
-              </a:defRPr>
-            </a:lvl2pPr>
-            <a:lvl3pPr marL="1143000" indent="-228600" algn="l" defTabSz="914400" rtl="0" eaLnBrk="1" latinLnBrk="0" hangingPunct="1">
-              <a:lnSpc>
-                <a:spcPct val="90000"/>
-              </a:lnSpc>
-              <a:spcBef>
-                <a:spcPts val="500"/>
-              </a:spcBef>
-              <a:buFont typeface="Arial" panose="020B0604020202020204" pitchFamily="34" charset="0"/>
-              <a:buChar char="•"/>
-              <a:defRPr sz="2800" kern="1200" baseline="0">
-                <a:solidFill>
-                  <a:schemeClr val="bg1"/>
-                </a:solidFill>
-                <a:latin typeface="Microsoft YaHei" panose="020B0503020204020204" pitchFamily="34" charset="-122"/>
-                <a:ea typeface="+mn-ea"/>
-                <a:cs typeface="+mn-cs"/>
-              </a:defRPr>
-            </a:lvl3pPr>
-            <a:lvl4pPr marL="1600200" indent="-228600" algn="l" defTabSz="914400" rtl="0" eaLnBrk="1" latinLnBrk="0" hangingPunct="1">
-              <a:lnSpc>
-                <a:spcPct val="90000"/>
-              </a:lnSpc>
-              <a:spcBef>
-                <a:spcPts val="500"/>
-              </a:spcBef>
-              <a:buFont typeface="Arial" panose="020B0604020202020204" pitchFamily="34" charset="0"/>
-              <a:buChar char="•"/>
-              <a:defRPr sz="2400" kern="1200" baseline="0">
-                <a:solidFill>
-                  <a:schemeClr val="bg1"/>
-                </a:solidFill>
-                <a:latin typeface="Microsoft YaHei" panose="020B0503020204020204" pitchFamily="34" charset="-122"/>
-                <a:ea typeface="+mn-ea"/>
-                <a:cs typeface="+mn-cs"/>
-              </a:defRPr>
-            </a:lvl4pPr>
-            <a:lvl5pPr marL="2057400" indent="-228600" algn="l" defTabSz="914400" rtl="0" eaLnBrk="1" latinLnBrk="0" hangingPunct="1">
-              <a:lnSpc>
-                <a:spcPct val="90000"/>
-              </a:lnSpc>
-              <a:spcBef>
-                <a:spcPts val="500"/>
-              </a:spcBef>
-              <a:buFont typeface="Arial" panose="020B0604020202020204" pitchFamily="34" charset="0"/>
-              <a:buChar char="•"/>
-              <a:defRPr sz="2400" kern="1200" baseline="0">
-                <a:solidFill>
-                  <a:schemeClr val="bg1"/>
-                </a:solidFill>
-                <a:latin typeface="Microsoft YaHei" panose="020B0503020204020204" pitchFamily="34" charset="-122"/>
-                <a:ea typeface="+mn-ea"/>
-                <a:cs typeface="+mn-cs"/>
-              </a:defRPr>
-            </a:lvl5pPr>
-            <a:lvl6pPr marL="2514600" indent="-228600" algn="l" defTabSz="914400" rtl="0" eaLnBrk="1" latinLnBrk="0" hangingPunct="1">
-              <a:lnSpc>
-                <a:spcPct val="90000"/>
-              </a:lnSpc>
-              <a:spcBef>
-                <a:spcPts val="500"/>
-              </a:spcBef>
-              <a:buFont typeface="Arial" panose="020B0604020202020204" pitchFamily="34" charset="0"/>
-              <a:buChar char="•"/>
-              <a:defRPr sz="1800" kern="1200">
-                <a:solidFill>
-                  <a:schemeClr val="tx1"/>
-                </a:solidFill>
-                <a:latin typeface="+mn-lt"/>
-                <a:ea typeface="+mn-ea"/>
-                <a:cs typeface="+mn-cs"/>
-              </a:defRPr>
-            </a:lvl6pPr>
-            <a:lvl7pPr marL="2971800" indent="-228600" algn="l" defTabSz="914400" rtl="0" eaLnBrk="1" latinLnBrk="0" hangingPunct="1">
-              <a:lnSpc>
-                <a:spcPct val="90000"/>
-              </a:lnSpc>
-              <a:spcBef>
-                <a:spcPts val="500"/>
-              </a:spcBef>
-              <a:buFont typeface="Arial" panose="020B0604020202020204" pitchFamily="34" charset="0"/>
-              <a:buChar char="•"/>
-              <a:defRPr sz="1800" kern="1200">
-                <a:solidFill>
-                  <a:schemeClr val="tx1"/>
-                </a:solidFill>
-                <a:latin typeface="+mn-lt"/>
-                <a:ea typeface="+mn-ea"/>
-                <a:cs typeface="+mn-cs"/>
-              </a:defRPr>
-            </a:lvl7pPr>
-            <a:lvl8pPr marL="3429000" indent="-228600" algn="l" defTabSz="914400" rtl="0" eaLnBrk="1" latinLnBrk="0" hangingPunct="1">
-              <a:lnSpc>
-                <a:spcPct val="90000"/>
-              </a:lnSpc>
-              <a:spcBef>
-                <a:spcPts val="500"/>
-              </a:spcBef>
-              <a:buFont typeface="Arial" panose="020B0604020202020204" pitchFamily="34" charset="0"/>
-              <a:buChar char="•"/>
-              <a:defRPr sz="1800" kern="1200">
-                <a:solidFill>
-                  <a:schemeClr val="tx1"/>
-                </a:solidFill>
-                <a:latin typeface="+mn-lt"/>
-                <a:ea typeface="+mn-ea"/>
-                <a:cs typeface="+mn-cs"/>
-              </a:defRPr>
-            </a:lvl8pPr>
-            <a:lvl9pPr marL="3886200" indent="-228600" algn="l" defTabSz="914400" rtl="0" eaLnBrk="1" latinLnBrk="0" hangingPunct="1">
-              <a:lnSpc>
-                <a:spcPct val="90000"/>
-              </a:lnSpc>
-              <a:spcBef>
-                <a:spcPts val="500"/>
-              </a:spcBef>
-              <a:buFont typeface="Arial" panose="020B0604020202020204" pitchFamily="34" charset="0"/>
-              <a:buChar char="•"/>
-              <a:defRPr sz="1800" kern="1200">
-                <a:solidFill>
-                  <a:schemeClr val="tx1"/>
-                </a:solidFill>
-                <a:latin typeface="+mn-lt"/>
-                <a:ea typeface="+mn-ea"/>
-                <a:cs typeface="+mn-cs"/>
-              </a:defRPr>
-            </a:lvl9pPr>
-          </a:lstStyle>
-          <a:p>
-            <a:pPr algn="ctr"/>
-            <a:endParaRPr lang="pt-BR" altLang="zh-CN" sz="3200" b="1" dirty="0">
-              <a:latin typeface="Courier New" panose="02070309020205020404" pitchFamily="49" charset="0"/>
-              <a:cs typeface="Courier New" panose="02070309020205020404" pitchFamily="49" charset="0"/>
-            </a:endParaRPr>
-          </a:p>
-        </p:txBody>
-      </p:sp>
-      <p:sp>
-        <p:nvSpPr>
-          <p:cNvPr id="4" name="Espaço Reservado para Texto 2">
-            <a:extLst>
-              <a:ext uri="{FF2B5EF4-FFF2-40B4-BE49-F238E27FC236}">
-                <a16:creationId xmlns:a16="http://schemas.microsoft.com/office/drawing/2014/main" id="{D63D21A9-BF20-42CD-8887-7714AA790A07}"/>
-              </a:ext>
-            </a:extLst>
-          </p:cNvPr>
-          <p:cNvSpPr txBox="1">
-            <a:spLocks/>
-          </p:cNvSpPr>
-          <p:nvPr/>
-        </p:nvSpPr>
-        <p:spPr>
-          <a:xfrm>
-            <a:off x="381001" y="2383918"/>
-            <a:ext cx="11810999" cy="526298"/>
-          </a:xfrm>
-          <a:prstGeom prst="rect">
-            <a:avLst/>
-          </a:prstGeom>
-        </p:spPr>
-        <p:txBody>
-          <a:bodyPr/>
-          <a:lstStyle>
-            <a:lvl1pPr marL="228600" indent="-228600" algn="l" defTabSz="914400" rtl="0" eaLnBrk="1" latinLnBrk="0" hangingPunct="1">
-              <a:lnSpc>
-                <a:spcPct val="90000"/>
-              </a:lnSpc>
-              <a:spcBef>
-                <a:spcPts val="1000"/>
-              </a:spcBef>
-              <a:buFont typeface="Arial" panose="020B0604020202020204" pitchFamily="34" charset="0"/>
-              <a:buChar char="•"/>
-              <a:defRPr sz="3600" b="0" kern="1200" baseline="0">
-                <a:solidFill>
-                  <a:schemeClr val="bg1"/>
-                </a:solidFill>
-                <a:latin typeface="Microsoft YaHei" panose="020B0503020204020204" pitchFamily="34" charset="-122"/>
-                <a:ea typeface="+mn-ea"/>
-                <a:cs typeface="+mn-cs"/>
-              </a:defRPr>
-            </a:lvl1pPr>
-            <a:lvl2pPr marL="685800" indent="-228600" algn="l" defTabSz="914400" rtl="0" eaLnBrk="1" latinLnBrk="0" hangingPunct="1">
-              <a:lnSpc>
-                <a:spcPct val="90000"/>
-              </a:lnSpc>
-              <a:spcBef>
-                <a:spcPts val="500"/>
-              </a:spcBef>
-              <a:buFont typeface="Arial" panose="020B0604020202020204" pitchFamily="34" charset="0"/>
-              <a:buChar char="•"/>
-              <a:defRPr sz="3200" kern="1200" baseline="0">
-                <a:solidFill>
-                  <a:schemeClr val="bg1"/>
-                </a:solidFill>
-                <a:latin typeface="Microsoft YaHei" panose="020B0503020204020204" pitchFamily="34" charset="-122"/>
-                <a:ea typeface="+mn-ea"/>
-                <a:cs typeface="+mn-cs"/>
-              </a:defRPr>
-            </a:lvl2pPr>
-            <a:lvl3pPr marL="1143000" indent="-228600" algn="l" defTabSz="914400" rtl="0" eaLnBrk="1" latinLnBrk="0" hangingPunct="1">
-              <a:lnSpc>
-                <a:spcPct val="90000"/>
-              </a:lnSpc>
-              <a:spcBef>
-                <a:spcPts val="500"/>
-              </a:spcBef>
-              <a:buFont typeface="Arial" panose="020B0604020202020204" pitchFamily="34" charset="0"/>
-              <a:buChar char="•"/>
-              <a:defRPr sz="2800" kern="1200" baseline="0">
-                <a:solidFill>
-                  <a:schemeClr val="bg1"/>
-                </a:solidFill>
-                <a:latin typeface="Microsoft YaHei" panose="020B0503020204020204" pitchFamily="34" charset="-122"/>
-                <a:ea typeface="+mn-ea"/>
-                <a:cs typeface="+mn-cs"/>
-              </a:defRPr>
-            </a:lvl3pPr>
-            <a:lvl4pPr marL="1600200" indent="-228600" algn="l" defTabSz="914400" rtl="0" eaLnBrk="1" latinLnBrk="0" hangingPunct="1">
-              <a:lnSpc>
-                <a:spcPct val="90000"/>
-              </a:lnSpc>
-              <a:spcBef>
-                <a:spcPts val="500"/>
-              </a:spcBef>
-              <a:buFont typeface="Arial" panose="020B0604020202020204" pitchFamily="34" charset="0"/>
-              <a:buChar char="•"/>
-              <a:defRPr sz="2400" kern="1200" baseline="0">
-                <a:solidFill>
-                  <a:schemeClr val="bg1"/>
-                </a:solidFill>
-                <a:latin typeface="Microsoft YaHei" panose="020B0503020204020204" pitchFamily="34" charset="-122"/>
-                <a:ea typeface="+mn-ea"/>
-                <a:cs typeface="+mn-cs"/>
-              </a:defRPr>
-            </a:lvl4pPr>
-            <a:lvl5pPr marL="2057400" indent="-228600" algn="l" defTabSz="914400" rtl="0" eaLnBrk="1" latinLnBrk="0" hangingPunct="1">
-              <a:lnSpc>
-                <a:spcPct val="90000"/>
-              </a:lnSpc>
-              <a:spcBef>
-                <a:spcPts val="500"/>
-              </a:spcBef>
-              <a:buFont typeface="Arial" panose="020B0604020202020204" pitchFamily="34" charset="0"/>
-              <a:buChar char="•"/>
-              <a:defRPr sz="2400" kern="1200" baseline="0">
-                <a:solidFill>
-                  <a:schemeClr val="bg1"/>
-                </a:solidFill>
-                <a:latin typeface="Microsoft YaHei" panose="020B0503020204020204" pitchFamily="34" charset="-122"/>
-                <a:ea typeface="+mn-ea"/>
-                <a:cs typeface="+mn-cs"/>
-              </a:defRPr>
-            </a:lvl5pPr>
-            <a:lvl6pPr marL="2514600" indent="-228600" algn="l" defTabSz="914400" rtl="0" eaLnBrk="1" latinLnBrk="0" hangingPunct="1">
-              <a:lnSpc>
-                <a:spcPct val="90000"/>
-              </a:lnSpc>
-              <a:spcBef>
-                <a:spcPts val="500"/>
-              </a:spcBef>
-              <a:buFont typeface="Arial" panose="020B0604020202020204" pitchFamily="34" charset="0"/>
-              <a:buChar char="•"/>
-              <a:defRPr sz="1800" kern="1200">
-                <a:solidFill>
-                  <a:schemeClr val="tx1"/>
-                </a:solidFill>
-                <a:latin typeface="+mn-lt"/>
-                <a:ea typeface="+mn-ea"/>
-                <a:cs typeface="+mn-cs"/>
-              </a:defRPr>
-            </a:lvl6pPr>
-            <a:lvl7pPr marL="2971800" indent="-228600" algn="l" defTabSz="914400" rtl="0" eaLnBrk="1" latinLnBrk="0" hangingPunct="1">
-              <a:lnSpc>
-                <a:spcPct val="90000"/>
-              </a:lnSpc>
-              <a:spcBef>
-                <a:spcPts val="500"/>
-              </a:spcBef>
-              <a:buFont typeface="Arial" panose="020B0604020202020204" pitchFamily="34" charset="0"/>
-              <a:buChar char="•"/>
-              <a:defRPr sz="1800" kern="1200">
-                <a:solidFill>
-                  <a:schemeClr val="tx1"/>
-                </a:solidFill>
-                <a:latin typeface="+mn-lt"/>
-                <a:ea typeface="+mn-ea"/>
-                <a:cs typeface="+mn-cs"/>
-              </a:defRPr>
-            </a:lvl7pPr>
-            <a:lvl8pPr marL="3429000" indent="-228600" algn="l" defTabSz="914400" rtl="0" eaLnBrk="1" latinLnBrk="0" hangingPunct="1">
-              <a:lnSpc>
-                <a:spcPct val="90000"/>
-              </a:lnSpc>
-              <a:spcBef>
-                <a:spcPts val="500"/>
-              </a:spcBef>
-              <a:buFont typeface="Arial" panose="020B0604020202020204" pitchFamily="34" charset="0"/>
-              <a:buChar char="•"/>
-              <a:defRPr sz="1800" kern="1200">
-                <a:solidFill>
-                  <a:schemeClr val="tx1"/>
-                </a:solidFill>
-                <a:latin typeface="+mn-lt"/>
-                <a:ea typeface="+mn-ea"/>
-                <a:cs typeface="+mn-cs"/>
-              </a:defRPr>
-            </a:lvl8pPr>
-            <a:lvl9pPr marL="3886200" indent="-228600" algn="l" defTabSz="914400" rtl="0" eaLnBrk="1" latinLnBrk="0" hangingPunct="1">
-              <a:lnSpc>
-                <a:spcPct val="90000"/>
-              </a:lnSpc>
-              <a:spcBef>
-                <a:spcPts val="500"/>
-              </a:spcBef>
-              <a:buFont typeface="Arial" panose="020B0604020202020204" pitchFamily="34" charset="0"/>
-              <a:buChar char="•"/>
-              <a:defRPr sz="1800" kern="1200">
-                <a:solidFill>
-                  <a:schemeClr val="tx1"/>
-                </a:solidFill>
-                <a:latin typeface="+mn-lt"/>
-                <a:ea typeface="+mn-ea"/>
-                <a:cs typeface="+mn-cs"/>
-              </a:defRPr>
-            </a:lvl9pPr>
-          </a:lstStyle>
-          <a:p>
-            <a:pPr algn="ctr"/>
-            <a:r>
-              <a:rPr lang="pt-BR" sz="2400" b="1">
-                <a:latin typeface="Courier New" panose="02070309020205020404" pitchFamily="49" charset="0"/>
-                <a:cs typeface="Courier New" panose="02070309020205020404" pitchFamily="49" charset="0"/>
-              </a:rPr>
-              <a:t>kubectl scale deployment </a:t>
-            </a:r>
-            <a:r>
-              <a:rPr lang="pt-BR" sz="2400">
-                <a:latin typeface="Courier New" panose="02070309020205020404" pitchFamily="49" charset="0"/>
-                <a:cs typeface="Courier New" panose="02070309020205020404" pitchFamily="49" charset="0"/>
-              </a:rPr>
-              <a:t>contagem-deployment</a:t>
-            </a:r>
-            <a:r>
-              <a:rPr lang="pt-BR" sz="2400" b="1">
-                <a:latin typeface="Courier New" panose="02070309020205020404" pitchFamily="49" charset="0"/>
-                <a:cs typeface="Courier New" panose="02070309020205020404" pitchFamily="49" charset="0"/>
-              </a:rPr>
-              <a:t> --replicas</a:t>
-            </a:r>
-            <a:r>
-              <a:rPr lang="pt-BR" sz="2400">
-                <a:latin typeface="Courier New" panose="02070309020205020404" pitchFamily="49" charset="0"/>
-                <a:cs typeface="Courier New" panose="02070309020205020404" pitchFamily="49" charset="0"/>
-              </a:rPr>
-              <a:t>=5</a:t>
-            </a:r>
-            <a:endParaRPr lang="pt-BR" sz="2400" dirty="0">
-              <a:latin typeface="Courier New" panose="02070309020205020404" pitchFamily="49" charset="0"/>
-              <a:cs typeface="Courier New" panose="02070309020205020404" pitchFamily="49" charset="0"/>
-            </a:endParaRPr>
-          </a:p>
-        </p:txBody>
-      </p:sp>
-      <p:pic>
-        <p:nvPicPr>
-          <p:cNvPr id="5" name="Imagem 5">
-            <a:extLst>
-              <a:ext uri="{FF2B5EF4-FFF2-40B4-BE49-F238E27FC236}">
-                <a16:creationId xmlns:a16="http://schemas.microsoft.com/office/drawing/2014/main" id="{96E6540F-BC9A-4F4A-83AA-A330DECF4812}"/>
-              </a:ext>
-            </a:extLst>
-          </p:cNvPr>
-          <p:cNvPicPr>
-            <a:picLocks noChangeAspect="1"/>
-          </p:cNvPicPr>
-          <p:nvPr/>
-        </p:nvPicPr>
-        <p:blipFill>
-          <a:blip r:embed="rId3"/>
-          <a:stretch>
-            <a:fillRect/>
-          </a:stretch>
-        </p:blipFill>
-        <p:spPr>
-          <a:xfrm>
-            <a:off x="3540896" y="4410008"/>
-            <a:ext cx="1910499" cy="1910499"/>
-          </a:xfrm>
-          <a:prstGeom prst="rect">
-            <a:avLst/>
-          </a:prstGeom>
-        </p:spPr>
-      </p:pic>
-      <p:sp>
-        <p:nvSpPr>
-          <p:cNvPr id="6" name="Retângulo 7">
-            <a:extLst>
-              <a:ext uri="{FF2B5EF4-FFF2-40B4-BE49-F238E27FC236}">
-                <a16:creationId xmlns:a16="http://schemas.microsoft.com/office/drawing/2014/main" id="{F70464A9-1309-47C6-BE1A-063C14FA40E6}"/>
-              </a:ext>
-            </a:extLst>
-          </p:cNvPr>
-          <p:cNvSpPr/>
-          <p:nvPr/>
-        </p:nvSpPr>
-        <p:spPr>
-          <a:xfrm>
-            <a:off x="5451395" y="4350990"/>
-            <a:ext cx="1346180" cy="1862048"/>
-          </a:xfrm>
-          <a:prstGeom prst="rect">
-            <a:avLst/>
-          </a:prstGeom>
-          <a:noFill/>
-        </p:spPr>
-        <p:txBody>
-          <a:bodyPr wrap="square" lIns="91440" tIns="45720" rIns="91440" bIns="45720">
-            <a:spAutoFit/>
-          </a:bodyPr>
-          <a:lstStyle/>
-          <a:p>
-            <a:pPr algn="ctr"/>
-            <a:r>
-              <a:rPr lang="pt-BR" sz="11500" b="0" cap="none" spc="0" dirty="0">
-                <a:ln w="0"/>
-                <a:solidFill>
-                  <a:schemeClr val="bg1"/>
-                </a:solidFill>
-                <a:effectLst>
-                  <a:outerShdw blurRad="38100" dist="19050" dir="2700000" algn="tl" rotWithShape="0">
-                    <a:schemeClr val="dk1">
-                      <a:alpha val="40000"/>
-                    </a:schemeClr>
-                  </a:outerShdw>
-                </a:effectLst>
-              </a:rPr>
-              <a:t>+</a:t>
-            </a:r>
-          </a:p>
-        </p:txBody>
-      </p:sp>
-      <p:pic>
-        <p:nvPicPr>
-          <p:cNvPr id="7" name="Imagem 6">
-            <a:extLst>
-              <a:ext uri="{FF2B5EF4-FFF2-40B4-BE49-F238E27FC236}">
-                <a16:creationId xmlns:a16="http://schemas.microsoft.com/office/drawing/2014/main" id="{9BCAC857-5F76-4491-AB19-78F9708819F2}"/>
-              </a:ext>
-            </a:extLst>
-          </p:cNvPr>
-          <p:cNvPicPr>
-            <a:picLocks noChangeAspect="1"/>
-          </p:cNvPicPr>
-          <p:nvPr/>
-        </p:nvPicPr>
-        <p:blipFill>
-          <a:blip r:embed="rId4"/>
-          <a:stretch>
-            <a:fillRect/>
-          </a:stretch>
-        </p:blipFill>
-        <p:spPr>
-          <a:xfrm>
-            <a:off x="6314373" y="4440170"/>
-            <a:ext cx="2905827" cy="1683689"/>
-          </a:xfrm>
-          <a:prstGeom prst="rect">
-            <a:avLst/>
-          </a:prstGeom>
-        </p:spPr>
-      </p:pic>
     </p:spTree>
     <p:extLst>
       <p:ext uri="{BB962C8B-B14F-4D97-AF65-F5344CB8AC3E}">
-        <p14:creationId xmlns:p14="http://schemas.microsoft.com/office/powerpoint/2010/main" val="1459902950"/>
+        <p14:creationId xmlns:p14="http://schemas.microsoft.com/office/powerpoint/2010/main" val="2404274506"/>
       </p:ext>
     </p:extLst>
   </p:cSld>
@@ -21898,11 +21532,7 @@
             </a:r>
             <a:r>
               <a:rPr lang="zh-CN" altLang="en-US" dirty="0"/>
-              <a:t>查看</a:t>
-            </a:r>
-            <a:r>
-              <a:rPr lang="en-US" altLang="zh-CN" dirty="0"/>
-              <a:t>Pods</a:t>
+              <a:t>扩展应用程序</a:t>
             </a:r>
             <a:endParaRPr lang="en-GB" dirty="0"/>
           </a:p>
@@ -22099,20 +21729,6 @@
           </a:lstStyle>
           <a:p>
             <a:pPr algn="ctr"/>
-            <a:r>
-              <a:rPr lang="en-US" altLang="zh-CN" sz="3200" b="1" dirty="0" err="1">
-                <a:latin typeface="Courier New" panose="02070309020205020404" pitchFamily="49" charset="0"/>
-                <a:cs typeface="Courier New" panose="02070309020205020404" pitchFamily="49" charset="0"/>
-              </a:rPr>
-              <a:t>kubectl</a:t>
-            </a:r>
-            <a:r>
-              <a:rPr lang="en-US" altLang="zh-CN" sz="3200" b="1" dirty="0">
-                <a:latin typeface="Courier New" panose="02070309020205020404" pitchFamily="49" charset="0"/>
-                <a:cs typeface="Courier New" panose="02070309020205020404" pitchFamily="49" charset="0"/>
-              </a:rPr>
-              <a:t> get pods</a:t>
-            </a:r>
             <a:endParaRPr lang="pt-BR" altLang="zh-CN" sz="3200" b="1" dirty="0">
               <a:latin typeface="Courier New" panose="02070309020205020404" pitchFamily="49" charset="0"/>
               <a:cs typeface="Courier New" panose="02070309020205020404" pitchFamily="49" charset="0"/>
@@ -22120,10 +21736,344 @@
           </a:p>
         </p:txBody>
       </p:sp>
+      <p:sp>
+        <p:nvSpPr>
+          <p:cNvPr id="4" name="Espaço Reservado para Texto 2">
+            <a:extLst>
+              <a:ext uri="{FF2B5EF4-FFF2-40B4-BE49-F238E27FC236}">
+                <a16:creationId xmlns:a16="http://schemas.microsoft.com/office/drawing/2014/main" id="{D63D21A9-BF20-42CD-8887-7714AA790A07}"/>
+              </a:ext>
+            </a:extLst>
+          </p:cNvPr>
+          <p:cNvSpPr txBox="1">
+            <a:spLocks/>
+          </p:cNvSpPr>
+          <p:nvPr/>
+        </p:nvSpPr>
+        <p:spPr>
+          <a:xfrm>
+            <a:off x="381001" y="2383918"/>
+            <a:ext cx="11810999" cy="526298"/>
+          </a:xfrm>
+          <a:prstGeom prst="rect">
+            <a:avLst/>
+          </a:prstGeom>
+        </p:spPr>
+        <p:txBody>
+          <a:bodyPr/>
+          <a:lstStyle>
+            <a:lvl1pPr marL="228600" indent="-228600" algn="l" defTabSz="914400" rtl="0" eaLnBrk="1" latinLnBrk="0" hangingPunct="1">
+              <a:lnSpc>
+                <a:spcPct val="90000"/>
+              </a:lnSpc>
+              <a:spcBef>
+                <a:spcPts val="1000"/>
+              </a:spcBef>
+              <a:buFont typeface="Arial" panose="020B0604020202020204" pitchFamily="34" charset="0"/>
+              <a:buChar char="•"/>
+              <a:defRPr sz="3600" b="0" kern="1200" baseline="0">
+                <a:solidFill>
+                  <a:schemeClr val="bg1"/>
+                </a:solidFill>
+                <a:latin typeface="Microsoft YaHei" panose="020B0503020204020204" pitchFamily="34" charset="-122"/>
+                <a:ea typeface="+mn-ea"/>
+                <a:cs typeface="+mn-cs"/>
+              </a:defRPr>
+            </a:lvl1pPr>
+            <a:lvl2pPr marL="685800" indent="-228600" algn="l" defTabSz="914400" rtl="0" eaLnBrk="1" latinLnBrk="0" hangingPunct="1">
+              <a:lnSpc>
+                <a:spcPct val="90000"/>
+              </a:lnSpc>
+              <a:spcBef>
+                <a:spcPts val="500"/>
+              </a:spcBef>
+              <a:buFont typeface="Arial" panose="020B0604020202020204" pitchFamily="34" charset="0"/>
+              <a:buChar char="•"/>
+              <a:defRPr sz="3200" kern="1200" baseline="0">
+                <a:solidFill>
+                  <a:schemeClr val="bg1"/>
+                </a:solidFill>
+                <a:latin typeface="Microsoft YaHei" panose="020B0503020204020204" pitchFamily="34" charset="-122"/>
+                <a:ea typeface="+mn-ea"/>
+                <a:cs typeface="+mn-cs"/>
+              </a:defRPr>
+            </a:lvl2pPr>
+            <a:lvl3pPr marL="1143000" indent="-228600" algn="l" defTabSz="914400" rtl="0" eaLnBrk="1" latinLnBrk="0" hangingPunct="1">
+              <a:lnSpc>
+                <a:spcPct val="90000"/>
+              </a:lnSpc>
+              <a:spcBef>
+                <a:spcPts val="500"/>
+              </a:spcBef>
+              <a:buFont typeface="Arial" panose="020B0604020202020204" pitchFamily="34" charset="0"/>
+              <a:buChar char="•"/>
+              <a:defRPr sz="2800" kern="1200" baseline="0">
+                <a:solidFill>
+                  <a:schemeClr val="bg1"/>
+                </a:solidFill>
+                <a:latin typeface="Microsoft YaHei" panose="020B0503020204020204" pitchFamily="34" charset="-122"/>
+                <a:ea typeface="+mn-ea"/>
+                <a:cs typeface="+mn-cs"/>
+              </a:defRPr>
+            </a:lvl3pPr>
+            <a:lvl4pPr marL="1600200" indent="-228600" algn="l" defTabSz="914400" rtl="0" eaLnBrk="1" latinLnBrk="0" hangingPunct="1">
+              <a:lnSpc>
+                <a:spcPct val="90000"/>
+              </a:lnSpc>
+              <a:spcBef>
+                <a:spcPts val="500"/>
+              </a:spcBef>
+              <a:buFont typeface="Arial" panose="020B0604020202020204" pitchFamily="34" charset="0"/>
+              <a:buChar char="•"/>
+              <a:defRPr sz="2400" kern="1200" baseline="0">
+                <a:solidFill>
+                  <a:schemeClr val="bg1"/>
+                </a:solidFill>
+                <a:latin typeface="Microsoft YaHei" panose="020B0503020204020204" pitchFamily="34" charset="-122"/>
+                <a:ea typeface="+mn-ea"/>
+                <a:cs typeface="+mn-cs"/>
+              </a:defRPr>
+            </a:lvl4pPr>
+            <a:lvl5pPr marL="2057400" indent="-228600" algn="l" defTabSz="914400" rtl="0" eaLnBrk="1" latinLnBrk="0" hangingPunct="1">
+              <a:lnSpc>
+                <a:spcPct val="90000"/>
+              </a:lnSpc>
+              <a:spcBef>
+                <a:spcPts val="500"/>
+              </a:spcBef>
+              <a:buFont typeface="Arial" panose="020B0604020202020204" pitchFamily="34" charset="0"/>
+              <a:buChar char="•"/>
+              <a:defRPr sz="2400" kern="1200" baseline="0">
+                <a:solidFill>
+                  <a:schemeClr val="bg1"/>
+                </a:solidFill>
+                <a:latin typeface="Microsoft YaHei" panose="020B0503020204020204" pitchFamily="34" charset="-122"/>
+                <a:ea typeface="+mn-ea"/>
+                <a:cs typeface="+mn-cs"/>
+              </a:defRPr>
+            </a:lvl5pPr>
+            <a:lvl6pPr marL="2514600" indent="-228600" algn="l" defTabSz="914400" rtl="0" eaLnBrk="1" latinLnBrk="0" hangingPunct="1">
+              <a:lnSpc>
+                <a:spcPct val="90000"/>
+              </a:lnSpc>
+              <a:spcBef>
+                <a:spcPts val="500"/>
+              </a:spcBef>
+              <a:buFont typeface="Arial" panose="020B0604020202020204" pitchFamily="34" charset="0"/>
+              <a:buChar char="•"/>
+              <a:defRPr sz="1800" kern="1200">
+                <a:solidFill>
+                  <a:schemeClr val="tx1"/>
+                </a:solidFill>
+                <a:latin typeface="+mn-lt"/>
+                <a:ea typeface="+mn-ea"/>
+                <a:cs typeface="+mn-cs"/>
+              </a:defRPr>
+            </a:lvl6pPr>
+            <a:lvl7pPr marL="2971800" indent="-228600" algn="l" defTabSz="914400" rtl="0" eaLnBrk="1" latinLnBrk="0" hangingPunct="1">
+              <a:lnSpc>
+                <a:spcPct val="90000"/>
+              </a:lnSpc>
+              <a:spcBef>
+                <a:spcPts val="500"/>
+              </a:spcBef>
+              <a:buFont typeface="Arial" panose="020B0604020202020204" pitchFamily="34" charset="0"/>
+              <a:buChar char="•"/>
+              <a:defRPr sz="1800" kern="1200">
+                <a:solidFill>
+                  <a:schemeClr val="tx1"/>
+                </a:solidFill>
+                <a:latin typeface="+mn-lt"/>
+                <a:ea typeface="+mn-ea"/>
+                <a:cs typeface="+mn-cs"/>
+              </a:defRPr>
+            </a:lvl7pPr>
+            <a:lvl8pPr marL="3429000" indent="-228600" algn="l" defTabSz="914400" rtl="0" eaLnBrk="1" latinLnBrk="0" hangingPunct="1">
+              <a:lnSpc>
+                <a:spcPct val="90000"/>
+              </a:lnSpc>
+              <a:spcBef>
+                <a:spcPts val="500"/>
+              </a:spcBef>
+              <a:buFont typeface="Arial" panose="020B0604020202020204" pitchFamily="34" charset="0"/>
+              <a:buChar char="•"/>
+              <a:defRPr sz="1800" kern="1200">
+                <a:solidFill>
+                  <a:schemeClr val="tx1"/>
+                </a:solidFill>
+                <a:latin typeface="+mn-lt"/>
+                <a:ea typeface="+mn-ea"/>
+                <a:cs typeface="+mn-cs"/>
+              </a:defRPr>
+            </a:lvl8pPr>
+            <a:lvl9pPr marL="3886200" indent="-228600" algn="l" defTabSz="914400" rtl="0" eaLnBrk="1" latinLnBrk="0" hangingPunct="1">
+              <a:lnSpc>
+                <a:spcPct val="90000"/>
+              </a:lnSpc>
+              <a:spcBef>
+                <a:spcPts val="500"/>
+              </a:spcBef>
+              <a:buFont typeface="Arial" panose="020B0604020202020204" pitchFamily="34" charset="0"/>
+              <a:buChar char="•"/>
+              <a:defRPr sz="1800" kern="1200">
+                <a:solidFill>
+                  <a:schemeClr val="tx1"/>
+                </a:solidFill>
+                <a:latin typeface="+mn-lt"/>
+                <a:ea typeface="+mn-ea"/>
+                <a:cs typeface="+mn-cs"/>
+              </a:defRPr>
+            </a:lvl9pPr>
+          </a:lstStyle>
+          <a:p>
+            <a:pPr algn="ctr"/>
+            <a:r>
+              <a:rPr lang="pt-BR" sz="2400" b="1">
+                <a:latin typeface="Courier New" panose="02070309020205020404" pitchFamily="49" charset="0"/>
+                <a:cs typeface="Courier New" panose="02070309020205020404" pitchFamily="49" charset="0"/>
+              </a:rPr>
+              <a:t>kubectl scale deployment </a:t>
+            </a:r>
+            <a:r>
+              <a:rPr lang="pt-BR" sz="2400">
+                <a:latin typeface="Courier New" panose="02070309020205020404" pitchFamily="49" charset="0"/>
+                <a:cs typeface="Courier New" panose="02070309020205020404" pitchFamily="49" charset="0"/>
+              </a:rPr>
+              <a:t>contagem-deployment</a:t>
+            </a:r>
+            <a:r>
+              <a:rPr lang="pt-BR" sz="2400" b="1">
+                <a:latin typeface="Courier New" panose="02070309020205020404" pitchFamily="49" charset="0"/>
+                <a:cs typeface="Courier New" panose="02070309020205020404" pitchFamily="49" charset="0"/>
+              </a:rPr>
+              <a:t> --replicas</a:t>
+            </a:r>
+            <a:r>
+              <a:rPr lang="pt-BR" sz="2400">
+                <a:latin typeface="Courier New" panose="02070309020205020404" pitchFamily="49" charset="0"/>
+                <a:cs typeface="Courier New" panose="02070309020205020404" pitchFamily="49" charset="0"/>
+              </a:rPr>
+              <a:t>=5</a:t>
+            </a:r>
+            <a:endParaRPr lang="pt-BR" sz="2400" dirty="0">
+              <a:latin typeface="Courier New" panose="02070309020205020404" pitchFamily="49" charset="0"/>
+              <a:cs typeface="Courier New" panose="02070309020205020404" pitchFamily="49" charset="0"/>
+            </a:endParaRPr>
+          </a:p>
+        </p:txBody>
+      </p:sp>
+      <p:pic>
+        <p:nvPicPr>
+          <p:cNvPr id="5" name="Imagem 5">
+            <a:extLst>
+              <a:ext uri="{FF2B5EF4-FFF2-40B4-BE49-F238E27FC236}">
+                <a16:creationId xmlns:a16="http://schemas.microsoft.com/office/drawing/2014/main" id="{96E6540F-BC9A-4F4A-83AA-A330DECF4812}"/>
+              </a:ext>
+            </a:extLst>
+          </p:cNvPr>
+          <p:cNvPicPr>
+            <a:picLocks noChangeAspect="1"/>
+          </p:cNvPicPr>
+          <p:nvPr/>
+        </p:nvPicPr>
+        <p:blipFill>
+          <a:blip r:embed="rId3"/>
+          <a:stretch>
+            <a:fillRect/>
+          </a:stretch>
+        </p:blipFill>
+        <p:spPr>
+          <a:xfrm>
+            <a:off x="3540896" y="4410008"/>
+            <a:ext cx="1910499" cy="1910499"/>
+          </a:xfrm>
+          <a:prstGeom prst="rect">
+            <a:avLst/>
+          </a:prstGeom>
+        </p:spPr>
+      </p:pic>
+      <p:sp>
+        <p:nvSpPr>
+          <p:cNvPr id="6" name="Retângulo 7">
+            <a:extLst>
+              <a:ext uri="{FF2B5EF4-FFF2-40B4-BE49-F238E27FC236}">
+                <a16:creationId xmlns:a16="http://schemas.microsoft.com/office/drawing/2014/main" id="{F70464A9-1309-47C6-BE1A-063C14FA40E6}"/>
+              </a:ext>
+            </a:extLst>
+          </p:cNvPr>
+          <p:cNvSpPr/>
+          <p:nvPr/>
+        </p:nvSpPr>
+        <p:spPr>
+          <a:xfrm>
+            <a:off x="5451395" y="4350990"/>
+            <a:ext cx="1346180" cy="1862048"/>
+          </a:xfrm>
+          <a:prstGeom prst="rect">
+            <a:avLst/>
+          </a:prstGeom>
+          <a:noFill/>
+        </p:spPr>
+        <p:txBody>
+          <a:bodyPr wrap="square" lIns="91440" tIns="45720" rIns="91440" bIns="45720">
+            <a:spAutoFit/>
+          </a:bodyPr>
+          <a:lstStyle/>
+          <a:p>
+            <a:pPr algn="ctr"/>
+            <a:r>
+              <a:rPr lang="pt-BR" sz="11500" b="0" cap="none" spc="0" dirty="0">
+                <a:ln w="0"/>
+                <a:solidFill>
+                  <a:schemeClr val="bg1"/>
+                </a:solidFill>
+                <a:effectLst>
+                  <a:outerShdw blurRad="38100" dist="19050" dir="2700000" algn="tl" rotWithShape="0">
+                    <a:schemeClr val="dk1">
+                      <a:alpha val="40000"/>
+                    </a:schemeClr>
+                  </a:outerShdw>
+                </a:effectLst>
+              </a:rPr>
+              <a:t>+</a:t>
+            </a:r>
+          </a:p>
+        </p:txBody>
+      </p:sp>
+      <p:pic>
+        <p:nvPicPr>
+          <p:cNvPr id="7" name="Imagem 6">
+            <a:extLst>
+              <a:ext uri="{FF2B5EF4-FFF2-40B4-BE49-F238E27FC236}">
+                <a16:creationId xmlns:a16="http://schemas.microsoft.com/office/drawing/2014/main" id="{9BCAC857-5F76-4491-AB19-78F9708819F2}"/>
+              </a:ext>
+            </a:extLst>
+          </p:cNvPr>
+          <p:cNvPicPr>
+            <a:picLocks noChangeAspect="1"/>
+          </p:cNvPicPr>
+          <p:nvPr/>
+        </p:nvPicPr>
+        <p:blipFill>
+          <a:blip r:embed="rId4"/>
+          <a:stretch>
+            <a:fillRect/>
+          </a:stretch>
+        </p:blipFill>
+        <p:spPr>
+          <a:xfrm>
+            <a:off x="6314373" y="4440170"/>
+            <a:ext cx="2905827" cy="1683689"/>
+          </a:xfrm>
+          <a:prstGeom prst="rect">
+            <a:avLst/>
+          </a:prstGeom>
+        </p:spPr>
+      </p:pic>
     </p:spTree>
     <p:extLst>
       <p:ext uri="{BB962C8B-B14F-4D97-AF65-F5344CB8AC3E}">
-        <p14:creationId xmlns:p14="http://schemas.microsoft.com/office/powerpoint/2010/main" val="2249702722"/>
+        <p14:creationId xmlns:p14="http://schemas.microsoft.com/office/powerpoint/2010/main" val="1459902950"/>
       </p:ext>
     </p:extLst>
   </p:cSld>
@@ -22202,7 +22152,11 @@
             </a:r>
             <a:r>
               <a:rPr lang="zh-CN" altLang="en-US" dirty="0"/>
-              <a:t>删除集群</a:t>
+              <a:t>查看</a:t>
+            </a:r>
+            <a:r>
+              <a:rPr lang="en-US" altLang="zh-CN" dirty="0"/>
+              <a:t>Pods</a:t>
             </a:r>
             <a:endParaRPr lang="en-GB" dirty="0"/>
           </a:p>
@@ -22404,70 +22358,14 @@
                 <a:latin typeface="Courier New" panose="02070309020205020404" pitchFamily="49" charset="0"/>
                 <a:cs typeface="Courier New" panose="02070309020205020404" pitchFamily="49" charset="0"/>
               </a:rPr>
-              <a:t>az</a:t>
+              <a:t>kubectl</a:t>
             </a:r>
             <a:r>
               <a:rPr lang="en-US" altLang="zh-CN" sz="3200" b="1" dirty="0">
                 <a:latin typeface="Courier New" panose="02070309020205020404" pitchFamily="49" charset="0"/>
                 <a:cs typeface="Courier New" panose="02070309020205020404" pitchFamily="49" charset="0"/>
               </a:rPr>
-              <a:t> </a:t>
-            </a:r>
-            <a:r>
-              <a:rPr lang="en-US" altLang="zh-CN" sz="3200" b="1" dirty="0" err="1">
-                <a:latin typeface="Courier New" panose="02070309020205020404" pitchFamily="49" charset="0"/>
-                <a:cs typeface="Courier New" panose="02070309020205020404" pitchFamily="49" charset="0"/>
-              </a:rPr>
-              <a:t>aks</a:t>
-            </a:r>
-            <a:r>
-              <a:rPr lang="en-US" altLang="zh-CN" sz="3200" b="1" dirty="0">
-                <a:latin typeface="Courier New" panose="02070309020205020404" pitchFamily="49" charset="0"/>
-                <a:cs typeface="Courier New" panose="02070309020205020404" pitchFamily="49" charset="0"/>
-              </a:rPr>
-              <a:t> delete --name </a:t>
-            </a:r>
-            <a:r>
-              <a:rPr lang="en-US" altLang="zh-CN" sz="3200" dirty="0" err="1">
-                <a:latin typeface="Courier New" panose="02070309020205020404" pitchFamily="49" charset="0"/>
-                <a:cs typeface="Courier New" panose="02070309020205020404" pitchFamily="49" charset="0"/>
-              </a:rPr>
-              <a:t>ContagemService</a:t>
-            </a:r>
-            <a:r>
-              <a:rPr lang="en-US" altLang="zh-CN" sz="3200" dirty="0">
-                <a:latin typeface="Courier New" panose="02070309020205020404" pitchFamily="49" charset="0"/>
-                <a:cs typeface="Courier New" panose="02070309020205020404" pitchFamily="49" charset="0"/>
-              </a:rPr>
-              <a:t> </a:t>
-            </a:r>
-            <a:r>
-              <a:rPr lang="en-US" altLang="zh-CN" sz="3200" b="1" dirty="0">
-                <a:latin typeface="Courier New" panose="02070309020205020404" pitchFamily="49" charset="0"/>
-                <a:cs typeface="Courier New" panose="02070309020205020404" pitchFamily="49" charset="0"/>
-              </a:rPr>
-              <a:t>--resource-group </a:t>
-            </a:r>
-            <a:r>
-              <a:rPr lang="en-US" altLang="zh-CN" sz="3200" dirty="0" err="1">
-                <a:latin typeface="Courier New" panose="02070309020205020404" pitchFamily="49" charset="0"/>
-                <a:cs typeface="Courier New" panose="02070309020205020404" pitchFamily="49" charset="0"/>
-              </a:rPr>
-              <a:t>TesteKubernetes</a:t>
-            </a:r>
-            <a:r>
-              <a:rPr lang="en-US" altLang="zh-CN" sz="3200" dirty="0">
-                <a:latin typeface="Courier New" panose="02070309020205020404" pitchFamily="49" charset="0"/>
-                <a:cs typeface="Courier New" panose="02070309020205020404" pitchFamily="49" charset="0"/>
-              </a:rPr>
-              <a:t> </a:t>
-            </a:r>
-            <a:r>
-              <a:rPr lang="en-US" altLang="zh-CN" sz="3200" b="1" dirty="0">
-                <a:latin typeface="Courier New" panose="02070309020205020404" pitchFamily="49" charset="0"/>
-                <a:cs typeface="Courier New" panose="02070309020205020404" pitchFamily="49" charset="0"/>
-              </a:rPr>
-              <a:t>--no-wait </a:t>
+              <a:t> get pods</a:t>
             </a:r>
             <a:endParaRPr lang="pt-BR" altLang="zh-CN" sz="3200" b="1" dirty="0">
               <a:latin typeface="Courier New" panose="02070309020205020404" pitchFamily="49" charset="0"/>
@@ -22476,118 +22374,10 @@
           </a:p>
         </p:txBody>
       </p:sp>
-      <p:pic>
-        <p:nvPicPr>
-          <p:cNvPr id="4" name="Imagem 5">
-            <a:extLst>
-              <a:ext uri="{FF2B5EF4-FFF2-40B4-BE49-F238E27FC236}">
-                <a16:creationId xmlns:a16="http://schemas.microsoft.com/office/drawing/2014/main" id="{B8764DDA-2493-4C1A-9FB6-4094EFE53516}"/>
-              </a:ext>
-            </a:extLst>
-          </p:cNvPr>
-          <p:cNvPicPr>
-            <a:picLocks noChangeAspect="1"/>
-          </p:cNvPicPr>
-          <p:nvPr/>
-        </p:nvPicPr>
-        <p:blipFill>
-          <a:blip r:embed="rId3"/>
-          <a:stretch>
-            <a:fillRect/>
-          </a:stretch>
-        </p:blipFill>
-        <p:spPr>
-          <a:xfrm>
-            <a:off x="2752330" y="4141560"/>
-            <a:ext cx="1910499" cy="1910499"/>
-          </a:xfrm>
-          <a:prstGeom prst="rect">
-            <a:avLst/>
-          </a:prstGeom>
-        </p:spPr>
-      </p:pic>
-      <p:sp>
-        <p:nvSpPr>
-          <p:cNvPr id="5" name="Retângulo 7">
-            <a:extLst>
-              <a:ext uri="{FF2B5EF4-FFF2-40B4-BE49-F238E27FC236}">
-                <a16:creationId xmlns:a16="http://schemas.microsoft.com/office/drawing/2014/main" id="{AB31BC64-983E-45F2-94A5-48511F1D4DDC}"/>
-              </a:ext>
-            </a:extLst>
-          </p:cNvPr>
-          <p:cNvSpPr/>
-          <p:nvPr/>
-        </p:nvSpPr>
-        <p:spPr>
-          <a:xfrm>
-            <a:off x="4662829" y="4082542"/>
-            <a:ext cx="1346180" cy="1862048"/>
-          </a:xfrm>
-          <a:prstGeom prst="rect">
-            <a:avLst/>
-          </a:prstGeom>
-          <a:noFill/>
-        </p:spPr>
-        <p:txBody>
-          <a:bodyPr wrap="square" lIns="91440" tIns="45720" rIns="91440" bIns="45720">
-            <a:spAutoFit/>
-          </a:bodyPr>
-          <a:lstStyle/>
-          <a:p>
-            <a:pPr algn="ctr"/>
-            <a:r>
-              <a:rPr lang="pt-BR" sz="11500" b="0" cap="none" spc="0" dirty="0">
-                <a:ln w="0"/>
-                <a:solidFill>
-                  <a:schemeClr val="bg1"/>
-                </a:solidFill>
-                <a:effectLst>
-                  <a:outerShdw blurRad="38100" dist="19050" dir="2700000" algn="tl" rotWithShape="0">
-                    <a:schemeClr val="dk1">
-                      <a:alpha val="40000"/>
-                    </a:schemeClr>
-                  </a:outerShdw>
-                </a:effectLst>
-              </a:rPr>
-              <a:t>+</a:t>
-            </a:r>
-          </a:p>
-        </p:txBody>
-      </p:sp>
-      <p:pic>
-        <p:nvPicPr>
-          <p:cNvPr id="6" name="Imagem 6">
-            <a:extLst>
-              <a:ext uri="{FF2B5EF4-FFF2-40B4-BE49-F238E27FC236}">
-                <a16:creationId xmlns:a16="http://schemas.microsoft.com/office/drawing/2014/main" id="{18882604-8477-429F-AA98-A5B15142D493}"/>
-              </a:ext>
-            </a:extLst>
-          </p:cNvPr>
-          <p:cNvPicPr>
-            <a:picLocks noChangeAspect="1"/>
-          </p:cNvPicPr>
-          <p:nvPr/>
-        </p:nvPicPr>
-        <p:blipFill>
-          <a:blip r:embed="rId4"/>
-          <a:stretch>
-            <a:fillRect/>
-          </a:stretch>
-        </p:blipFill>
-        <p:spPr>
-          <a:xfrm>
-            <a:off x="5525807" y="4171722"/>
-            <a:ext cx="2905827" cy="1683689"/>
-          </a:xfrm>
-          <a:prstGeom prst="rect">
-            <a:avLst/>
-          </a:prstGeom>
-        </p:spPr>
-      </p:pic>
     </p:spTree>
     <p:extLst>
       <p:ext uri="{BB962C8B-B14F-4D97-AF65-F5344CB8AC3E}">
-        <p14:creationId xmlns:p14="http://schemas.microsoft.com/office/powerpoint/2010/main" val="758325187"/>
+        <p14:creationId xmlns:p14="http://schemas.microsoft.com/office/powerpoint/2010/main" val="2249702722"/>
       </p:ext>
     </p:extLst>
   </p:cSld>
@@ -22649,6 +22439,470 @@
           </a:xfrm>
         </p:spPr>
         <p:txBody>
+          <a:bodyPr/>
+          <a:lstStyle/>
+          <a:p>
+            <a:r>
+              <a:rPr lang="zh-CN" altLang="en-US" dirty="0"/>
+              <a:t>通过 </a:t>
+            </a:r>
+            <a:r>
+              <a:rPr lang="en-US" altLang="zh-CN" dirty="0" err="1"/>
+              <a:t>Kubectl</a:t>
+            </a:r>
+            <a:r>
+              <a:rPr lang="en-US" altLang="zh-CN" dirty="0"/>
+              <a:t> </a:t>
+            </a:r>
+            <a:r>
+              <a:rPr lang="zh-CN" altLang="en-US" dirty="0"/>
+              <a:t>删除集群</a:t>
+            </a:r>
+            <a:endParaRPr lang="en-GB" dirty="0"/>
+          </a:p>
+        </p:txBody>
+      </p:sp>
+      <p:sp>
+        <p:nvSpPr>
+          <p:cNvPr id="10" name="Espaço Reservado para Texto 2">
+            <a:extLst>
+              <a:ext uri="{FF2B5EF4-FFF2-40B4-BE49-F238E27FC236}">
+                <a16:creationId xmlns:a16="http://schemas.microsoft.com/office/drawing/2014/main" id="{D2FE2754-39E9-4CBA-B41C-8B7D1E2302F9}"/>
+              </a:ext>
+            </a:extLst>
+          </p:cNvPr>
+          <p:cNvSpPr txBox="1">
+            <a:spLocks/>
+          </p:cNvSpPr>
+          <p:nvPr/>
+        </p:nvSpPr>
+        <p:spPr>
+          <a:xfrm>
+            <a:off x="452514" y="1992641"/>
+            <a:ext cx="10896599" cy="917575"/>
+          </a:xfrm>
+          <a:prstGeom prst="rect">
+            <a:avLst/>
+          </a:prstGeom>
+        </p:spPr>
+        <p:txBody>
+          <a:bodyPr/>
+          <a:lstStyle>
+            <a:lvl1pPr marL="228600" indent="-228600" algn="l" defTabSz="914400" rtl="0" eaLnBrk="1" latinLnBrk="0" hangingPunct="1">
+              <a:lnSpc>
+                <a:spcPct val="90000"/>
+              </a:lnSpc>
+              <a:spcBef>
+                <a:spcPts val="1000"/>
+              </a:spcBef>
+              <a:buFont typeface="Arial" panose="020B0604020202020204" pitchFamily="34" charset="0"/>
+              <a:buChar char="•"/>
+              <a:defRPr sz="3600" b="0" kern="1200" baseline="0">
+                <a:solidFill>
+                  <a:schemeClr val="bg1"/>
+                </a:solidFill>
+                <a:latin typeface="Microsoft YaHei" panose="020B0503020204020204" pitchFamily="34" charset="-122"/>
+                <a:ea typeface="+mn-ea"/>
+                <a:cs typeface="+mn-cs"/>
+              </a:defRPr>
+            </a:lvl1pPr>
+            <a:lvl2pPr marL="685800" indent="-228600" algn="l" defTabSz="914400" rtl="0" eaLnBrk="1" latinLnBrk="0" hangingPunct="1">
+              <a:lnSpc>
+                <a:spcPct val="90000"/>
+              </a:lnSpc>
+              <a:spcBef>
+                <a:spcPts val="500"/>
+              </a:spcBef>
+              <a:buFont typeface="Arial" panose="020B0604020202020204" pitchFamily="34" charset="0"/>
+              <a:buChar char="•"/>
+              <a:defRPr sz="3200" kern="1200" baseline="0">
+                <a:solidFill>
+                  <a:schemeClr val="bg1"/>
+                </a:solidFill>
+                <a:latin typeface="Microsoft YaHei" panose="020B0503020204020204" pitchFamily="34" charset="-122"/>
+                <a:ea typeface="+mn-ea"/>
+                <a:cs typeface="+mn-cs"/>
+              </a:defRPr>
+            </a:lvl2pPr>
+            <a:lvl3pPr marL="1143000" indent="-228600" algn="l" defTabSz="914400" rtl="0" eaLnBrk="1" latinLnBrk="0" hangingPunct="1">
+              <a:lnSpc>
+                <a:spcPct val="90000"/>
+              </a:lnSpc>
+              <a:spcBef>
+                <a:spcPts val="500"/>
+              </a:spcBef>
+              <a:buFont typeface="Arial" panose="020B0604020202020204" pitchFamily="34" charset="0"/>
+              <a:buChar char="•"/>
+              <a:defRPr sz="2800" kern="1200" baseline="0">
+                <a:solidFill>
+                  <a:schemeClr val="bg1"/>
+                </a:solidFill>
+                <a:latin typeface="Microsoft YaHei" panose="020B0503020204020204" pitchFamily="34" charset="-122"/>
+                <a:ea typeface="+mn-ea"/>
+                <a:cs typeface="+mn-cs"/>
+              </a:defRPr>
+            </a:lvl3pPr>
+            <a:lvl4pPr marL="1600200" indent="-228600" algn="l" defTabSz="914400" rtl="0" eaLnBrk="1" latinLnBrk="0" hangingPunct="1">
+              <a:lnSpc>
+                <a:spcPct val="90000"/>
+              </a:lnSpc>
+              <a:spcBef>
+                <a:spcPts val="500"/>
+              </a:spcBef>
+              <a:buFont typeface="Arial" panose="020B0604020202020204" pitchFamily="34" charset="0"/>
+              <a:buChar char="•"/>
+              <a:defRPr sz="2400" kern="1200" baseline="0">
+                <a:solidFill>
+                  <a:schemeClr val="bg1"/>
+                </a:solidFill>
+                <a:latin typeface="Microsoft YaHei" panose="020B0503020204020204" pitchFamily="34" charset="-122"/>
+                <a:ea typeface="+mn-ea"/>
+                <a:cs typeface="+mn-cs"/>
+              </a:defRPr>
+            </a:lvl4pPr>
+            <a:lvl5pPr marL="2057400" indent="-228600" algn="l" defTabSz="914400" rtl="0" eaLnBrk="1" latinLnBrk="0" hangingPunct="1">
+              <a:lnSpc>
+                <a:spcPct val="90000"/>
+              </a:lnSpc>
+              <a:spcBef>
+                <a:spcPts val="500"/>
+              </a:spcBef>
+              <a:buFont typeface="Arial" panose="020B0604020202020204" pitchFamily="34" charset="0"/>
+              <a:buChar char="•"/>
+              <a:defRPr sz="2400" kern="1200" baseline="0">
+                <a:solidFill>
+                  <a:schemeClr val="bg1"/>
+                </a:solidFill>
+                <a:latin typeface="Microsoft YaHei" panose="020B0503020204020204" pitchFamily="34" charset="-122"/>
+                <a:ea typeface="+mn-ea"/>
+                <a:cs typeface="+mn-cs"/>
+              </a:defRPr>
+            </a:lvl5pPr>
+            <a:lvl6pPr marL="2514600" indent="-228600" algn="l" defTabSz="914400" rtl="0" eaLnBrk="1" latinLnBrk="0" hangingPunct="1">
+              <a:lnSpc>
+                <a:spcPct val="90000"/>
+              </a:lnSpc>
+              <a:spcBef>
+                <a:spcPts val="500"/>
+              </a:spcBef>
+              <a:buFont typeface="Arial" panose="020B0604020202020204" pitchFamily="34" charset="0"/>
+              <a:buChar char="•"/>
+              <a:defRPr sz="1800" kern="1200">
+                <a:solidFill>
+                  <a:schemeClr val="tx1"/>
+                </a:solidFill>
+                <a:latin typeface="+mn-lt"/>
+                <a:ea typeface="+mn-ea"/>
+                <a:cs typeface="+mn-cs"/>
+              </a:defRPr>
+            </a:lvl6pPr>
+            <a:lvl7pPr marL="2971800" indent="-228600" algn="l" defTabSz="914400" rtl="0" eaLnBrk="1" latinLnBrk="0" hangingPunct="1">
+              <a:lnSpc>
+                <a:spcPct val="90000"/>
+              </a:lnSpc>
+              <a:spcBef>
+                <a:spcPts val="500"/>
+              </a:spcBef>
+              <a:buFont typeface="Arial" panose="020B0604020202020204" pitchFamily="34" charset="0"/>
+              <a:buChar char="•"/>
+              <a:defRPr sz="1800" kern="1200">
+                <a:solidFill>
+                  <a:schemeClr val="tx1"/>
+                </a:solidFill>
+                <a:latin typeface="+mn-lt"/>
+                <a:ea typeface="+mn-ea"/>
+                <a:cs typeface="+mn-cs"/>
+              </a:defRPr>
+            </a:lvl7pPr>
+            <a:lvl8pPr marL="3429000" indent="-228600" algn="l" defTabSz="914400" rtl="0" eaLnBrk="1" latinLnBrk="0" hangingPunct="1">
+              <a:lnSpc>
+                <a:spcPct val="90000"/>
+              </a:lnSpc>
+              <a:spcBef>
+                <a:spcPts val="500"/>
+              </a:spcBef>
+              <a:buFont typeface="Arial" panose="020B0604020202020204" pitchFamily="34" charset="0"/>
+              <a:buChar char="•"/>
+              <a:defRPr sz="1800" kern="1200">
+                <a:solidFill>
+                  <a:schemeClr val="tx1"/>
+                </a:solidFill>
+                <a:latin typeface="+mn-lt"/>
+                <a:ea typeface="+mn-ea"/>
+                <a:cs typeface="+mn-cs"/>
+              </a:defRPr>
+            </a:lvl8pPr>
+            <a:lvl9pPr marL="3886200" indent="-228600" algn="l" defTabSz="914400" rtl="0" eaLnBrk="1" latinLnBrk="0" hangingPunct="1">
+              <a:lnSpc>
+                <a:spcPct val="90000"/>
+              </a:lnSpc>
+              <a:spcBef>
+                <a:spcPts val="500"/>
+              </a:spcBef>
+              <a:buFont typeface="Arial" panose="020B0604020202020204" pitchFamily="34" charset="0"/>
+              <a:buChar char="•"/>
+              <a:defRPr sz="1800" kern="1200">
+                <a:solidFill>
+                  <a:schemeClr val="tx1"/>
+                </a:solidFill>
+                <a:latin typeface="+mn-lt"/>
+                <a:ea typeface="+mn-ea"/>
+                <a:cs typeface="+mn-cs"/>
+              </a:defRPr>
+            </a:lvl9pPr>
+          </a:lstStyle>
+          <a:p>
+            <a:pPr algn="ctr"/>
+            <a:r>
+              <a:rPr lang="en-US" altLang="zh-CN" sz="3200" b="1" dirty="0" err="1">
+                <a:latin typeface="Courier New" panose="02070309020205020404" pitchFamily="49" charset="0"/>
+                <a:cs typeface="Courier New" panose="02070309020205020404" pitchFamily="49" charset="0"/>
+              </a:rPr>
+              <a:t>az</a:t>
+            </a:r>
+            <a:r>
+              <a:rPr lang="en-US" altLang="zh-CN" sz="3200" b="1" dirty="0">
+                <a:latin typeface="Courier New" panose="02070309020205020404" pitchFamily="49" charset="0"/>
+                <a:cs typeface="Courier New" panose="02070309020205020404" pitchFamily="49" charset="0"/>
+              </a:rPr>
+              <a:t> </a:t>
+            </a:r>
+            <a:r>
+              <a:rPr lang="en-US" altLang="zh-CN" sz="3200" b="1" dirty="0" err="1">
+                <a:latin typeface="Courier New" panose="02070309020205020404" pitchFamily="49" charset="0"/>
+                <a:cs typeface="Courier New" panose="02070309020205020404" pitchFamily="49" charset="0"/>
+              </a:rPr>
+              <a:t>aks</a:t>
+            </a:r>
+            <a:r>
+              <a:rPr lang="en-US" altLang="zh-CN" sz="3200" b="1" dirty="0">
+                <a:latin typeface="Courier New" panose="02070309020205020404" pitchFamily="49" charset="0"/>
+                <a:cs typeface="Courier New" panose="02070309020205020404" pitchFamily="49" charset="0"/>
+              </a:rPr>
+              <a:t> delete --name </a:t>
+            </a:r>
+            <a:r>
+              <a:rPr lang="en-US" altLang="zh-CN" sz="3200" dirty="0" err="1">
+                <a:latin typeface="Courier New" panose="02070309020205020404" pitchFamily="49" charset="0"/>
+                <a:cs typeface="Courier New" panose="02070309020205020404" pitchFamily="49" charset="0"/>
+              </a:rPr>
+              <a:t>ContagemService</a:t>
+            </a:r>
+            <a:r>
+              <a:rPr lang="en-US" altLang="zh-CN" sz="3200" dirty="0">
+                <a:latin typeface="Courier New" panose="02070309020205020404" pitchFamily="49" charset="0"/>
+                <a:cs typeface="Courier New" panose="02070309020205020404" pitchFamily="49" charset="0"/>
+              </a:rPr>
+              <a:t> </a:t>
+            </a:r>
+            <a:r>
+              <a:rPr lang="en-US" altLang="zh-CN" sz="3200" b="1" dirty="0">
+                <a:latin typeface="Courier New" panose="02070309020205020404" pitchFamily="49" charset="0"/>
+                <a:cs typeface="Courier New" panose="02070309020205020404" pitchFamily="49" charset="0"/>
+              </a:rPr>
+              <a:t>--resource-group </a:t>
+            </a:r>
+            <a:r>
+              <a:rPr lang="en-US" altLang="zh-CN" sz="3200" dirty="0" err="1">
+                <a:latin typeface="Courier New" panose="02070309020205020404" pitchFamily="49" charset="0"/>
+                <a:cs typeface="Courier New" panose="02070309020205020404" pitchFamily="49" charset="0"/>
+              </a:rPr>
+              <a:t>TesteKubernetes</a:t>
+            </a:r>
+            <a:r>
+              <a:rPr lang="en-US" altLang="zh-CN" sz="3200" dirty="0">
+                <a:latin typeface="Courier New" panose="02070309020205020404" pitchFamily="49" charset="0"/>
+                <a:cs typeface="Courier New" panose="02070309020205020404" pitchFamily="49" charset="0"/>
+              </a:rPr>
+              <a:t> </a:t>
+            </a:r>
+            <a:r>
+              <a:rPr lang="en-US" altLang="zh-CN" sz="3200" b="1" dirty="0">
+                <a:latin typeface="Courier New" panose="02070309020205020404" pitchFamily="49" charset="0"/>
+                <a:cs typeface="Courier New" panose="02070309020205020404" pitchFamily="49" charset="0"/>
+              </a:rPr>
+              <a:t>--no-wait </a:t>
+            </a:r>
+            <a:endParaRPr lang="pt-BR" altLang="zh-CN" sz="3200" b="1" dirty="0">
+              <a:latin typeface="Courier New" panose="02070309020205020404" pitchFamily="49" charset="0"/>
+              <a:cs typeface="Courier New" panose="02070309020205020404" pitchFamily="49" charset="0"/>
+            </a:endParaRPr>
+          </a:p>
+        </p:txBody>
+      </p:sp>
+      <p:pic>
+        <p:nvPicPr>
+          <p:cNvPr id="4" name="Imagem 5">
+            <a:extLst>
+              <a:ext uri="{FF2B5EF4-FFF2-40B4-BE49-F238E27FC236}">
+                <a16:creationId xmlns:a16="http://schemas.microsoft.com/office/drawing/2014/main" id="{B8764DDA-2493-4C1A-9FB6-4094EFE53516}"/>
+              </a:ext>
+            </a:extLst>
+          </p:cNvPr>
+          <p:cNvPicPr>
+            <a:picLocks noChangeAspect="1"/>
+          </p:cNvPicPr>
+          <p:nvPr/>
+        </p:nvPicPr>
+        <p:blipFill>
+          <a:blip r:embed="rId3"/>
+          <a:stretch>
+            <a:fillRect/>
+          </a:stretch>
+        </p:blipFill>
+        <p:spPr>
+          <a:xfrm>
+            <a:off x="2752330" y="4141560"/>
+            <a:ext cx="1910499" cy="1910499"/>
+          </a:xfrm>
+          <a:prstGeom prst="rect">
+            <a:avLst/>
+          </a:prstGeom>
+        </p:spPr>
+      </p:pic>
+      <p:sp>
+        <p:nvSpPr>
+          <p:cNvPr id="5" name="Retângulo 7">
+            <a:extLst>
+              <a:ext uri="{FF2B5EF4-FFF2-40B4-BE49-F238E27FC236}">
+                <a16:creationId xmlns:a16="http://schemas.microsoft.com/office/drawing/2014/main" id="{AB31BC64-983E-45F2-94A5-48511F1D4DDC}"/>
+              </a:ext>
+            </a:extLst>
+          </p:cNvPr>
+          <p:cNvSpPr/>
+          <p:nvPr/>
+        </p:nvSpPr>
+        <p:spPr>
+          <a:xfrm>
+            <a:off x="4662829" y="4082542"/>
+            <a:ext cx="1346180" cy="1862048"/>
+          </a:xfrm>
+          <a:prstGeom prst="rect">
+            <a:avLst/>
+          </a:prstGeom>
+          <a:noFill/>
+        </p:spPr>
+        <p:txBody>
+          <a:bodyPr wrap="square" lIns="91440" tIns="45720" rIns="91440" bIns="45720">
+            <a:spAutoFit/>
+          </a:bodyPr>
+          <a:lstStyle/>
+          <a:p>
+            <a:pPr algn="ctr"/>
+            <a:r>
+              <a:rPr lang="pt-BR" sz="11500" b="0" cap="none" spc="0" dirty="0">
+                <a:ln w="0"/>
+                <a:solidFill>
+                  <a:schemeClr val="bg1"/>
+                </a:solidFill>
+                <a:effectLst>
+                  <a:outerShdw blurRad="38100" dist="19050" dir="2700000" algn="tl" rotWithShape="0">
+                    <a:schemeClr val="dk1">
+                      <a:alpha val="40000"/>
+                    </a:schemeClr>
+                  </a:outerShdw>
+                </a:effectLst>
+              </a:rPr>
+              <a:t>+</a:t>
+            </a:r>
+          </a:p>
+        </p:txBody>
+      </p:sp>
+      <p:pic>
+        <p:nvPicPr>
+          <p:cNvPr id="6" name="Imagem 6">
+            <a:extLst>
+              <a:ext uri="{FF2B5EF4-FFF2-40B4-BE49-F238E27FC236}">
+                <a16:creationId xmlns:a16="http://schemas.microsoft.com/office/drawing/2014/main" id="{18882604-8477-429F-AA98-A5B15142D493}"/>
+              </a:ext>
+            </a:extLst>
+          </p:cNvPr>
+          <p:cNvPicPr>
+            <a:picLocks noChangeAspect="1"/>
+          </p:cNvPicPr>
+          <p:nvPr/>
+        </p:nvPicPr>
+        <p:blipFill>
+          <a:blip r:embed="rId4"/>
+          <a:stretch>
+            <a:fillRect/>
+          </a:stretch>
+        </p:blipFill>
+        <p:spPr>
+          <a:xfrm>
+            <a:off x="5525807" y="4171722"/>
+            <a:ext cx="2905827" cy="1683689"/>
+          </a:xfrm>
+          <a:prstGeom prst="rect">
+            <a:avLst/>
+          </a:prstGeom>
+        </p:spPr>
+      </p:pic>
+    </p:spTree>
+    <p:extLst>
+      <p:ext uri="{BB962C8B-B14F-4D97-AF65-F5344CB8AC3E}">
+        <p14:creationId xmlns:p14="http://schemas.microsoft.com/office/powerpoint/2010/main" val="758325187"/>
+      </p:ext>
+    </p:extLst>
+  </p:cSld>
+  <p:clrMapOvr>
+    <a:masterClrMapping/>
+  </p:clrMapOvr>
+  <mc:AlternateContent xmlns:mc="http://schemas.openxmlformats.org/markup-compatibility/2006" xmlns:p14="http://schemas.microsoft.com/office/powerpoint/2010/main">
+    <mc:Choice Requires="p14">
+      <p:transition spd="med" p14:dur="700">
+        <p:fade/>
+      </p:transition>
+    </mc:Choice>
+    <mc:Fallback xmlns="">
+      <p:transition spd="med">
+        <p:fade/>
+      </p:transition>
+    </mc:Fallback>
+  </mc:AlternateContent>
+</p:sld>
+</file>
+
+<file path=ppt/slides/slide48.xml><?xml version="1.0" encoding="utf-8"?>
+<p:sld xmlns:a="http://schemas.openxmlformats.org/drawingml/2006/main" xmlns:r="http://schemas.openxmlformats.org/officeDocument/2006/relationships" xmlns:p="http://schemas.openxmlformats.org/presentationml/2006/main">
+  <p:cSld>
+    <p:spTree>
+      <p:nvGrpSpPr>
+        <p:cNvPr id="1" name=""/>
+        <p:cNvGrpSpPr/>
+        <p:nvPr/>
+      </p:nvGrpSpPr>
+      <p:grpSpPr>
+        <a:xfrm>
+          <a:off x="0" y="0"/>
+          <a:ext cx="0" cy="0"/>
+          <a:chOff x="0" y="0"/>
+          <a:chExt cx="0" cy="0"/>
+        </a:xfrm>
+      </p:grpSpPr>
+      <p:sp>
+        <p:nvSpPr>
+          <p:cNvPr id="2" name="Title 1">
+            <a:extLst>
+              <a:ext uri="{FF2B5EF4-FFF2-40B4-BE49-F238E27FC236}">
+                <a16:creationId xmlns:a16="http://schemas.microsoft.com/office/drawing/2014/main" id="{C118C554-925A-4676-9481-7505FE41C531}"/>
+              </a:ext>
+            </a:extLst>
+          </p:cNvPr>
+          <p:cNvSpPr>
+            <a:spLocks noGrp="1"/>
+          </p:cNvSpPr>
+          <p:nvPr>
+            <p:ph type="title"/>
+          </p:nvPr>
+        </p:nvSpPr>
+        <p:spPr>
+          <a:xfrm>
+            <a:off x="452514" y="330325"/>
+            <a:ext cx="11079822" cy="957600"/>
+          </a:xfrm>
+        </p:spPr>
+        <p:txBody>
           <a:bodyPr>
             <a:normAutofit/>
           </a:bodyPr>
@@ -22720,7 +22974,7 @@
 </p:sld>
 </file>
 
-<file path=ppt/slides/slide48.xml><?xml version="1.0" encoding="utf-8"?>
+<file path=ppt/slides/slide49.xml><?xml version="1.0" encoding="utf-8"?>
 <p:sld xmlns:a="http://schemas.openxmlformats.org/drawingml/2006/main" xmlns:r="http://schemas.openxmlformats.org/officeDocument/2006/relationships" xmlns:p="http://schemas.openxmlformats.org/presentationml/2006/main">
   <p:cSld>
     <p:spTree>
@@ -23539,203 +23793,6 @@
 </p:sld>
 </file>
 
-<file path=ppt/slides/slide49.xml><?xml version="1.0" encoding="utf-8"?>
-<p:sld xmlns:a="http://schemas.openxmlformats.org/drawingml/2006/main" xmlns:r="http://schemas.openxmlformats.org/officeDocument/2006/relationships" xmlns:p="http://schemas.openxmlformats.org/presentationml/2006/main">
-  <p:cSld>
-    <p:spTree>
-      <p:nvGrpSpPr>
-        <p:cNvPr id="1" name=""/>
-        <p:cNvGrpSpPr/>
-        <p:nvPr/>
-      </p:nvGrpSpPr>
-      <p:grpSpPr>
-        <a:xfrm>
-          <a:off x="0" y="0"/>
-          <a:ext cx="0" cy="0"/>
-          <a:chOff x="0" y="0"/>
-          <a:chExt cx="0" cy="0"/>
-        </a:xfrm>
-      </p:grpSpPr>
-      <p:sp>
-        <p:nvSpPr>
-          <p:cNvPr id="2" name="Title 1">
-            <a:extLst>
-              <a:ext uri="{FF2B5EF4-FFF2-40B4-BE49-F238E27FC236}">
-                <a16:creationId xmlns:a16="http://schemas.microsoft.com/office/drawing/2014/main" id="{C977F7A1-6F3A-4582-B2DB-728D73B7D0DB}"/>
-              </a:ext>
-            </a:extLst>
-          </p:cNvPr>
-          <p:cNvSpPr>
-            <a:spLocks noGrp="1"/>
-          </p:cNvSpPr>
-          <p:nvPr>
-            <p:ph type="title"/>
-          </p:nvPr>
-        </p:nvSpPr>
-        <p:spPr/>
-        <p:txBody>
-          <a:bodyPr/>
-          <a:lstStyle/>
-          <a:p>
-            <a:r>
-              <a:rPr lang="zh-CN" altLang="en-US" dirty="0"/>
-              <a:t>回顾</a:t>
-            </a:r>
-            <a:r>
-              <a:rPr lang="en-GB" dirty="0"/>
-              <a:t> – On Azure</a:t>
-            </a:r>
-          </a:p>
-        </p:txBody>
-      </p:sp>
-      <p:sp>
-        <p:nvSpPr>
-          <p:cNvPr id="3" name="Content Placeholder 2">
-            <a:extLst>
-              <a:ext uri="{FF2B5EF4-FFF2-40B4-BE49-F238E27FC236}">
-                <a16:creationId xmlns:a16="http://schemas.microsoft.com/office/drawing/2014/main" id="{37DF0B99-630E-4454-859F-33A800A48EB5}"/>
-              </a:ext>
-            </a:extLst>
-          </p:cNvPr>
-          <p:cNvSpPr>
-            <a:spLocks noGrp="1"/>
-          </p:cNvSpPr>
-          <p:nvPr>
-            <p:ph idx="1"/>
-          </p:nvPr>
-        </p:nvSpPr>
-        <p:spPr>
-          <a:xfrm>
-            <a:off x="1341120" y="1299955"/>
-            <a:ext cx="9509760" cy="5227290"/>
-          </a:xfrm>
-        </p:spPr>
-        <p:txBody>
-          <a:bodyPr>
-            <a:normAutofit fontScale="70000" lnSpcReduction="20000"/>
-          </a:bodyPr>
-          <a:lstStyle/>
-          <a:p>
-            <a:r>
-              <a:rPr lang="en-GB" b="1" dirty="0"/>
-              <a:t>Azure Container Registry</a:t>
-            </a:r>
-          </a:p>
-          <a:p>
-            <a:pPr lvl="1"/>
-            <a:r>
-              <a:rPr lang="it-IT" dirty="0"/>
-              <a:t>Our private repository where we can store Docker images</a:t>
-            </a:r>
-          </a:p>
-          <a:p>
-            <a:pPr lvl="1"/>
-            <a:r>
-              <a:rPr lang="it-IT" dirty="0">
-                <a:latin typeface="Consolas" panose="020B0609020204030204" pitchFamily="49" charset="0"/>
-              </a:rPr>
-              <a:t>docker login myregistry.azurecr.io</a:t>
-            </a:r>
-          </a:p>
-          <a:p>
-            <a:r>
-              <a:rPr lang="it-IT" b="1" dirty="0"/>
-              <a:t>Azure Web App for Containers</a:t>
-            </a:r>
-          </a:p>
-          <a:p>
-            <a:pPr lvl="1"/>
-            <a:r>
-              <a:rPr lang="it-IT" dirty="0"/>
-              <a:t>They can run only one container at a time</a:t>
-            </a:r>
-          </a:p>
-          <a:p>
-            <a:pPr lvl="1"/>
-            <a:r>
-              <a:rPr lang="it-IT" dirty="0"/>
-              <a:t>Sort of CD supported via Azure Container Registry and web hooks</a:t>
-            </a:r>
-          </a:p>
-          <a:p>
-            <a:r>
-              <a:rPr lang="it-IT" b="1" dirty="0"/>
-              <a:t>Azure Container Service (AKS)</a:t>
-            </a:r>
-          </a:p>
-          <a:p>
-            <a:pPr lvl="1"/>
-            <a:r>
-              <a:rPr lang="it-IT" dirty="0"/>
-              <a:t>Fully managed orchestrator</a:t>
-            </a:r>
-          </a:p>
-          <a:p>
-            <a:pPr lvl="1"/>
-            <a:r>
-              <a:rPr lang="it-IT" dirty="0"/>
-              <a:t>Based on Kubernetes</a:t>
-            </a:r>
-          </a:p>
-          <a:p>
-            <a:pPr lvl="1"/>
-            <a:r>
-              <a:rPr lang="it-IT" dirty="0">
-                <a:hlinkClick r:id="rId3"/>
-              </a:rPr>
-              <a:t>https://docs.microsoft.com/en-us/azure/aks/</a:t>
-            </a:r>
-            <a:endParaRPr lang="it-IT" dirty="0"/>
-          </a:p>
-          <a:p>
-            <a:r>
-              <a:rPr lang="it-IT" b="1" dirty="0"/>
-              <a:t>Container monitoring solution</a:t>
-            </a:r>
-          </a:p>
-          <a:p>
-            <a:pPr lvl="1"/>
-            <a:r>
-              <a:rPr lang="it-IT" dirty="0"/>
-              <a:t>Based on Azure LogAnalytics</a:t>
-            </a:r>
-          </a:p>
-          <a:p>
-            <a:pPr lvl="1"/>
-            <a:r>
-              <a:rPr lang="it-IT" dirty="0"/>
-              <a:t>Uses a DaemonSet to track cluster events</a:t>
-            </a:r>
-          </a:p>
-          <a:p>
-            <a:pPr lvl="1"/>
-            <a:r>
-              <a:rPr lang="it-IT" dirty="0">
-                <a:hlinkClick r:id="rId4"/>
-              </a:rPr>
-              <a:t>https://docs.microsoft.com/en-us/azure/log-analytics/log-analytics-containers</a:t>
-            </a:r>
-            <a:endParaRPr lang="it-IT" dirty="0"/>
-          </a:p>
-          <a:p>
-            <a:pPr lvl="1"/>
-            <a:endParaRPr lang="it-IT" dirty="0"/>
-          </a:p>
-        </p:txBody>
-      </p:sp>
-    </p:spTree>
-    <p:extLst>
-      <p:ext uri="{BB962C8B-B14F-4D97-AF65-F5344CB8AC3E}">
-        <p14:creationId xmlns:p14="http://schemas.microsoft.com/office/powerpoint/2010/main" val="2776154256"/>
-      </p:ext>
-    </p:extLst>
-  </p:cSld>
-  <p:clrMapOvr>
-    <a:masterClrMapping/>
-  </p:clrMapOvr>
-</p:sld>
-</file>
-
 <file path=ppt/slides/slide5.xml><?xml version="1.0" encoding="utf-8"?>
 <p:sld xmlns:a="http://schemas.openxmlformats.org/drawingml/2006/main" xmlns:r="http://schemas.openxmlformats.org/officeDocument/2006/relationships" xmlns:p="http://schemas.openxmlformats.org/presentationml/2006/main">
   <p:cSld>
@@ -23957,6 +24014,203 @@
 </file>
 
 <file path=ppt/slides/slide50.xml><?xml version="1.0" encoding="utf-8"?>
+<p:sld xmlns:a="http://schemas.openxmlformats.org/drawingml/2006/main" xmlns:r="http://schemas.openxmlformats.org/officeDocument/2006/relationships" xmlns:p="http://schemas.openxmlformats.org/presentationml/2006/main">
+  <p:cSld>
+    <p:spTree>
+      <p:nvGrpSpPr>
+        <p:cNvPr id="1" name=""/>
+        <p:cNvGrpSpPr/>
+        <p:nvPr/>
+      </p:nvGrpSpPr>
+      <p:grpSpPr>
+        <a:xfrm>
+          <a:off x="0" y="0"/>
+          <a:ext cx="0" cy="0"/>
+          <a:chOff x="0" y="0"/>
+          <a:chExt cx="0" cy="0"/>
+        </a:xfrm>
+      </p:grpSpPr>
+      <p:sp>
+        <p:nvSpPr>
+          <p:cNvPr id="2" name="Title 1">
+            <a:extLst>
+              <a:ext uri="{FF2B5EF4-FFF2-40B4-BE49-F238E27FC236}">
+                <a16:creationId xmlns:a16="http://schemas.microsoft.com/office/drawing/2014/main" id="{C977F7A1-6F3A-4582-B2DB-728D73B7D0DB}"/>
+              </a:ext>
+            </a:extLst>
+          </p:cNvPr>
+          <p:cNvSpPr>
+            <a:spLocks noGrp="1"/>
+          </p:cNvSpPr>
+          <p:nvPr>
+            <p:ph type="title"/>
+          </p:nvPr>
+        </p:nvSpPr>
+        <p:spPr/>
+        <p:txBody>
+          <a:bodyPr/>
+          <a:lstStyle/>
+          <a:p>
+            <a:r>
+              <a:rPr lang="zh-CN" altLang="en-US" dirty="0"/>
+              <a:t>回顾</a:t>
+            </a:r>
+            <a:r>
+              <a:rPr lang="en-GB" dirty="0"/>
+              <a:t> – On Azure</a:t>
+            </a:r>
+          </a:p>
+        </p:txBody>
+      </p:sp>
+      <p:sp>
+        <p:nvSpPr>
+          <p:cNvPr id="3" name="Content Placeholder 2">
+            <a:extLst>
+              <a:ext uri="{FF2B5EF4-FFF2-40B4-BE49-F238E27FC236}">
+                <a16:creationId xmlns:a16="http://schemas.microsoft.com/office/drawing/2014/main" id="{37DF0B99-630E-4454-859F-33A800A48EB5}"/>
+              </a:ext>
+            </a:extLst>
+          </p:cNvPr>
+          <p:cNvSpPr>
+            <a:spLocks noGrp="1"/>
+          </p:cNvSpPr>
+          <p:nvPr>
+            <p:ph idx="1"/>
+          </p:nvPr>
+        </p:nvSpPr>
+        <p:spPr>
+          <a:xfrm>
+            <a:off x="1341120" y="1299955"/>
+            <a:ext cx="9509760" cy="5227290"/>
+          </a:xfrm>
+        </p:spPr>
+        <p:txBody>
+          <a:bodyPr>
+            <a:normAutofit fontScale="70000" lnSpcReduction="20000"/>
+          </a:bodyPr>
+          <a:lstStyle/>
+          <a:p>
+            <a:r>
+              <a:rPr lang="en-GB" b="1" dirty="0"/>
+              <a:t>Azure Container Registry</a:t>
+            </a:r>
+          </a:p>
+          <a:p>
+            <a:pPr lvl="1"/>
+            <a:r>
+              <a:rPr lang="it-IT" dirty="0"/>
+              <a:t>Our private repository where we can store Docker images</a:t>
+            </a:r>
+          </a:p>
+          <a:p>
+            <a:pPr lvl="1"/>
+            <a:r>
+              <a:rPr lang="it-IT" dirty="0">
+                <a:latin typeface="Consolas" panose="020B0609020204030204" pitchFamily="49" charset="0"/>
+              </a:rPr>
+              <a:t>docker login myregistry.azurecr.io</a:t>
+            </a:r>
+          </a:p>
+          <a:p>
+            <a:r>
+              <a:rPr lang="it-IT" b="1" dirty="0"/>
+              <a:t>Azure Web App for Containers</a:t>
+            </a:r>
+          </a:p>
+          <a:p>
+            <a:pPr lvl="1"/>
+            <a:r>
+              <a:rPr lang="it-IT" dirty="0"/>
+              <a:t>They can run only one container at a time</a:t>
+            </a:r>
+          </a:p>
+          <a:p>
+            <a:pPr lvl="1"/>
+            <a:r>
+              <a:rPr lang="it-IT" dirty="0"/>
+              <a:t>Sort of CD supported via Azure Container Registry and web hooks</a:t>
+            </a:r>
+          </a:p>
+          <a:p>
+            <a:r>
+              <a:rPr lang="it-IT" b="1" dirty="0"/>
+              <a:t>Azure Container Service (AKS)</a:t>
+            </a:r>
+          </a:p>
+          <a:p>
+            <a:pPr lvl="1"/>
+            <a:r>
+              <a:rPr lang="it-IT" dirty="0"/>
+              <a:t>Fully managed orchestrator</a:t>
+            </a:r>
+          </a:p>
+          <a:p>
+            <a:pPr lvl="1"/>
+            <a:r>
+              <a:rPr lang="it-IT" dirty="0"/>
+              <a:t>Based on Kubernetes</a:t>
+            </a:r>
+          </a:p>
+          <a:p>
+            <a:pPr lvl="1"/>
+            <a:r>
+              <a:rPr lang="it-IT" dirty="0">
+                <a:hlinkClick r:id="rId3"/>
+              </a:rPr>
+              <a:t>https://docs.microsoft.com/en-us/azure/aks/</a:t>
+            </a:r>
+            <a:endParaRPr lang="it-IT" dirty="0"/>
+          </a:p>
+          <a:p>
+            <a:r>
+              <a:rPr lang="it-IT" b="1" dirty="0"/>
+              <a:t>Container monitoring solution</a:t>
+            </a:r>
+          </a:p>
+          <a:p>
+            <a:pPr lvl="1"/>
+            <a:r>
+              <a:rPr lang="it-IT" dirty="0"/>
+              <a:t>Based on Azure LogAnalytics</a:t>
+            </a:r>
+          </a:p>
+          <a:p>
+            <a:pPr lvl="1"/>
+            <a:r>
+              <a:rPr lang="it-IT" dirty="0"/>
+              <a:t>Uses a DaemonSet to track cluster events</a:t>
+            </a:r>
+          </a:p>
+          <a:p>
+            <a:pPr lvl="1"/>
+            <a:r>
+              <a:rPr lang="it-IT" dirty="0">
+                <a:hlinkClick r:id="rId4"/>
+              </a:rPr>
+              <a:t>https://docs.microsoft.com/en-us/azure/log-analytics/log-analytics-containers</a:t>
+            </a:r>
+            <a:endParaRPr lang="it-IT" dirty="0"/>
+          </a:p>
+          <a:p>
+            <a:pPr lvl="1"/>
+            <a:endParaRPr lang="it-IT" dirty="0"/>
+          </a:p>
+        </p:txBody>
+      </p:sp>
+    </p:spTree>
+    <p:extLst>
+      <p:ext uri="{BB962C8B-B14F-4D97-AF65-F5344CB8AC3E}">
+        <p14:creationId xmlns:p14="http://schemas.microsoft.com/office/powerpoint/2010/main" val="2776154256"/>
+      </p:ext>
+    </p:extLst>
+  </p:cSld>
+  <p:clrMapOvr>
+    <a:masterClrMapping/>
+  </p:clrMapOvr>
+</p:sld>
+</file>
+
+<file path=ppt/slides/slide51.xml><?xml version="1.0" encoding="utf-8"?>
 <p:sld xmlns:a="http://schemas.openxmlformats.org/drawingml/2006/main" xmlns:r="http://schemas.openxmlformats.org/officeDocument/2006/relationships" xmlns:p="http://schemas.openxmlformats.org/presentationml/2006/main">
   <p:cSld>
     <p:spTree>
@@ -24473,7 +24727,7 @@
 </p:sld>
 </file>
 
-<file path=ppt/slides/slide51.xml><?xml version="1.0" encoding="utf-8"?>
+<file path=ppt/slides/slide52.xml><?xml version="1.0" encoding="utf-8"?>
 <p:sld xmlns:a="http://schemas.openxmlformats.org/drawingml/2006/main" xmlns:r="http://schemas.openxmlformats.org/officeDocument/2006/relationships" xmlns:p="http://schemas.openxmlformats.org/presentationml/2006/main">
   <p:cSld>
     <p:spTree>
@@ -25211,7 +25465,7 @@
           <p:nvPr/>
         </p:nvPicPr>
         <p:blipFill>
-          <a:blip r:embed="rId2"/>
+          <a:blip r:embed="rId3"/>
           <a:stretch>
             <a:fillRect/>
           </a:stretch>
